--- a/Presentation/failurelistpres.pptx
+++ b/Presentation/failurelistpres.pptx
@@ -4,16 +4,22 @@
   <p:sldMasterIdLst>
     <p:sldMasterId id="2147483672" r:id="rId1"/>
   </p:sldMasterIdLst>
+  <p:notesMasterIdLst>
+    <p:notesMasterId r:id="rId14"/>
+  </p:notesMasterIdLst>
   <p:sldIdLst>
     <p:sldId id="256" r:id="rId2"/>
     <p:sldId id="257" r:id="rId3"/>
     <p:sldId id="258" r:id="rId4"/>
     <p:sldId id="259" r:id="rId5"/>
-    <p:sldId id="260" r:id="rId6"/>
-    <p:sldId id="261" r:id="rId7"/>
-    <p:sldId id="262" r:id="rId8"/>
-    <p:sldId id="263" r:id="rId9"/>
-    <p:sldId id="264" r:id="rId10"/>
+    <p:sldId id="265" r:id="rId6"/>
+    <p:sldId id="267" r:id="rId7"/>
+    <p:sldId id="266" r:id="rId8"/>
+    <p:sldId id="260" r:id="rId9"/>
+    <p:sldId id="261" r:id="rId10"/>
+    <p:sldId id="262" r:id="rId11"/>
+    <p:sldId id="263" r:id="rId12"/>
+    <p:sldId id="264" r:id="rId13"/>
   </p:sldIdLst>
   <p:sldSz cx="9144000" cy="6858000" type="screen4x3"/>
   <p:notesSz cx="6858000" cy="9144000"/>
@@ -115,6 +121,468 @@
 </p:presentation>
 </file>
 
+<file path=ppt/notesMasters/notesMaster1.xml><?xml version="1.0" encoding="utf-8"?>
+<p:notesMaster xmlns:a="http://schemas.openxmlformats.org/drawingml/2006/main" xmlns:r="http://schemas.openxmlformats.org/officeDocument/2006/relationships" xmlns:p="http://schemas.openxmlformats.org/presentationml/2006/main">
+  <p:cSld>
+    <p:bg>
+      <p:bgRef idx="1001">
+        <a:schemeClr val="bg1"/>
+      </p:bgRef>
+    </p:bg>
+    <p:spTree>
+      <p:nvGrpSpPr>
+        <p:cNvPr id="1" name=""/>
+        <p:cNvGrpSpPr/>
+        <p:nvPr/>
+      </p:nvGrpSpPr>
+      <p:grpSpPr>
+        <a:xfrm>
+          <a:off x="0" y="0"/>
+          <a:ext cx="0" cy="0"/>
+          <a:chOff x="0" y="0"/>
+          <a:chExt cx="0" cy="0"/>
+        </a:xfrm>
+      </p:grpSpPr>
+      <p:sp>
+        <p:nvSpPr>
+          <p:cNvPr id="2" name="Header Placeholder 1"/>
+          <p:cNvSpPr>
+            <a:spLocks noGrp="1"/>
+          </p:cNvSpPr>
+          <p:nvPr>
+            <p:ph type="hdr" sz="quarter"/>
+          </p:nvPr>
+        </p:nvSpPr>
+        <p:spPr>
+          <a:xfrm>
+            <a:off x="0" y="0"/>
+            <a:ext cx="2971800" cy="457200"/>
+          </a:xfrm>
+          <a:prstGeom prst="rect">
+            <a:avLst/>
+          </a:prstGeom>
+        </p:spPr>
+        <p:txBody>
+          <a:bodyPr vert="horz" lIns="91440" tIns="45720" rIns="91440" bIns="45720" rtlCol="0"/>
+          <a:lstStyle>
+            <a:lvl1pPr algn="l">
+              <a:defRPr sz="1200"/>
+            </a:lvl1pPr>
+          </a:lstStyle>
+          <a:p>
+            <a:endParaRPr lang="en-US"/>
+          </a:p>
+        </p:txBody>
+      </p:sp>
+      <p:sp>
+        <p:nvSpPr>
+          <p:cNvPr id="3" name="Date Placeholder 2"/>
+          <p:cNvSpPr>
+            <a:spLocks noGrp="1"/>
+          </p:cNvSpPr>
+          <p:nvPr>
+            <p:ph type="dt" idx="1"/>
+          </p:nvPr>
+        </p:nvSpPr>
+        <p:spPr>
+          <a:xfrm>
+            <a:off x="3884613" y="0"/>
+            <a:ext cx="2971800" cy="457200"/>
+          </a:xfrm>
+          <a:prstGeom prst="rect">
+            <a:avLst/>
+          </a:prstGeom>
+        </p:spPr>
+        <p:txBody>
+          <a:bodyPr vert="horz" lIns="91440" tIns="45720" rIns="91440" bIns="45720" rtlCol="0"/>
+          <a:lstStyle>
+            <a:lvl1pPr algn="r">
+              <a:defRPr sz="1200"/>
+            </a:lvl1pPr>
+          </a:lstStyle>
+          <a:p>
+            <a:fld id="{1136E586-2040-4BC9-AE17-D107E9637EBC}" type="datetimeFigureOut">
+              <a:rPr lang="en-US" smtClean="0"/>
+              <a:t>3/9/2015</a:t>
+            </a:fld>
+            <a:endParaRPr lang="en-US"/>
+          </a:p>
+        </p:txBody>
+      </p:sp>
+      <p:sp>
+        <p:nvSpPr>
+          <p:cNvPr id="4" name="Slide Image Placeholder 3"/>
+          <p:cNvSpPr>
+            <a:spLocks noGrp="1" noRot="1" noChangeAspect="1"/>
+          </p:cNvSpPr>
+          <p:nvPr>
+            <p:ph type="sldImg" idx="2"/>
+          </p:nvPr>
+        </p:nvSpPr>
+        <p:spPr>
+          <a:xfrm>
+            <a:off x="1143000" y="685800"/>
+            <a:ext cx="4572000" cy="3429000"/>
+          </a:xfrm>
+          <a:prstGeom prst="rect">
+            <a:avLst/>
+          </a:prstGeom>
+          <a:noFill/>
+          <a:ln w="12700">
+            <a:solidFill>
+              <a:prstClr val="black"/>
+            </a:solidFill>
+          </a:ln>
+        </p:spPr>
+        <p:txBody>
+          <a:bodyPr vert="horz" lIns="91440" tIns="45720" rIns="91440" bIns="45720" rtlCol="0" anchor="ctr"/>
+          <a:lstStyle/>
+          <a:p>
+            <a:endParaRPr lang="en-US"/>
+          </a:p>
+        </p:txBody>
+      </p:sp>
+      <p:sp>
+        <p:nvSpPr>
+          <p:cNvPr id="5" name="Notes Placeholder 4"/>
+          <p:cNvSpPr>
+            <a:spLocks noGrp="1"/>
+          </p:cNvSpPr>
+          <p:nvPr>
+            <p:ph type="body" sz="quarter" idx="3"/>
+          </p:nvPr>
+        </p:nvSpPr>
+        <p:spPr>
+          <a:xfrm>
+            <a:off x="685800" y="4343400"/>
+            <a:ext cx="5486400" cy="4114800"/>
+          </a:xfrm>
+          <a:prstGeom prst="rect">
+            <a:avLst/>
+          </a:prstGeom>
+        </p:spPr>
+        <p:txBody>
+          <a:bodyPr vert="horz" lIns="91440" tIns="45720" rIns="91440" bIns="45720" rtlCol="0"/>
+          <a:lstStyle/>
+          <a:p>
+            <a:pPr lvl="0"/>
+            <a:r>
+              <a:rPr lang="en-US" smtClean="0"/>
+              <a:t>Click to edit Master text styles</a:t>
+            </a:r>
+          </a:p>
+          <a:p>
+            <a:pPr lvl="1"/>
+            <a:r>
+              <a:rPr lang="en-US" smtClean="0"/>
+              <a:t>Second level</a:t>
+            </a:r>
+          </a:p>
+          <a:p>
+            <a:pPr lvl="2"/>
+            <a:r>
+              <a:rPr lang="en-US" smtClean="0"/>
+              <a:t>Third level</a:t>
+            </a:r>
+          </a:p>
+          <a:p>
+            <a:pPr lvl="3"/>
+            <a:r>
+              <a:rPr lang="en-US" smtClean="0"/>
+              <a:t>Fourth level</a:t>
+            </a:r>
+          </a:p>
+          <a:p>
+            <a:pPr lvl="4"/>
+            <a:r>
+              <a:rPr lang="en-US" smtClean="0"/>
+              <a:t>Fifth level</a:t>
+            </a:r>
+            <a:endParaRPr lang="en-US"/>
+          </a:p>
+        </p:txBody>
+      </p:sp>
+      <p:sp>
+        <p:nvSpPr>
+          <p:cNvPr id="6" name="Footer Placeholder 5"/>
+          <p:cNvSpPr>
+            <a:spLocks noGrp="1"/>
+          </p:cNvSpPr>
+          <p:nvPr>
+            <p:ph type="ftr" sz="quarter" idx="4"/>
+          </p:nvPr>
+        </p:nvSpPr>
+        <p:spPr>
+          <a:xfrm>
+            <a:off x="0" y="8685213"/>
+            <a:ext cx="2971800" cy="457200"/>
+          </a:xfrm>
+          <a:prstGeom prst="rect">
+            <a:avLst/>
+          </a:prstGeom>
+        </p:spPr>
+        <p:txBody>
+          <a:bodyPr vert="horz" lIns="91440" tIns="45720" rIns="91440" bIns="45720" rtlCol="0" anchor="b"/>
+          <a:lstStyle>
+            <a:lvl1pPr algn="l">
+              <a:defRPr sz="1200"/>
+            </a:lvl1pPr>
+          </a:lstStyle>
+          <a:p>
+            <a:endParaRPr lang="en-US"/>
+          </a:p>
+        </p:txBody>
+      </p:sp>
+      <p:sp>
+        <p:nvSpPr>
+          <p:cNvPr id="7" name="Slide Number Placeholder 6"/>
+          <p:cNvSpPr>
+            <a:spLocks noGrp="1"/>
+          </p:cNvSpPr>
+          <p:nvPr>
+            <p:ph type="sldNum" sz="quarter" idx="5"/>
+          </p:nvPr>
+        </p:nvSpPr>
+        <p:spPr>
+          <a:xfrm>
+            <a:off x="3884613" y="8685213"/>
+            <a:ext cx="2971800" cy="457200"/>
+          </a:xfrm>
+          <a:prstGeom prst="rect">
+            <a:avLst/>
+          </a:prstGeom>
+        </p:spPr>
+        <p:txBody>
+          <a:bodyPr vert="horz" lIns="91440" tIns="45720" rIns="91440" bIns="45720" rtlCol="0" anchor="b"/>
+          <a:lstStyle>
+            <a:lvl1pPr algn="r">
+              <a:defRPr sz="1200"/>
+            </a:lvl1pPr>
+          </a:lstStyle>
+          <a:p>
+            <a:fld id="{8FEA97C9-4466-4B22-BA52-B9C1B405D533}" type="slidenum">
+              <a:rPr lang="en-US" smtClean="0"/>
+              <a:t>‹#›</a:t>
+            </a:fld>
+            <a:endParaRPr lang="en-US"/>
+          </a:p>
+        </p:txBody>
+      </p:sp>
+    </p:spTree>
+    <p:extLst>
+      <p:ext uri="{BB962C8B-B14F-4D97-AF65-F5344CB8AC3E}">
+        <p14:creationId xmlns:p14="http://schemas.microsoft.com/office/powerpoint/2010/main" val="1656267700"/>
+      </p:ext>
+    </p:extLst>
+  </p:cSld>
+  <p:clrMap bg1="lt1" tx1="dk1" bg2="lt2" tx2="dk2" accent1="accent1" accent2="accent2" accent3="accent3" accent4="accent4" accent5="accent5" accent6="accent6" hlink="hlink" folHlink="folHlink"/>
+  <p:notesStyle>
+    <a:lvl1pPr marL="0" algn="l" defTabSz="914400" rtl="0" eaLnBrk="1" latinLnBrk="0" hangingPunct="1">
+      <a:defRPr sz="1200" kern="1200">
+        <a:solidFill>
+          <a:schemeClr val="tx1"/>
+        </a:solidFill>
+        <a:latin typeface="+mn-lt"/>
+        <a:ea typeface="+mn-ea"/>
+        <a:cs typeface="+mn-cs"/>
+      </a:defRPr>
+    </a:lvl1pPr>
+    <a:lvl2pPr marL="457200" algn="l" defTabSz="914400" rtl="0" eaLnBrk="1" latinLnBrk="0" hangingPunct="1">
+      <a:defRPr sz="1200" kern="1200">
+        <a:solidFill>
+          <a:schemeClr val="tx1"/>
+        </a:solidFill>
+        <a:latin typeface="+mn-lt"/>
+        <a:ea typeface="+mn-ea"/>
+        <a:cs typeface="+mn-cs"/>
+      </a:defRPr>
+    </a:lvl2pPr>
+    <a:lvl3pPr marL="914400" algn="l" defTabSz="914400" rtl="0" eaLnBrk="1" latinLnBrk="0" hangingPunct="1">
+      <a:defRPr sz="1200" kern="1200">
+        <a:solidFill>
+          <a:schemeClr val="tx1"/>
+        </a:solidFill>
+        <a:latin typeface="+mn-lt"/>
+        <a:ea typeface="+mn-ea"/>
+        <a:cs typeface="+mn-cs"/>
+      </a:defRPr>
+    </a:lvl3pPr>
+    <a:lvl4pPr marL="1371600" algn="l" defTabSz="914400" rtl="0" eaLnBrk="1" latinLnBrk="0" hangingPunct="1">
+      <a:defRPr sz="1200" kern="1200">
+        <a:solidFill>
+          <a:schemeClr val="tx1"/>
+        </a:solidFill>
+        <a:latin typeface="+mn-lt"/>
+        <a:ea typeface="+mn-ea"/>
+        <a:cs typeface="+mn-cs"/>
+      </a:defRPr>
+    </a:lvl4pPr>
+    <a:lvl5pPr marL="1828800" algn="l" defTabSz="914400" rtl="0" eaLnBrk="1" latinLnBrk="0" hangingPunct="1">
+      <a:defRPr sz="1200" kern="1200">
+        <a:solidFill>
+          <a:schemeClr val="tx1"/>
+        </a:solidFill>
+        <a:latin typeface="+mn-lt"/>
+        <a:ea typeface="+mn-ea"/>
+        <a:cs typeface="+mn-cs"/>
+      </a:defRPr>
+    </a:lvl5pPr>
+    <a:lvl6pPr marL="2286000" algn="l" defTabSz="914400" rtl="0" eaLnBrk="1" latinLnBrk="0" hangingPunct="1">
+      <a:defRPr sz="1200" kern="1200">
+        <a:solidFill>
+          <a:schemeClr val="tx1"/>
+        </a:solidFill>
+        <a:latin typeface="+mn-lt"/>
+        <a:ea typeface="+mn-ea"/>
+        <a:cs typeface="+mn-cs"/>
+      </a:defRPr>
+    </a:lvl6pPr>
+    <a:lvl7pPr marL="2743200" algn="l" defTabSz="914400" rtl="0" eaLnBrk="1" latinLnBrk="0" hangingPunct="1">
+      <a:defRPr sz="1200" kern="1200">
+        <a:solidFill>
+          <a:schemeClr val="tx1"/>
+        </a:solidFill>
+        <a:latin typeface="+mn-lt"/>
+        <a:ea typeface="+mn-ea"/>
+        <a:cs typeface="+mn-cs"/>
+      </a:defRPr>
+    </a:lvl7pPr>
+    <a:lvl8pPr marL="3200400" algn="l" defTabSz="914400" rtl="0" eaLnBrk="1" latinLnBrk="0" hangingPunct="1">
+      <a:defRPr sz="1200" kern="1200">
+        <a:solidFill>
+          <a:schemeClr val="tx1"/>
+        </a:solidFill>
+        <a:latin typeface="+mn-lt"/>
+        <a:ea typeface="+mn-ea"/>
+        <a:cs typeface="+mn-cs"/>
+      </a:defRPr>
+    </a:lvl8pPr>
+    <a:lvl9pPr marL="3657600" algn="l" defTabSz="914400" rtl="0" eaLnBrk="1" latinLnBrk="0" hangingPunct="1">
+      <a:defRPr sz="1200" kern="1200">
+        <a:solidFill>
+          <a:schemeClr val="tx1"/>
+        </a:solidFill>
+        <a:latin typeface="+mn-lt"/>
+        <a:ea typeface="+mn-ea"/>
+        <a:cs typeface="+mn-cs"/>
+      </a:defRPr>
+    </a:lvl9pPr>
+  </p:notesStyle>
+</p:notesMaster>
+</file>
+
+<file path=ppt/notesSlides/notesSlide1.xml><?xml version="1.0" encoding="utf-8"?>
+<p:notes xmlns:a="http://schemas.openxmlformats.org/drawingml/2006/main" xmlns:r="http://schemas.openxmlformats.org/officeDocument/2006/relationships" xmlns:p="http://schemas.openxmlformats.org/presentationml/2006/main">
+  <p:cSld>
+    <p:spTree>
+      <p:nvGrpSpPr>
+        <p:cNvPr id="1" name=""/>
+        <p:cNvGrpSpPr/>
+        <p:nvPr/>
+      </p:nvGrpSpPr>
+      <p:grpSpPr>
+        <a:xfrm>
+          <a:off x="0" y="0"/>
+          <a:ext cx="0" cy="0"/>
+          <a:chOff x="0" y="0"/>
+          <a:chExt cx="0" cy="0"/>
+        </a:xfrm>
+      </p:grpSpPr>
+      <p:sp>
+        <p:nvSpPr>
+          <p:cNvPr id="2" name="Slide Image Placeholder 1"/>
+          <p:cNvSpPr>
+            <a:spLocks noGrp="1" noRot="1" noChangeAspect="1"/>
+          </p:cNvSpPr>
+          <p:nvPr>
+            <p:ph type="sldImg"/>
+          </p:nvPr>
+        </p:nvSpPr>
+        <p:spPr/>
+      </p:sp>
+      <p:sp>
+        <p:nvSpPr>
+          <p:cNvPr id="3" name="Notes Placeholder 2"/>
+          <p:cNvSpPr>
+            <a:spLocks noGrp="1"/>
+          </p:cNvSpPr>
+          <p:nvPr>
+            <p:ph type="body" idx="1"/>
+          </p:nvPr>
+        </p:nvSpPr>
+        <p:spPr/>
+        <p:txBody>
+          <a:bodyPr/>
+          <a:lstStyle/>
+          <a:p>
+            <a:r>
+              <a:rPr lang="en-US" dirty="0" smtClean="0"/>
+              <a:t>Order:</a:t>
+            </a:r>
+            <a:r>
+              <a:rPr lang="en-US" baseline="0" dirty="0" smtClean="0"/>
+              <a:t> MS okay first, low yield later. Numbers LAST.</a:t>
+            </a:r>
+          </a:p>
+          <a:p>
+            <a:r>
+              <a:rPr lang="en-US" baseline="0" dirty="0" smtClean="0"/>
+              <a:t>varied notes: </a:t>
+            </a:r>
+            <a:r>
+              <a:rPr lang="en-US" baseline="0" dirty="0" err="1" smtClean="0"/>
+              <a:t>Stellaris</a:t>
+            </a:r>
+            <a:r>
+              <a:rPr lang="en-US" baseline="0" dirty="0" smtClean="0"/>
+              <a:t> failures</a:t>
+            </a:r>
+          </a:p>
+          <a:p>
+            <a:r>
+              <a:rPr lang="en-US" baseline="0" dirty="0" smtClean="0"/>
+              <a:t>Spelling: Yield Notes</a:t>
+            </a:r>
+            <a:endParaRPr lang="en-US" dirty="0"/>
+          </a:p>
+        </p:txBody>
+      </p:sp>
+      <p:sp>
+        <p:nvSpPr>
+          <p:cNvPr id="4" name="Slide Number Placeholder 3"/>
+          <p:cNvSpPr>
+            <a:spLocks noGrp="1"/>
+          </p:cNvSpPr>
+          <p:nvPr>
+            <p:ph type="sldNum" sz="quarter" idx="10"/>
+          </p:nvPr>
+        </p:nvSpPr>
+        <p:spPr/>
+        <p:txBody>
+          <a:bodyPr/>
+          <a:lstStyle/>
+          <a:p>
+            <a:fld id="{8FEA97C9-4466-4B22-BA52-B9C1B405D533}" type="slidenum">
+              <a:rPr lang="en-US" smtClean="0"/>
+              <a:t>6</a:t>
+            </a:fld>
+            <a:endParaRPr lang="en-US"/>
+          </a:p>
+        </p:txBody>
+      </p:sp>
+    </p:spTree>
+    <p:extLst>
+      <p:ext uri="{BB962C8B-B14F-4D97-AF65-F5344CB8AC3E}">
+        <p14:creationId xmlns:p14="http://schemas.microsoft.com/office/powerpoint/2010/main" val="663260905"/>
+      </p:ext>
+    </p:extLst>
+  </p:cSld>
+  <p:clrMapOvr>
+    <a:masterClrMapping/>
+  </p:clrMapOvr>
+</p:notes>
+</file>
+
 <file path=ppt/slideLayouts/slideLayout1.xml><?xml version="1.0" encoding="utf-8"?>
 <p:sldLayout xmlns:a="http://schemas.openxmlformats.org/drawingml/2006/main" xmlns:r="http://schemas.openxmlformats.org/officeDocument/2006/relationships" xmlns:p="http://schemas.openxmlformats.org/presentationml/2006/main" showMasterSp="0" type="title" preserve="1">
   <p:cSld name="Title Slide">
@@ -368,7 +836,7 @@
           <a:p>
             <a:fld id="{0799CF6B-B3C2-4A64-AB77-46C273E299E2}" type="datetimeFigureOut">
               <a:rPr lang="en-US" smtClean="0"/>
-              <a:t>3/3/2015</a:t>
+              <a:t>3/9/2015</a:t>
             </a:fld>
             <a:endParaRPr lang="en-US"/>
           </a:p>
@@ -581,7 +1049,7 @@
           <a:p>
             <a:fld id="{0799CF6B-B3C2-4A64-AB77-46C273E299E2}" type="datetimeFigureOut">
               <a:rPr lang="en-US" smtClean="0"/>
-              <a:t>3/3/2015</a:t>
+              <a:t>3/9/2015</a:t>
             </a:fld>
             <a:endParaRPr lang="en-US"/>
           </a:p>
@@ -848,7 +1316,7 @@
           <a:p>
             <a:fld id="{0799CF6B-B3C2-4A64-AB77-46C273E299E2}" type="datetimeFigureOut">
               <a:rPr lang="en-US" smtClean="0"/>
-              <a:t>3/3/2015</a:t>
+              <a:t>3/9/2015</a:t>
             </a:fld>
             <a:endParaRPr lang="en-US"/>
           </a:p>
@@ -998,7 +1466,7 @@
           <a:p>
             <a:fld id="{0799CF6B-B3C2-4A64-AB77-46C273E299E2}" type="datetimeFigureOut">
               <a:rPr lang="en-US" smtClean="0"/>
-              <a:t>3/3/2015</a:t>
+              <a:t>3/9/2015</a:t>
             </a:fld>
             <a:endParaRPr lang="en-US"/>
           </a:p>
@@ -1328,7 +1796,7 @@
           <a:p>
             <a:fld id="{0799CF6B-B3C2-4A64-AB77-46C273E299E2}" type="datetimeFigureOut">
               <a:rPr lang="en-US" smtClean="0"/>
-              <a:t>3/3/2015</a:t>
+              <a:t>3/9/2015</a:t>
             </a:fld>
             <a:endParaRPr lang="en-US"/>
           </a:p>
@@ -1636,7 +2104,7 @@
           <a:p>
             <a:fld id="{0799CF6B-B3C2-4A64-AB77-46C273E299E2}" type="datetimeFigureOut">
               <a:rPr lang="en-US" smtClean="0"/>
-              <a:t>3/3/2015</a:t>
+              <a:t>3/9/2015</a:t>
             </a:fld>
             <a:endParaRPr lang="en-US"/>
           </a:p>
@@ -2057,7 +2525,7 @@
           <a:p>
             <a:fld id="{0799CF6B-B3C2-4A64-AB77-46C273E299E2}" type="datetimeFigureOut">
               <a:rPr lang="en-US" smtClean="0"/>
-              <a:t>3/3/2015</a:t>
+              <a:t>3/9/2015</a:t>
             </a:fld>
             <a:endParaRPr lang="en-US"/>
           </a:p>
@@ -2170,7 +2638,7 @@
           <a:p>
             <a:fld id="{0799CF6B-B3C2-4A64-AB77-46C273E299E2}" type="datetimeFigureOut">
               <a:rPr lang="en-US" smtClean="0"/>
-              <a:t>3/3/2015</a:t>
+              <a:t>3/9/2015</a:t>
             </a:fld>
             <a:endParaRPr lang="en-US"/>
           </a:p>
@@ -2329,7 +2797,7 @@
           <a:p>
             <a:fld id="{0799CF6B-B3C2-4A64-AB77-46C273E299E2}" type="datetimeFigureOut">
               <a:rPr lang="en-US" smtClean="0"/>
-              <a:t>3/3/2015</a:t>
+              <a:t>3/9/2015</a:t>
             </a:fld>
             <a:endParaRPr lang="en-US"/>
           </a:p>
@@ -2713,7 +3181,7 @@
           <a:p>
             <a:fld id="{0799CF6B-B3C2-4A64-AB77-46C273E299E2}" type="datetimeFigureOut">
               <a:rPr lang="en-US" smtClean="0"/>
-              <a:t>3/3/2015</a:t>
+              <a:t>3/9/2015</a:t>
             </a:fld>
             <a:endParaRPr lang="en-US"/>
           </a:p>
@@ -3075,7 +3543,7 @@
           <a:p>
             <a:fld id="{0799CF6B-B3C2-4A64-AB77-46C273E299E2}" type="datetimeFigureOut">
               <a:rPr lang="en-US" smtClean="0"/>
-              <a:t>3/3/2015</a:t>
+              <a:t>3/9/2015</a:t>
             </a:fld>
             <a:endParaRPr lang="en-US"/>
           </a:p>
@@ -3409,7 +3877,7 @@
           <a:p>
             <a:fld id="{0799CF6B-B3C2-4A64-AB77-46C273E299E2}" type="datetimeFigureOut">
               <a:rPr lang="en-US" smtClean="0"/>
-              <a:t>3/3/2015</a:t>
+              <a:t>3/9/2015</a:t>
             </a:fld>
             <a:endParaRPr lang="en-US"/>
           </a:p>
@@ -3873,6 +4341,1435 @@
   <p:clrMapOvr>
     <a:masterClrMapping/>
   </p:clrMapOvr>
+  <p:timing>
+    <p:tnLst>
+      <p:par>
+        <p:cTn id="1" dur="indefinite" restart="never" nodeType="tmRoot"/>
+      </p:par>
+    </p:tnLst>
+  </p:timing>
+</p:sld>
+</file>
+
+<file path=ppt/slides/slide10.xml><?xml version="1.0" encoding="utf-8"?>
+<p:sld xmlns:a="http://schemas.openxmlformats.org/drawingml/2006/main" xmlns:r="http://schemas.openxmlformats.org/officeDocument/2006/relationships" xmlns:p="http://schemas.openxmlformats.org/presentationml/2006/main">
+  <p:cSld>
+    <p:spTree>
+      <p:nvGrpSpPr>
+        <p:cNvPr id="1" name=""/>
+        <p:cNvGrpSpPr/>
+        <p:nvPr/>
+      </p:nvGrpSpPr>
+      <p:grpSpPr>
+        <a:xfrm>
+          <a:off x="0" y="0"/>
+          <a:ext cx="0" cy="0"/>
+          <a:chOff x="0" y="0"/>
+          <a:chExt cx="0" cy="0"/>
+        </a:xfrm>
+      </p:grpSpPr>
+      <p:sp>
+        <p:nvSpPr>
+          <p:cNvPr id="6" name="Text Placeholder 5"/>
+          <p:cNvSpPr>
+            <a:spLocks noGrp="1"/>
+          </p:cNvSpPr>
+          <p:nvPr>
+            <p:ph type="body" sz="half" idx="2"/>
+          </p:nvPr>
+        </p:nvSpPr>
+        <p:spPr>
+          <a:xfrm>
+            <a:off x="6934200" y="685800"/>
+            <a:ext cx="1941945" cy="5761182"/>
+          </a:xfrm>
+        </p:spPr>
+        <p:txBody>
+          <a:bodyPr>
+            <a:normAutofit/>
+          </a:bodyPr>
+          <a:lstStyle/>
+          <a:p>
+            <a:pPr>
+              <a:buClrTx/>
+            </a:pPr>
+            <a:endParaRPr lang="en-US" dirty="0" smtClean="0"/>
+          </a:p>
+          <a:p>
+            <a:pPr marL="342900" indent="-342900">
+              <a:buClrTx/>
+              <a:buFont typeface="+mj-lt"/>
+              <a:buAutoNum type="arabicPeriod"/>
+            </a:pPr>
+            <a:r>
+              <a:rPr lang="en-US" sz="1100" dirty="0" err="1" smtClean="0"/>
+              <a:t>Filemaker</a:t>
+            </a:r>
+            <a:r>
+              <a:rPr lang="en-US" sz="1100" dirty="0" smtClean="0"/>
+              <a:t> Search</a:t>
+            </a:r>
+          </a:p>
+          <a:p>
+            <a:pPr marL="800100" lvl="1" indent="-342900">
+              <a:buClrTx/>
+              <a:buFont typeface="Arial" panose="020B0604020202020204" pitchFamily="34" charset="0"/>
+              <a:buChar char="•"/>
+            </a:pPr>
+            <a:r>
+              <a:rPr lang="en-US" sz="1100" dirty="0" smtClean="0"/>
+              <a:t>Time frame</a:t>
+            </a:r>
+          </a:p>
+          <a:p>
+            <a:pPr marL="800100" lvl="1" indent="-342900">
+              <a:buClrTx/>
+              <a:buFont typeface="Arial" panose="020B0604020202020204" pitchFamily="34" charset="0"/>
+              <a:buChar char="•"/>
+            </a:pPr>
+            <a:r>
+              <a:rPr lang="en-US" sz="1100" dirty="0" smtClean="0"/>
+              <a:t>Other Boxes</a:t>
+            </a:r>
+          </a:p>
+          <a:p>
+            <a:pPr marL="342900" indent="-342900">
+              <a:buClrTx/>
+              <a:buFont typeface="+mj-lt"/>
+              <a:buAutoNum type="arabicPeriod"/>
+            </a:pPr>
+            <a:r>
+              <a:rPr lang="en-US" sz="1100" dirty="0" smtClean="0"/>
+              <a:t>Export</a:t>
+            </a:r>
+          </a:p>
+          <a:p>
+            <a:pPr marL="800100" lvl="1" indent="-342900">
+              <a:buClrTx/>
+              <a:buFont typeface="Arial" panose="020B0604020202020204" pitchFamily="34" charset="0"/>
+              <a:buChar char="•"/>
+            </a:pPr>
+            <a:r>
+              <a:rPr lang="en-US" sz="1100" dirty="0" smtClean="0"/>
+              <a:t>Save location</a:t>
+            </a:r>
+          </a:p>
+          <a:p>
+            <a:pPr marL="800100" lvl="1" indent="-342900">
+              <a:buClrTx/>
+              <a:buFont typeface="Arial" panose="020B0604020202020204" pitchFamily="34" charset="0"/>
+              <a:buChar char="•"/>
+            </a:pPr>
+            <a:r>
+              <a:rPr lang="en-US" sz="1100" dirty="0" err="1" smtClean="0"/>
+              <a:t>Catagories</a:t>
+            </a:r>
+            <a:endParaRPr lang="en-US" sz="1100" dirty="0" smtClean="0"/>
+          </a:p>
+          <a:p>
+            <a:pPr marL="800100" lvl="1" indent="-342900">
+              <a:buClrTx/>
+              <a:buFont typeface="Arial" panose="020B0604020202020204" pitchFamily="34" charset="0"/>
+              <a:buChar char="•"/>
+            </a:pPr>
+            <a:r>
+              <a:rPr lang="en-US" sz="1100" dirty="0" smtClean="0"/>
+              <a:t>Time</a:t>
+            </a:r>
+          </a:p>
+          <a:p>
+            <a:pPr marL="342900" indent="-342900">
+              <a:buClrTx/>
+              <a:buFont typeface="+mj-lt"/>
+              <a:buAutoNum type="arabicPeriod"/>
+            </a:pPr>
+            <a:r>
+              <a:rPr lang="en-US" sz="1100" dirty="0" smtClean="0"/>
+              <a:t>.Tab File</a:t>
+            </a:r>
+          </a:p>
+          <a:p>
+            <a:pPr marL="800100" lvl="1" indent="-342900">
+              <a:buClrTx/>
+              <a:buFont typeface="Arial" panose="020B0604020202020204" pitchFamily="34" charset="0"/>
+              <a:buChar char="•"/>
+            </a:pPr>
+            <a:r>
+              <a:rPr lang="en-US" sz="1100" dirty="0" smtClean="0"/>
+              <a:t>Size</a:t>
+            </a:r>
+          </a:p>
+          <a:p>
+            <a:pPr marL="800100" lvl="1" indent="-342900">
+              <a:buClrTx/>
+              <a:buFont typeface="Arial" panose="020B0604020202020204" pitchFamily="34" charset="0"/>
+              <a:buChar char="•"/>
+            </a:pPr>
+            <a:r>
+              <a:rPr lang="en-US" sz="1100" dirty="0" smtClean="0"/>
+              <a:t>Contents</a:t>
+            </a:r>
+          </a:p>
+          <a:p>
+            <a:pPr marL="342900" indent="-342900">
+              <a:buClrTx/>
+              <a:buFont typeface="+mj-lt"/>
+              <a:buAutoNum type="arabicPeriod"/>
+            </a:pPr>
+            <a:r>
+              <a:rPr lang="en-US" sz="1100" dirty="0" smtClean="0"/>
+              <a:t>Run Script</a:t>
+            </a:r>
+          </a:p>
+          <a:p>
+            <a:pPr marL="800100" lvl="1" indent="-342900">
+              <a:buClrTx/>
+              <a:buFont typeface="Arial" panose="020B0604020202020204" pitchFamily="34" charset="0"/>
+              <a:buChar char="•"/>
+            </a:pPr>
+            <a:r>
+              <a:rPr lang="en-US" sz="1100" dirty="0" smtClean="0"/>
+              <a:t>How to Run</a:t>
+            </a:r>
+          </a:p>
+          <a:p>
+            <a:pPr marL="800100" lvl="1" indent="-342900">
+              <a:buClrTx/>
+              <a:buFont typeface="Arial" panose="020B0604020202020204" pitchFamily="34" charset="0"/>
+              <a:buChar char="•"/>
+            </a:pPr>
+            <a:r>
+              <a:rPr lang="en-US" sz="1100" dirty="0" smtClean="0"/>
+              <a:t>Script Logic</a:t>
+            </a:r>
+          </a:p>
+          <a:p>
+            <a:pPr marL="800100" lvl="1" indent="-342900">
+              <a:buClrTx/>
+              <a:buFont typeface="Arial" panose="020B0604020202020204" pitchFamily="34" charset="0"/>
+              <a:buChar char="•"/>
+            </a:pPr>
+            <a:r>
+              <a:rPr lang="en-US" sz="1100" dirty="0" smtClean="0"/>
+              <a:t>Time</a:t>
+            </a:r>
+          </a:p>
+          <a:p>
+            <a:pPr marL="342900" indent="-342900">
+              <a:buClrTx/>
+              <a:buFont typeface="+mj-lt"/>
+              <a:buAutoNum type="arabicPeriod"/>
+            </a:pPr>
+            <a:r>
+              <a:rPr lang="en-US" sz="1100" dirty="0" smtClean="0"/>
+              <a:t>Excel File</a:t>
+            </a:r>
+          </a:p>
+          <a:p>
+            <a:pPr marL="800100" lvl="1" indent="-342900">
+              <a:buClrTx/>
+              <a:buFont typeface="Arial" panose="020B0604020202020204" pitchFamily="34" charset="0"/>
+              <a:buChar char="•"/>
+            </a:pPr>
+            <a:r>
+              <a:rPr lang="en-US" sz="1100" dirty="0" smtClean="0"/>
+              <a:t>Different sheets</a:t>
+            </a:r>
+          </a:p>
+          <a:p>
+            <a:pPr marL="800100" lvl="1" indent="-342900">
+              <a:buClrTx/>
+              <a:buFont typeface="Arial" panose="020B0604020202020204" pitchFamily="34" charset="0"/>
+              <a:buChar char="•"/>
+            </a:pPr>
+            <a:r>
+              <a:rPr lang="en-US" sz="1100" dirty="0" smtClean="0"/>
+              <a:t>Size</a:t>
+            </a:r>
+          </a:p>
+        </p:txBody>
+      </p:sp>
+      <p:sp>
+        <p:nvSpPr>
+          <p:cNvPr id="4" name="Title 3"/>
+          <p:cNvSpPr>
+            <a:spLocks noGrp="1"/>
+          </p:cNvSpPr>
+          <p:nvPr>
+            <p:ph type="title"/>
+          </p:nvPr>
+        </p:nvSpPr>
+        <p:spPr>
+          <a:xfrm>
+            <a:off x="304800" y="228601"/>
+            <a:ext cx="6400800" cy="1066800"/>
+          </a:xfrm>
+        </p:spPr>
+        <p:txBody>
+          <a:bodyPr anchor="ctr">
+            <a:normAutofit/>
+          </a:bodyPr>
+          <a:lstStyle/>
+          <a:p>
+            <a:pPr algn="ctr"/>
+            <a:r>
+              <a:rPr lang="en-US" sz="3600" dirty="0" smtClean="0"/>
+              <a:t>Run Script</a:t>
+            </a:r>
+            <a:endParaRPr lang="en-US" sz="3600" dirty="0"/>
+          </a:p>
+        </p:txBody>
+      </p:sp>
+      <p:sp>
+        <p:nvSpPr>
+          <p:cNvPr id="2" name="TextBox 1"/>
+          <p:cNvSpPr txBox="1"/>
+          <p:nvPr/>
+        </p:nvSpPr>
+        <p:spPr>
+          <a:xfrm>
+            <a:off x="233548" y="843224"/>
+            <a:ext cx="6400800" cy="461665"/>
+          </a:xfrm>
+          <a:prstGeom prst="rect">
+            <a:avLst/>
+          </a:prstGeom>
+          <a:noFill/>
+        </p:spPr>
+        <p:txBody>
+          <a:bodyPr wrap="square" rtlCol="0">
+            <a:spAutoFit/>
+          </a:bodyPr>
+          <a:lstStyle/>
+          <a:p>
+            <a:r>
+              <a:rPr lang="en-US" sz="2400" dirty="0" smtClean="0"/>
+              <a:t>Script Logic</a:t>
+            </a:r>
+            <a:endParaRPr lang="en-US" sz="2400" dirty="0"/>
+          </a:p>
+        </p:txBody>
+      </p:sp>
+      <p:sp>
+        <p:nvSpPr>
+          <p:cNvPr id="3" name="TextBox 2"/>
+          <p:cNvSpPr txBox="1">
+            <a:spLocks/>
+          </p:cNvSpPr>
+          <p:nvPr/>
+        </p:nvSpPr>
+        <p:spPr>
+          <a:xfrm>
+            <a:off x="549893" y="1309354"/>
+            <a:ext cx="6084455" cy="5401479"/>
+          </a:xfrm>
+          <a:prstGeom prst="rect">
+            <a:avLst/>
+          </a:prstGeom>
+          <a:noFill/>
+        </p:spPr>
+        <p:txBody>
+          <a:bodyPr wrap="square" rtlCol="0">
+            <a:spAutoFit/>
+          </a:bodyPr>
+          <a:lstStyle/>
+          <a:p>
+            <a:pPr marL="342900" indent="-342900">
+              <a:buFont typeface="+mj-lt"/>
+              <a:buAutoNum type="arabicPeriod"/>
+            </a:pPr>
+            <a:r>
+              <a:rPr lang="en-US" sz="1500" dirty="0" smtClean="0"/>
+              <a:t>Reads in raw data file, specified by user</a:t>
+            </a:r>
+          </a:p>
+          <a:p>
+            <a:pPr marL="342900" indent="-342900">
+              <a:buFont typeface="+mj-lt"/>
+              <a:buAutoNum type="arabicPeriod"/>
+            </a:pPr>
+            <a:r>
+              <a:rPr lang="en-US" sz="1500" dirty="0" smtClean="0"/>
+              <a:t>Removes  sequences that have no notes</a:t>
+            </a:r>
+          </a:p>
+          <a:p>
+            <a:pPr marL="342900" indent="-342900">
+              <a:buFont typeface="+mj-lt"/>
+              <a:buAutoNum type="arabicPeriod"/>
+            </a:pPr>
+            <a:r>
+              <a:rPr lang="en-US" sz="1500" dirty="0" smtClean="0"/>
+              <a:t>Cleans up file to contain no uppercases or extra spaces</a:t>
+            </a:r>
+          </a:p>
+          <a:p>
+            <a:pPr marL="342900" indent="-342900">
+              <a:buFont typeface="+mj-lt"/>
+              <a:buAutoNum type="arabicPeriod"/>
+            </a:pPr>
+            <a:r>
+              <a:rPr lang="en-US" sz="1500" dirty="0" smtClean="0"/>
+              <a:t>Removes sequences that have non-failure related notes</a:t>
+            </a:r>
+          </a:p>
+          <a:p>
+            <a:pPr marL="800100" lvl="1" indent="-342900">
+              <a:buFont typeface="Arial" panose="020B0604020202020204" pitchFamily="34" charset="0"/>
+              <a:buChar char="•"/>
+            </a:pPr>
+            <a:r>
+              <a:rPr lang="en-US" sz="1500" dirty="0" smtClean="0"/>
+              <a:t>Ex) </a:t>
+            </a:r>
+            <a:r>
+              <a:rPr lang="en-US" sz="1500" dirty="0" err="1" smtClean="0"/>
+              <a:t>relot</a:t>
+            </a:r>
+            <a:r>
+              <a:rPr lang="en-US" sz="1500" dirty="0" smtClean="0"/>
+              <a:t>, recombine, wobble okay, </a:t>
+            </a:r>
+            <a:r>
+              <a:rPr lang="en-US" sz="1500" dirty="0" err="1" smtClean="0"/>
+              <a:t>etc</a:t>
+            </a:r>
+            <a:endParaRPr lang="en-US" sz="1500" dirty="0" smtClean="0"/>
+          </a:p>
+          <a:p>
+            <a:pPr marL="342900" indent="-342900">
+              <a:buFont typeface="+mj-lt"/>
+              <a:buAutoNum type="arabicPeriod"/>
+            </a:pPr>
+            <a:r>
+              <a:rPr lang="en-US" sz="1500" dirty="0" smtClean="0"/>
+              <a:t>Changes failure notes to standardized failures</a:t>
+            </a:r>
+          </a:p>
+          <a:p>
+            <a:pPr marL="800100" lvl="1" indent="-342900">
+              <a:buFont typeface="Arial" panose="020B0604020202020204" pitchFamily="34" charset="0"/>
+              <a:buChar char="•"/>
+            </a:pPr>
+            <a:r>
+              <a:rPr lang="en-US" sz="1500" dirty="0" smtClean="0"/>
+              <a:t>Ex) more than 3 </a:t>
+            </a:r>
+            <a:r>
+              <a:rPr lang="en-US" sz="1500" dirty="0" err="1" smtClean="0"/>
+              <a:t>stellaris</a:t>
+            </a:r>
+            <a:r>
+              <a:rPr lang="en-US" sz="1500" dirty="0" smtClean="0"/>
+              <a:t> failures &amp; 3 </a:t>
+            </a:r>
+            <a:r>
+              <a:rPr lang="en-US" sz="1500" dirty="0" err="1" smtClean="0"/>
+              <a:t>stellaris</a:t>
+            </a:r>
+            <a:r>
+              <a:rPr lang="en-US" sz="1500" dirty="0" smtClean="0"/>
+              <a:t> failures both become: </a:t>
+            </a:r>
+            <a:r>
+              <a:rPr lang="en-US" sz="1500" dirty="0" err="1" smtClean="0"/>
+              <a:t>Stellaris</a:t>
+            </a:r>
+            <a:r>
+              <a:rPr lang="en-US" sz="1500" dirty="0" smtClean="0"/>
+              <a:t> Failures</a:t>
+            </a:r>
+          </a:p>
+          <a:p>
+            <a:pPr marL="800100" lvl="1" indent="-342900">
+              <a:buFont typeface="Arial" panose="020B0604020202020204" pitchFamily="34" charset="0"/>
+              <a:buChar char="•"/>
+            </a:pPr>
+            <a:r>
+              <a:rPr lang="en-US" sz="1500" dirty="0" smtClean="0"/>
+              <a:t>Ex) </a:t>
+            </a:r>
+            <a:r>
+              <a:rPr lang="en-US" sz="1500" dirty="0"/>
+              <a:t>low yield at </a:t>
+            </a:r>
+            <a:r>
+              <a:rPr lang="en-US" sz="1500" dirty="0" err="1" smtClean="0"/>
+              <a:t>ods</a:t>
+            </a:r>
+            <a:r>
+              <a:rPr lang="en-US" sz="1500" dirty="0" smtClean="0"/>
+              <a:t> </a:t>
+            </a:r>
+            <a:r>
+              <a:rPr lang="en-US" sz="1500" dirty="0" err="1"/>
+              <a:t>lucy</a:t>
+            </a:r>
+            <a:r>
+              <a:rPr lang="en-US" sz="1500" dirty="0"/>
+              <a:t> </a:t>
+            </a:r>
+            <a:r>
+              <a:rPr lang="en-US" sz="1500" dirty="0" smtClean="0"/>
+              <a:t>r 1/8/14 and low </a:t>
+            </a:r>
+            <a:r>
+              <a:rPr lang="en-US" sz="1500" dirty="0"/>
+              <a:t>yield at </a:t>
+            </a:r>
+            <a:r>
+              <a:rPr lang="en-US" sz="1500" dirty="0" err="1" smtClean="0"/>
+              <a:t>ods</a:t>
+            </a:r>
+            <a:r>
+              <a:rPr lang="en-US" sz="1500" dirty="0" smtClean="0"/>
+              <a:t> 01/20/14kt, becomes: Low Yield</a:t>
+            </a:r>
+          </a:p>
+          <a:p>
+            <a:pPr marL="800100" lvl="1" indent="-342900">
+              <a:buFont typeface="Arial" panose="020B0604020202020204" pitchFamily="34" charset="0"/>
+              <a:buChar char="•"/>
+            </a:pPr>
+            <a:r>
+              <a:rPr lang="en-US" sz="1500" dirty="0" smtClean="0"/>
+              <a:t>Attempts to account for spelling errors and slight variation, but is not Perfect (more on this later)</a:t>
+            </a:r>
+          </a:p>
+          <a:p>
+            <a:pPr marL="342900" indent="-342900">
+              <a:buFont typeface="+mj-lt"/>
+              <a:buAutoNum type="arabicPeriod"/>
+            </a:pPr>
+            <a:r>
+              <a:rPr lang="en-US" sz="1500" dirty="0" smtClean="0"/>
+              <a:t>Groups failures by Failure Reason, counts number of sequences with that note, generates table with Failure Reason and # of times it occurred</a:t>
+            </a:r>
+          </a:p>
+          <a:p>
+            <a:pPr marL="800100" lvl="1" indent="-342900">
+              <a:buFont typeface="Arial" panose="020B0604020202020204" pitchFamily="34" charset="0"/>
+              <a:buChar char="•"/>
+            </a:pPr>
+            <a:r>
+              <a:rPr lang="en-US" sz="1500" dirty="0" smtClean="0"/>
+              <a:t>Failure Reason must be EXACTLY the same to be grouped.</a:t>
+            </a:r>
+          </a:p>
+          <a:p>
+            <a:pPr marL="342900" indent="-342900">
+              <a:buFont typeface="+mj-lt"/>
+              <a:buAutoNum type="arabicPeriod"/>
+            </a:pPr>
+            <a:r>
+              <a:rPr lang="en-US" sz="1500" dirty="0" smtClean="0"/>
+              <a:t>Generates similar data for failures by Sequence ID and again by Three prime and Five prime mod combinations</a:t>
+            </a:r>
+          </a:p>
+          <a:p>
+            <a:pPr marL="342900" indent="-342900">
+              <a:buFont typeface="+mj-lt"/>
+              <a:buAutoNum type="arabicPeriod"/>
+            </a:pPr>
+            <a:r>
+              <a:rPr lang="en-US" sz="1500" dirty="0" smtClean="0"/>
+              <a:t>Generates summary information:</a:t>
+            </a:r>
+          </a:p>
+          <a:p>
+            <a:pPr marL="800100" lvl="1" indent="-342900">
+              <a:buFont typeface="Arial" panose="020B0604020202020204" pitchFamily="34" charset="0"/>
+              <a:buChar char="•"/>
+            </a:pPr>
+            <a:r>
+              <a:rPr lang="en-US" sz="1500" dirty="0" smtClean="0"/>
+              <a:t>Total number of sequences analyzed, % with notes, % failed, </a:t>
+            </a:r>
+            <a:r>
+              <a:rPr lang="en-US" sz="1500" dirty="0" err="1" smtClean="0"/>
+              <a:t>etc</a:t>
+            </a:r>
+            <a:endParaRPr lang="en-US" sz="1500" dirty="0" smtClean="0"/>
+          </a:p>
+          <a:p>
+            <a:pPr marL="342900" indent="-342900">
+              <a:buFont typeface="+mj-lt"/>
+              <a:buAutoNum type="arabicPeriod"/>
+            </a:pPr>
+            <a:r>
+              <a:rPr lang="en-US" sz="1500" dirty="0" smtClean="0"/>
+              <a:t>Writes Excel File with each table a separate Sheet. Name specified by user</a:t>
+            </a:r>
+            <a:endParaRPr lang="en-US" sz="1500" dirty="0"/>
+          </a:p>
+        </p:txBody>
+      </p:sp>
+    </p:spTree>
+    <p:extLst>
+      <p:ext uri="{BB962C8B-B14F-4D97-AF65-F5344CB8AC3E}">
+        <p14:creationId xmlns:p14="http://schemas.microsoft.com/office/powerpoint/2010/main" val="4258152089"/>
+      </p:ext>
+    </p:extLst>
+  </p:cSld>
+  <p:clrMapOvr>
+    <a:masterClrMapping/>
+  </p:clrMapOvr>
+  <mc:AlternateContent xmlns:mc="http://schemas.openxmlformats.org/markup-compatibility/2006" xmlns:p14="http://schemas.microsoft.com/office/powerpoint/2010/main">
+    <mc:Choice Requires="p14">
+      <p:transition p14:dur="0"/>
+    </mc:Choice>
+    <mc:Fallback xmlns="">
+      <p:transition/>
+    </mc:Fallback>
+  </mc:AlternateContent>
+  <p:timing>
+    <p:tnLst>
+      <p:par>
+        <p:cTn id="1" dur="indefinite" restart="never" nodeType="tmRoot"/>
+      </p:par>
+    </p:tnLst>
+  </p:timing>
+</p:sld>
+</file>
+
+<file path=ppt/slides/slide11.xml><?xml version="1.0" encoding="utf-8"?>
+<p:sld xmlns:a="http://schemas.openxmlformats.org/drawingml/2006/main" xmlns:r="http://schemas.openxmlformats.org/officeDocument/2006/relationships" xmlns:p="http://schemas.openxmlformats.org/presentationml/2006/main">
+  <p:cSld>
+    <p:spTree>
+      <p:nvGrpSpPr>
+        <p:cNvPr id="1" name=""/>
+        <p:cNvGrpSpPr/>
+        <p:nvPr/>
+      </p:nvGrpSpPr>
+      <p:grpSpPr>
+        <a:xfrm>
+          <a:off x="0" y="0"/>
+          <a:ext cx="0" cy="0"/>
+          <a:chOff x="0" y="0"/>
+          <a:chExt cx="0" cy="0"/>
+        </a:xfrm>
+      </p:grpSpPr>
+      <p:sp>
+        <p:nvSpPr>
+          <p:cNvPr id="6" name="Text Placeholder 5"/>
+          <p:cNvSpPr>
+            <a:spLocks noGrp="1"/>
+          </p:cNvSpPr>
+          <p:nvPr>
+            <p:ph type="body" sz="half" idx="2"/>
+          </p:nvPr>
+        </p:nvSpPr>
+        <p:spPr>
+          <a:xfrm>
+            <a:off x="6934200" y="685800"/>
+            <a:ext cx="1941945" cy="5761182"/>
+          </a:xfrm>
+        </p:spPr>
+        <p:txBody>
+          <a:bodyPr>
+            <a:normAutofit/>
+          </a:bodyPr>
+          <a:lstStyle/>
+          <a:p>
+            <a:pPr>
+              <a:buClrTx/>
+            </a:pPr>
+            <a:endParaRPr lang="en-US" dirty="0" smtClean="0"/>
+          </a:p>
+          <a:p>
+            <a:pPr marL="342900" indent="-342900">
+              <a:buClrTx/>
+              <a:buFont typeface="+mj-lt"/>
+              <a:buAutoNum type="arabicPeriod"/>
+            </a:pPr>
+            <a:r>
+              <a:rPr lang="en-US" sz="1100" dirty="0" err="1" smtClean="0"/>
+              <a:t>Filemaker</a:t>
+            </a:r>
+            <a:r>
+              <a:rPr lang="en-US" sz="1100" dirty="0" smtClean="0"/>
+              <a:t> Search</a:t>
+            </a:r>
+          </a:p>
+          <a:p>
+            <a:pPr marL="800100" lvl="1" indent="-342900">
+              <a:buClrTx/>
+              <a:buFont typeface="Arial" panose="020B0604020202020204" pitchFamily="34" charset="0"/>
+              <a:buChar char="•"/>
+            </a:pPr>
+            <a:r>
+              <a:rPr lang="en-US" sz="1100" dirty="0" smtClean="0"/>
+              <a:t>Time frame</a:t>
+            </a:r>
+          </a:p>
+          <a:p>
+            <a:pPr marL="800100" lvl="1" indent="-342900">
+              <a:buClrTx/>
+              <a:buFont typeface="Arial" panose="020B0604020202020204" pitchFamily="34" charset="0"/>
+              <a:buChar char="•"/>
+            </a:pPr>
+            <a:r>
+              <a:rPr lang="en-US" sz="1100" dirty="0" smtClean="0"/>
+              <a:t>Other Boxes</a:t>
+            </a:r>
+          </a:p>
+          <a:p>
+            <a:pPr marL="342900" indent="-342900">
+              <a:buClrTx/>
+              <a:buFont typeface="+mj-lt"/>
+              <a:buAutoNum type="arabicPeriod"/>
+            </a:pPr>
+            <a:r>
+              <a:rPr lang="en-US" sz="1100" dirty="0" smtClean="0"/>
+              <a:t>Export</a:t>
+            </a:r>
+          </a:p>
+          <a:p>
+            <a:pPr marL="800100" lvl="1" indent="-342900">
+              <a:buClrTx/>
+              <a:buFont typeface="Arial" panose="020B0604020202020204" pitchFamily="34" charset="0"/>
+              <a:buChar char="•"/>
+            </a:pPr>
+            <a:r>
+              <a:rPr lang="en-US" sz="1100" dirty="0" smtClean="0"/>
+              <a:t>Save location</a:t>
+            </a:r>
+          </a:p>
+          <a:p>
+            <a:pPr marL="800100" lvl="1" indent="-342900">
+              <a:buClrTx/>
+              <a:buFont typeface="Arial" panose="020B0604020202020204" pitchFamily="34" charset="0"/>
+              <a:buChar char="•"/>
+            </a:pPr>
+            <a:r>
+              <a:rPr lang="en-US" sz="1100" dirty="0" err="1" smtClean="0"/>
+              <a:t>Catagories</a:t>
+            </a:r>
+            <a:endParaRPr lang="en-US" sz="1100" dirty="0" smtClean="0"/>
+          </a:p>
+          <a:p>
+            <a:pPr marL="800100" lvl="1" indent="-342900">
+              <a:buClrTx/>
+              <a:buFont typeface="Arial" panose="020B0604020202020204" pitchFamily="34" charset="0"/>
+              <a:buChar char="•"/>
+            </a:pPr>
+            <a:r>
+              <a:rPr lang="en-US" sz="1100" dirty="0" smtClean="0"/>
+              <a:t>Time</a:t>
+            </a:r>
+          </a:p>
+          <a:p>
+            <a:pPr marL="342900" indent="-342900">
+              <a:buClrTx/>
+              <a:buFont typeface="+mj-lt"/>
+              <a:buAutoNum type="arabicPeriod"/>
+            </a:pPr>
+            <a:r>
+              <a:rPr lang="en-US" sz="1100" dirty="0" smtClean="0"/>
+              <a:t>.Tab File</a:t>
+            </a:r>
+          </a:p>
+          <a:p>
+            <a:pPr marL="800100" lvl="1" indent="-342900">
+              <a:buClrTx/>
+              <a:buFont typeface="Arial" panose="020B0604020202020204" pitchFamily="34" charset="0"/>
+              <a:buChar char="•"/>
+            </a:pPr>
+            <a:r>
+              <a:rPr lang="en-US" sz="1100" dirty="0" smtClean="0"/>
+              <a:t>Size</a:t>
+            </a:r>
+          </a:p>
+          <a:p>
+            <a:pPr marL="800100" lvl="1" indent="-342900">
+              <a:buClrTx/>
+              <a:buFont typeface="Arial" panose="020B0604020202020204" pitchFamily="34" charset="0"/>
+              <a:buChar char="•"/>
+            </a:pPr>
+            <a:r>
+              <a:rPr lang="en-US" sz="1100" dirty="0" smtClean="0"/>
+              <a:t>Contents</a:t>
+            </a:r>
+          </a:p>
+          <a:p>
+            <a:pPr marL="342900" indent="-342900">
+              <a:buClrTx/>
+              <a:buFont typeface="+mj-lt"/>
+              <a:buAutoNum type="arabicPeriod"/>
+            </a:pPr>
+            <a:r>
+              <a:rPr lang="en-US" sz="1100" dirty="0" smtClean="0"/>
+              <a:t>Run Script</a:t>
+            </a:r>
+          </a:p>
+          <a:p>
+            <a:pPr marL="800100" lvl="1" indent="-342900">
+              <a:buClrTx/>
+              <a:buFont typeface="Arial" panose="020B0604020202020204" pitchFamily="34" charset="0"/>
+              <a:buChar char="•"/>
+            </a:pPr>
+            <a:r>
+              <a:rPr lang="en-US" sz="1100" dirty="0" smtClean="0"/>
+              <a:t>How to Run</a:t>
+            </a:r>
+          </a:p>
+          <a:p>
+            <a:pPr marL="800100" lvl="1" indent="-342900">
+              <a:buClrTx/>
+              <a:buFont typeface="Arial" panose="020B0604020202020204" pitchFamily="34" charset="0"/>
+              <a:buChar char="•"/>
+            </a:pPr>
+            <a:r>
+              <a:rPr lang="en-US" sz="1100" dirty="0" smtClean="0"/>
+              <a:t>Script Logic</a:t>
+            </a:r>
+          </a:p>
+          <a:p>
+            <a:pPr marL="800100" lvl="1" indent="-342900">
+              <a:buClrTx/>
+              <a:buFont typeface="Arial" panose="020B0604020202020204" pitchFamily="34" charset="0"/>
+              <a:buChar char="•"/>
+            </a:pPr>
+            <a:r>
+              <a:rPr lang="en-US" sz="1100" dirty="0" smtClean="0"/>
+              <a:t>Time</a:t>
+            </a:r>
+          </a:p>
+          <a:p>
+            <a:pPr marL="342900" indent="-342900">
+              <a:buClrTx/>
+              <a:buFont typeface="+mj-lt"/>
+              <a:buAutoNum type="arabicPeriod"/>
+            </a:pPr>
+            <a:r>
+              <a:rPr lang="en-US" sz="1100" dirty="0" smtClean="0"/>
+              <a:t>Excel File</a:t>
+            </a:r>
+          </a:p>
+          <a:p>
+            <a:pPr marL="800100" lvl="1" indent="-342900">
+              <a:buClrTx/>
+              <a:buFont typeface="Arial" panose="020B0604020202020204" pitchFamily="34" charset="0"/>
+              <a:buChar char="•"/>
+            </a:pPr>
+            <a:r>
+              <a:rPr lang="en-US" sz="1100" dirty="0" smtClean="0"/>
+              <a:t>Different sheets</a:t>
+            </a:r>
+          </a:p>
+          <a:p>
+            <a:pPr marL="800100" lvl="1" indent="-342900">
+              <a:buClrTx/>
+              <a:buFont typeface="Arial" panose="020B0604020202020204" pitchFamily="34" charset="0"/>
+              <a:buChar char="•"/>
+            </a:pPr>
+            <a:r>
+              <a:rPr lang="en-US" sz="1100" dirty="0" smtClean="0"/>
+              <a:t>Size</a:t>
+            </a:r>
+          </a:p>
+        </p:txBody>
+      </p:sp>
+      <p:sp>
+        <p:nvSpPr>
+          <p:cNvPr id="4" name="Title 3"/>
+          <p:cNvSpPr>
+            <a:spLocks noGrp="1"/>
+          </p:cNvSpPr>
+          <p:nvPr>
+            <p:ph type="title"/>
+          </p:nvPr>
+        </p:nvSpPr>
+        <p:spPr>
+          <a:xfrm>
+            <a:off x="304800" y="228600"/>
+            <a:ext cx="6400800" cy="1258455"/>
+          </a:xfrm>
+        </p:spPr>
+        <p:txBody>
+          <a:bodyPr anchor="ctr">
+            <a:normAutofit/>
+          </a:bodyPr>
+          <a:lstStyle/>
+          <a:p>
+            <a:pPr algn="ctr"/>
+            <a:r>
+              <a:rPr lang="en-US" sz="3600" dirty="0" smtClean="0"/>
+              <a:t>Excel file</a:t>
+            </a:r>
+            <a:endParaRPr lang="en-US" sz="3600" dirty="0"/>
+          </a:p>
+        </p:txBody>
+      </p:sp>
+      <p:sp>
+        <p:nvSpPr>
+          <p:cNvPr id="2" name="TextBox 1"/>
+          <p:cNvSpPr txBox="1"/>
+          <p:nvPr/>
+        </p:nvSpPr>
+        <p:spPr>
+          <a:xfrm>
+            <a:off x="233878" y="1669473"/>
+            <a:ext cx="6400800" cy="923330"/>
+          </a:xfrm>
+          <a:prstGeom prst="rect">
+            <a:avLst/>
+          </a:prstGeom>
+          <a:noFill/>
+        </p:spPr>
+        <p:txBody>
+          <a:bodyPr wrap="square" rtlCol="0">
+            <a:spAutoFit/>
+          </a:bodyPr>
+          <a:lstStyle/>
+          <a:p>
+            <a:r>
+              <a:rPr lang="en-US" dirty="0" smtClean="0"/>
+              <a:t>A typical Excel File with 4 sheets.</a:t>
+            </a:r>
+          </a:p>
+          <a:p>
+            <a:endParaRPr lang="en-US" dirty="0"/>
+          </a:p>
+          <a:p>
+            <a:r>
+              <a:rPr lang="en-US" dirty="0" smtClean="0">
+                <a:hlinkClick r:id="rId2" action="ppaction://hlinkfile"/>
+              </a:rPr>
+              <a:t>Example</a:t>
+            </a:r>
+            <a:endParaRPr lang="en-US" dirty="0"/>
+          </a:p>
+        </p:txBody>
+      </p:sp>
+    </p:spTree>
+    <p:extLst>
+      <p:ext uri="{BB962C8B-B14F-4D97-AF65-F5344CB8AC3E}">
+        <p14:creationId xmlns:p14="http://schemas.microsoft.com/office/powerpoint/2010/main" val="1938005255"/>
+      </p:ext>
+    </p:extLst>
+  </p:cSld>
+  <p:clrMapOvr>
+    <a:masterClrMapping/>
+  </p:clrMapOvr>
+  <mc:AlternateContent xmlns:mc="http://schemas.openxmlformats.org/markup-compatibility/2006" xmlns:p14="http://schemas.microsoft.com/office/powerpoint/2010/main">
+    <mc:Choice Requires="p14">
+      <p:transition p14:dur="0"/>
+    </mc:Choice>
+    <mc:Fallback xmlns="">
+      <p:transition/>
+    </mc:Fallback>
+  </mc:AlternateContent>
+  <p:timing>
+    <p:tnLst>
+      <p:par>
+        <p:cTn id="1" dur="indefinite" restart="never" nodeType="tmRoot"/>
+      </p:par>
+    </p:tnLst>
+  </p:timing>
+</p:sld>
+</file>
+
+<file path=ppt/slides/slide12.xml><?xml version="1.0" encoding="utf-8"?>
+<p:sld xmlns:a="http://schemas.openxmlformats.org/drawingml/2006/main" xmlns:r="http://schemas.openxmlformats.org/officeDocument/2006/relationships" xmlns:p="http://schemas.openxmlformats.org/presentationml/2006/main">
+  <p:cSld>
+    <p:spTree>
+      <p:nvGrpSpPr>
+        <p:cNvPr id="1" name=""/>
+        <p:cNvGrpSpPr/>
+        <p:nvPr/>
+      </p:nvGrpSpPr>
+      <p:grpSpPr>
+        <a:xfrm>
+          <a:off x="0" y="0"/>
+          <a:ext cx="0" cy="0"/>
+          <a:chOff x="0" y="0"/>
+          <a:chExt cx="0" cy="0"/>
+        </a:xfrm>
+      </p:grpSpPr>
+      <p:sp>
+        <p:nvSpPr>
+          <p:cNvPr id="4" name="Title 3"/>
+          <p:cNvSpPr>
+            <a:spLocks noGrp="1"/>
+          </p:cNvSpPr>
+          <p:nvPr>
+            <p:ph type="title"/>
+          </p:nvPr>
+        </p:nvSpPr>
+        <p:spPr/>
+        <p:txBody>
+          <a:bodyPr anchor="ctr">
+            <a:normAutofit/>
+          </a:bodyPr>
+          <a:lstStyle/>
+          <a:p>
+            <a:pPr algn="ctr"/>
+            <a:r>
+              <a:rPr lang="en-US" sz="3600" dirty="0" smtClean="0"/>
+              <a:t>Future Aims/Needs</a:t>
+            </a:r>
+            <a:endParaRPr lang="en-US" sz="3600" dirty="0"/>
+          </a:p>
+        </p:txBody>
+      </p:sp>
+      <p:sp>
+        <p:nvSpPr>
+          <p:cNvPr id="5" name="TextBox 4"/>
+          <p:cNvSpPr txBox="1"/>
+          <p:nvPr/>
+        </p:nvSpPr>
+        <p:spPr>
+          <a:xfrm>
+            <a:off x="381000" y="1676400"/>
+            <a:ext cx="8534400" cy="2862322"/>
+          </a:xfrm>
+          <a:prstGeom prst="rect">
+            <a:avLst/>
+          </a:prstGeom>
+          <a:noFill/>
+        </p:spPr>
+        <p:txBody>
+          <a:bodyPr wrap="square" rtlCol="0">
+            <a:spAutoFit/>
+          </a:bodyPr>
+          <a:lstStyle/>
+          <a:p>
+            <a:pPr marL="342900" indent="-342900">
+              <a:buFont typeface="+mj-lt"/>
+              <a:buAutoNum type="arabicPeriod"/>
+            </a:pPr>
+            <a:r>
+              <a:rPr lang="en-US" dirty="0" smtClean="0"/>
+              <a:t>Need: Uniform Failure Names</a:t>
+            </a:r>
+          </a:p>
+          <a:p>
+            <a:pPr marL="800100" lvl="1" indent="-342900">
+              <a:buFont typeface="Arial" panose="020B0604020202020204" pitchFamily="34" charset="0"/>
+              <a:buChar char="•"/>
+            </a:pPr>
+            <a:r>
+              <a:rPr lang="en-US" dirty="0" smtClean="0"/>
+              <a:t>Will make script easier, and data better</a:t>
+            </a:r>
+          </a:p>
+          <a:p>
+            <a:pPr marL="800100" lvl="1" indent="-342900">
+              <a:buFont typeface="Arial" panose="020B0604020202020204" pitchFamily="34" charset="0"/>
+              <a:buChar char="•"/>
+            </a:pPr>
+            <a:r>
+              <a:rPr lang="en-US" dirty="0" smtClean="0"/>
+              <a:t>May take some time</a:t>
+            </a:r>
+          </a:p>
+          <a:p>
+            <a:pPr marL="800100" lvl="1" indent="-342900">
+              <a:buFont typeface="Arial" panose="020B0604020202020204" pitchFamily="34" charset="0"/>
+              <a:buChar char="•"/>
+            </a:pPr>
+            <a:r>
+              <a:rPr lang="en-US" dirty="0" smtClean="0"/>
+              <a:t>Need input from all departments that write notes</a:t>
+            </a:r>
+          </a:p>
+          <a:p>
+            <a:pPr marL="342900" indent="-342900">
+              <a:buFont typeface="+mj-lt"/>
+              <a:buAutoNum type="arabicPeriod"/>
+            </a:pPr>
+            <a:r>
+              <a:rPr lang="en-US" dirty="0" smtClean="0"/>
+              <a:t>Want: Sequence ID counts to be weighted by number of times sequence was made</a:t>
+            </a:r>
+          </a:p>
+          <a:p>
+            <a:pPr marL="342900" indent="-342900">
+              <a:buFont typeface="+mj-lt"/>
+              <a:buAutoNum type="arabicPeriod"/>
+            </a:pPr>
+            <a:r>
+              <a:rPr lang="en-US" dirty="0" smtClean="0"/>
+              <a:t>Want: Impurity list, showing number of times a specific weighted impurity has shown up</a:t>
+            </a:r>
+          </a:p>
+          <a:p>
+            <a:pPr marL="342900" indent="-342900">
+              <a:buFont typeface="+mj-lt"/>
+              <a:buAutoNum type="arabicPeriod"/>
+            </a:pPr>
+            <a:r>
+              <a:rPr lang="en-US" dirty="0" smtClean="0"/>
+              <a:t>Want: Direct FileMaker connection</a:t>
+            </a:r>
+          </a:p>
+          <a:p>
+            <a:pPr marL="342900" indent="-342900">
+              <a:buFont typeface="+mj-lt"/>
+              <a:buAutoNum type="arabicPeriod"/>
+            </a:pPr>
+            <a:r>
+              <a:rPr lang="en-US" dirty="0" smtClean="0"/>
+              <a:t>Want: Suggestions, Ideas, categories, </a:t>
+            </a:r>
+            <a:r>
+              <a:rPr lang="en-US" dirty="0" err="1" smtClean="0"/>
+              <a:t>etc</a:t>
+            </a:r>
+            <a:endParaRPr lang="en-US" dirty="0" smtClean="0"/>
+          </a:p>
+        </p:txBody>
+      </p:sp>
+      <p:graphicFrame>
+        <p:nvGraphicFramePr>
+          <p:cNvPr id="7" name="Table 6"/>
+          <p:cNvGraphicFramePr>
+            <a:graphicFrameLocks noGrp="1"/>
+          </p:cNvGraphicFramePr>
+          <p:nvPr>
+            <p:extLst>
+              <p:ext uri="{D42A27DB-BD31-4B8C-83A1-F6EECF244321}">
+                <p14:modId xmlns:p14="http://schemas.microsoft.com/office/powerpoint/2010/main" val="353308408"/>
+              </p:ext>
+            </p:extLst>
+          </p:nvPr>
+        </p:nvGraphicFramePr>
+        <p:xfrm>
+          <a:off x="1219200" y="4724400"/>
+          <a:ext cx="6858000" cy="1844040"/>
+        </p:xfrm>
+        <a:graphic>
+          <a:graphicData uri="http://schemas.openxmlformats.org/drawingml/2006/table">
+            <a:tbl>
+              <a:tblPr firstRow="1" bandRow="1">
+                <a:tableStyleId>{5C22544A-7EE6-4342-B048-85BDC9FD1C3A}</a:tableStyleId>
+              </a:tblPr>
+              <a:tblGrid>
+                <a:gridCol w="1714500"/>
+                <a:gridCol w="1714500"/>
+                <a:gridCol w="1714500"/>
+                <a:gridCol w="1714500"/>
+              </a:tblGrid>
+              <a:tr h="381000">
+                <a:tc>
+                  <a:txBody>
+                    <a:bodyPr/>
+                    <a:lstStyle/>
+                    <a:p>
+                      <a:r>
+                        <a:rPr lang="en-US" dirty="0" smtClean="0"/>
+                        <a:t>Search Window</a:t>
+                      </a:r>
+                      <a:endParaRPr lang="en-US" dirty="0"/>
+                    </a:p>
+                  </a:txBody>
+                  <a:tcPr/>
+                </a:tc>
+                <a:tc>
+                  <a:txBody>
+                    <a:bodyPr/>
+                    <a:lstStyle/>
+                    <a:p>
+                      <a:r>
+                        <a:rPr lang="en-US" dirty="0" smtClean="0"/>
+                        <a:t>Export Time</a:t>
+                      </a:r>
+                      <a:endParaRPr lang="en-US" dirty="0"/>
+                    </a:p>
+                  </a:txBody>
+                  <a:tcPr/>
+                </a:tc>
+                <a:tc>
+                  <a:txBody>
+                    <a:bodyPr/>
+                    <a:lstStyle/>
+                    <a:p>
+                      <a:r>
+                        <a:rPr lang="en-US" dirty="0" smtClean="0"/>
+                        <a:t>Script Time</a:t>
+                      </a:r>
+                      <a:endParaRPr lang="en-US" dirty="0"/>
+                    </a:p>
+                  </a:txBody>
+                  <a:tcPr/>
+                </a:tc>
+                <a:tc>
+                  <a:txBody>
+                    <a:bodyPr/>
+                    <a:lstStyle/>
+                    <a:p>
+                      <a:r>
+                        <a:rPr lang="en-US" dirty="0" smtClean="0"/>
+                        <a:t>Total time</a:t>
+                      </a:r>
+                      <a:endParaRPr lang="en-US" dirty="0"/>
+                    </a:p>
+                  </a:txBody>
+                  <a:tcPr/>
+                </a:tc>
+              </a:tr>
+              <a:tr h="361635">
+                <a:tc>
+                  <a:txBody>
+                    <a:bodyPr/>
+                    <a:lstStyle/>
+                    <a:p>
+                      <a:r>
+                        <a:rPr lang="en-US" dirty="0" smtClean="0"/>
+                        <a:t>1 Year</a:t>
+                      </a:r>
+                      <a:endParaRPr lang="en-US" dirty="0"/>
+                    </a:p>
+                  </a:txBody>
+                  <a:tcPr/>
+                </a:tc>
+                <a:tc>
+                  <a:txBody>
+                    <a:bodyPr/>
+                    <a:lstStyle/>
+                    <a:p>
+                      <a:r>
+                        <a:rPr lang="en-US" dirty="0" smtClean="0"/>
+                        <a:t>~8 min</a:t>
+                      </a:r>
+                      <a:endParaRPr lang="en-US" dirty="0"/>
+                    </a:p>
+                  </a:txBody>
+                  <a:tcPr/>
+                </a:tc>
+                <a:tc>
+                  <a:txBody>
+                    <a:bodyPr/>
+                    <a:lstStyle/>
+                    <a:p>
+                      <a:r>
+                        <a:rPr lang="en-US" dirty="0" smtClean="0"/>
+                        <a:t>5 Sec</a:t>
+                      </a:r>
+                      <a:endParaRPr lang="en-US" dirty="0"/>
+                    </a:p>
+                  </a:txBody>
+                  <a:tcPr/>
+                </a:tc>
+                <a:tc>
+                  <a:txBody>
+                    <a:bodyPr/>
+                    <a:lstStyle/>
+                    <a:p>
+                      <a:r>
+                        <a:rPr lang="en-US" dirty="0" smtClean="0"/>
+                        <a:t>8min 5</a:t>
+                      </a:r>
+                      <a:r>
+                        <a:rPr lang="en-US" baseline="0" dirty="0" smtClean="0"/>
+                        <a:t> sec</a:t>
+                      </a:r>
+                    </a:p>
+                  </a:txBody>
+                  <a:tcPr/>
+                </a:tc>
+              </a:tr>
+              <a:tr h="361635">
+                <a:tc>
+                  <a:txBody>
+                    <a:bodyPr/>
+                    <a:lstStyle/>
+                    <a:p>
+                      <a:r>
+                        <a:rPr lang="en-US" dirty="0" smtClean="0"/>
+                        <a:t>1 Month</a:t>
+                      </a:r>
+                      <a:endParaRPr lang="en-US" dirty="0"/>
+                    </a:p>
+                  </a:txBody>
+                  <a:tcPr/>
+                </a:tc>
+                <a:tc>
+                  <a:txBody>
+                    <a:bodyPr/>
+                    <a:lstStyle/>
+                    <a:p>
+                      <a:r>
+                        <a:rPr lang="en-US" dirty="0" smtClean="0"/>
+                        <a:t>10 sec</a:t>
+                      </a:r>
+                      <a:endParaRPr lang="en-US" dirty="0"/>
+                    </a:p>
+                  </a:txBody>
+                  <a:tcPr/>
+                </a:tc>
+                <a:tc>
+                  <a:txBody>
+                    <a:bodyPr/>
+                    <a:lstStyle/>
+                    <a:p>
+                      <a:r>
+                        <a:rPr lang="en-US" dirty="0" smtClean="0"/>
+                        <a:t>&lt;1 Sec</a:t>
+                      </a:r>
+                      <a:endParaRPr lang="en-US" dirty="0"/>
+                    </a:p>
+                  </a:txBody>
+                  <a:tcPr/>
+                </a:tc>
+                <a:tc>
+                  <a:txBody>
+                    <a:bodyPr/>
+                    <a:lstStyle/>
+                    <a:p>
+                      <a:r>
+                        <a:rPr lang="en-US" dirty="0" smtClean="0"/>
+                        <a:t>11 sec</a:t>
+                      </a:r>
+                      <a:endParaRPr lang="en-US" dirty="0"/>
+                    </a:p>
+                  </a:txBody>
+                  <a:tcPr/>
+                </a:tc>
+              </a:tr>
+              <a:tr h="361635">
+                <a:tc>
+                  <a:txBody>
+                    <a:bodyPr/>
+                    <a:lstStyle/>
+                    <a:p>
+                      <a:r>
+                        <a:rPr lang="en-US" dirty="0" smtClean="0"/>
+                        <a:t>1 Week</a:t>
+                      </a:r>
+                      <a:endParaRPr lang="en-US" dirty="0"/>
+                    </a:p>
+                  </a:txBody>
+                  <a:tcPr/>
+                </a:tc>
+                <a:tc>
+                  <a:txBody>
+                    <a:bodyPr/>
+                    <a:lstStyle/>
+                    <a:p>
+                      <a:r>
+                        <a:rPr lang="en-US" dirty="0" smtClean="0"/>
+                        <a:t>&lt;1 sec</a:t>
+                      </a:r>
+                      <a:endParaRPr lang="en-US" dirty="0"/>
+                    </a:p>
+                  </a:txBody>
+                  <a:tcPr/>
+                </a:tc>
+                <a:tc>
+                  <a:txBody>
+                    <a:bodyPr/>
+                    <a:lstStyle/>
+                    <a:p>
+                      <a:r>
+                        <a:rPr lang="en-US" dirty="0" smtClean="0"/>
+                        <a:t>&lt;1 sec</a:t>
+                      </a:r>
+                      <a:endParaRPr lang="en-US" dirty="0"/>
+                    </a:p>
+                  </a:txBody>
+                  <a:tcPr/>
+                </a:tc>
+                <a:tc>
+                  <a:txBody>
+                    <a:bodyPr/>
+                    <a:lstStyle/>
+                    <a:p>
+                      <a:r>
+                        <a:rPr lang="en-US" dirty="0" smtClean="0"/>
+                        <a:t>1 sec</a:t>
+                      </a:r>
+                      <a:endParaRPr lang="en-US" dirty="0"/>
+                    </a:p>
+                  </a:txBody>
+                  <a:tcPr/>
+                </a:tc>
+              </a:tr>
+              <a:tr h="361635">
+                <a:tc>
+                  <a:txBody>
+                    <a:bodyPr/>
+                    <a:lstStyle/>
+                    <a:p>
+                      <a:r>
+                        <a:rPr lang="en-US" dirty="0" smtClean="0"/>
+                        <a:t>1 Day</a:t>
+                      </a:r>
+                      <a:endParaRPr lang="en-US" dirty="0"/>
+                    </a:p>
+                  </a:txBody>
+                  <a:tcPr/>
+                </a:tc>
+                <a:tc>
+                  <a:txBody>
+                    <a:bodyPr/>
+                    <a:lstStyle/>
+                    <a:p>
+                      <a:r>
+                        <a:rPr lang="en-US" dirty="0" smtClean="0"/>
+                        <a:t>&lt;1 sec</a:t>
+                      </a:r>
+                      <a:endParaRPr lang="en-US" dirty="0"/>
+                    </a:p>
+                  </a:txBody>
+                  <a:tcPr/>
+                </a:tc>
+                <a:tc>
+                  <a:txBody>
+                    <a:bodyPr/>
+                    <a:lstStyle/>
+                    <a:p>
+                      <a:r>
+                        <a:rPr lang="en-US" dirty="0" smtClean="0"/>
+                        <a:t>&lt;1 sec</a:t>
+                      </a:r>
+                      <a:endParaRPr lang="en-US" dirty="0"/>
+                    </a:p>
+                  </a:txBody>
+                  <a:tcPr/>
+                </a:tc>
+                <a:tc>
+                  <a:txBody>
+                    <a:bodyPr/>
+                    <a:lstStyle/>
+                    <a:p>
+                      <a:r>
+                        <a:rPr lang="en-US" dirty="0" smtClean="0"/>
+                        <a:t>&lt;1</a:t>
+                      </a:r>
+                      <a:r>
+                        <a:rPr lang="en-US" baseline="0" dirty="0" smtClean="0"/>
+                        <a:t> sec</a:t>
+                      </a:r>
+                      <a:endParaRPr lang="en-US" dirty="0"/>
+                    </a:p>
+                  </a:txBody>
+                  <a:tcPr/>
+                </a:tc>
+              </a:tr>
+            </a:tbl>
+          </a:graphicData>
+        </a:graphic>
+      </p:graphicFrame>
+    </p:spTree>
+    <p:extLst>
+      <p:ext uri="{BB962C8B-B14F-4D97-AF65-F5344CB8AC3E}">
+        <p14:creationId xmlns:p14="http://schemas.microsoft.com/office/powerpoint/2010/main" val="237473853"/>
+      </p:ext>
+    </p:extLst>
+  </p:cSld>
+  <p:clrMapOvr>
+    <a:masterClrMapping/>
+  </p:clrMapOvr>
+  <mc:AlternateContent xmlns:mc="http://schemas.openxmlformats.org/markup-compatibility/2006" xmlns:p14="http://schemas.microsoft.com/office/powerpoint/2010/main">
+    <mc:Choice Requires="p14">
+      <p:transition p14:dur="0"/>
+    </mc:Choice>
+    <mc:Fallback xmlns="">
+      <p:transition/>
+    </mc:Fallback>
+  </mc:AlternateContent>
   <p:timing>
     <p:tnLst>
       <p:par>
@@ -4891,11 +6788,11 @@
   <p:clrMapOvr>
     <a:masterClrMapping/>
   </p:clrMapOvr>
-  <mc:AlternateContent xmlns:mc="http://schemas.openxmlformats.org/markup-compatibility/2006">
-    <mc:Choice xmlns:p14="http://schemas.microsoft.com/office/powerpoint/2010/main" Requires="p14">
+  <mc:AlternateContent xmlns:mc="http://schemas.openxmlformats.org/markup-compatibility/2006" xmlns:p14="http://schemas.microsoft.com/office/powerpoint/2010/main">
+    <mc:Choice Requires="p14">
       <p:transition p14:dur="0"/>
     </mc:Choice>
-    <mc:Fallback>
+    <mc:Fallback xmlns="">
       <p:transition/>
     </mc:Fallback>
   </mc:AlternateContent>
@@ -5432,11 +7329,11 @@
   <p:clrMapOvr>
     <a:masterClrMapping/>
   </p:clrMapOvr>
-  <mc:AlternateContent xmlns:mc="http://schemas.openxmlformats.org/markup-compatibility/2006">
-    <mc:Choice xmlns:p14="http://schemas.microsoft.com/office/powerpoint/2010/main" Requires="p14">
+  <mc:AlternateContent xmlns:mc="http://schemas.openxmlformats.org/markup-compatibility/2006" xmlns:p14="http://schemas.microsoft.com/office/powerpoint/2010/main">
+    <mc:Choice Requires="p14">
       <p:transition p14:dur="0"/>
     </mc:Choice>
-    <mc:Fallback>
+    <mc:Fallback xmlns="">
       <p:transition/>
     </mc:Fallback>
   </mc:AlternateContent>
@@ -5469,266 +7366,278 @@
       </p:grpSpPr>
       <p:sp>
         <p:nvSpPr>
-          <p:cNvPr id="6" name="Text Placeholder 5"/>
-          <p:cNvSpPr>
-            <a:spLocks noGrp="1"/>
-          </p:cNvSpPr>
-          <p:nvPr>
-            <p:ph type="body" sz="half" idx="2"/>
-          </p:nvPr>
+          <p:cNvPr id="5" name="Rectangle 4"/>
+          <p:cNvSpPr/>
+          <p:nvPr/>
         </p:nvSpPr>
         <p:spPr>
           <a:xfrm>
-            <a:off x="6934200" y="685800"/>
-            <a:ext cx="1941945" cy="5761182"/>
-          </a:xfrm>
+            <a:off x="762000" y="685800"/>
+            <a:ext cx="1371600" cy="762000"/>
+          </a:xfrm>
+          <a:prstGeom prst="rect">
+            <a:avLst/>
+          </a:prstGeom>
         </p:spPr>
-        <p:txBody>
-          <a:bodyPr>
-            <a:normAutofit/>
-          </a:bodyPr>
+        <p:style>
+          <a:lnRef idx="2">
+            <a:schemeClr val="accent1">
+              <a:shade val="50000"/>
+            </a:schemeClr>
+          </a:lnRef>
+          <a:fillRef idx="1">
+            <a:schemeClr val="accent1"/>
+          </a:fillRef>
+          <a:effectRef idx="0">
+            <a:schemeClr val="accent1"/>
+          </a:effectRef>
+          <a:fontRef idx="minor">
+            <a:schemeClr val="lt1"/>
+          </a:fontRef>
+        </p:style>
+        <p:txBody>
+          <a:bodyPr rtlCol="0" anchor="ctr"/>
           <a:lstStyle/>
           <a:p>
-            <a:pPr>
-              <a:buClrTx/>
-            </a:pPr>
-            <a:endParaRPr lang="en-US" dirty="0" smtClean="0"/>
-          </a:p>
-          <a:p>
-            <a:pPr marL="342900" indent="-342900">
-              <a:buClrTx/>
-              <a:buFont typeface="+mj-lt"/>
-              <a:buAutoNum type="arabicPeriod"/>
-            </a:pPr>
-            <a:r>
-              <a:rPr lang="en-US" sz="1100" dirty="0" err="1" smtClean="0"/>
-              <a:t>Filemaker</a:t>
-            </a:r>
-            <a:r>
-              <a:rPr lang="en-US" sz="1100" dirty="0" smtClean="0"/>
-              <a:t> Search</a:t>
-            </a:r>
-          </a:p>
-          <a:p>
-            <a:pPr marL="800100" lvl="1" indent="-342900">
-              <a:buClrTx/>
-              <a:buFont typeface="Arial" panose="020B0604020202020204" pitchFamily="34" charset="0"/>
-              <a:buChar char="•"/>
-            </a:pPr>
-            <a:r>
-              <a:rPr lang="en-US" sz="1100" dirty="0" smtClean="0"/>
-              <a:t>Time frame</a:t>
-            </a:r>
-          </a:p>
-          <a:p>
-            <a:pPr marL="800100" lvl="1" indent="-342900">
-              <a:buClrTx/>
-              <a:buFont typeface="Arial" panose="020B0604020202020204" pitchFamily="34" charset="0"/>
-              <a:buChar char="•"/>
-            </a:pPr>
-            <a:r>
-              <a:rPr lang="en-US" sz="1100" dirty="0" smtClean="0"/>
-              <a:t>Other Boxes</a:t>
-            </a:r>
-          </a:p>
-          <a:p>
-            <a:pPr marL="342900" indent="-342900">
-              <a:buClrTx/>
-              <a:buFont typeface="+mj-lt"/>
-              <a:buAutoNum type="arabicPeriod"/>
-            </a:pPr>
-            <a:r>
-              <a:rPr lang="en-US" sz="1100" dirty="0" smtClean="0"/>
-              <a:t>Export</a:t>
-            </a:r>
-          </a:p>
-          <a:p>
-            <a:pPr marL="800100" lvl="1" indent="-342900">
-              <a:buClrTx/>
-              <a:buFont typeface="Arial" panose="020B0604020202020204" pitchFamily="34" charset="0"/>
-              <a:buChar char="•"/>
-            </a:pPr>
-            <a:r>
-              <a:rPr lang="en-US" sz="1100" dirty="0" smtClean="0"/>
-              <a:t>Save location</a:t>
-            </a:r>
-          </a:p>
-          <a:p>
-            <a:pPr marL="800100" lvl="1" indent="-342900">
-              <a:buClrTx/>
-              <a:buFont typeface="Arial" panose="020B0604020202020204" pitchFamily="34" charset="0"/>
-              <a:buChar char="•"/>
-            </a:pPr>
-            <a:r>
-              <a:rPr lang="en-US" sz="1100" dirty="0" err="1" smtClean="0"/>
-              <a:t>Catagories</a:t>
-            </a:r>
-            <a:endParaRPr lang="en-US" sz="1100" dirty="0" smtClean="0"/>
-          </a:p>
-          <a:p>
-            <a:pPr marL="800100" lvl="1" indent="-342900">
-              <a:buClrTx/>
-              <a:buFont typeface="Arial" panose="020B0604020202020204" pitchFamily="34" charset="0"/>
-              <a:buChar char="•"/>
-            </a:pPr>
-            <a:r>
-              <a:rPr lang="en-US" sz="1100" dirty="0" smtClean="0"/>
-              <a:t>Time</a:t>
-            </a:r>
-          </a:p>
-          <a:p>
-            <a:pPr marL="342900" indent="-342900">
-              <a:buClrTx/>
-              <a:buFont typeface="+mj-lt"/>
-              <a:buAutoNum type="arabicPeriod"/>
-            </a:pPr>
-            <a:r>
-              <a:rPr lang="en-US" sz="1100" dirty="0" smtClean="0"/>
-              <a:t>.Tab File</a:t>
-            </a:r>
-          </a:p>
-          <a:p>
-            <a:pPr marL="800100" lvl="1" indent="-342900">
-              <a:buClrTx/>
-              <a:buFont typeface="Arial" panose="020B0604020202020204" pitchFamily="34" charset="0"/>
-              <a:buChar char="•"/>
-            </a:pPr>
-            <a:r>
-              <a:rPr lang="en-US" sz="1100" dirty="0" smtClean="0"/>
-              <a:t>Size</a:t>
-            </a:r>
-          </a:p>
-          <a:p>
-            <a:pPr marL="800100" lvl="1" indent="-342900">
-              <a:buClrTx/>
-              <a:buFont typeface="Arial" panose="020B0604020202020204" pitchFamily="34" charset="0"/>
-              <a:buChar char="•"/>
-            </a:pPr>
-            <a:r>
-              <a:rPr lang="en-US" sz="1100" dirty="0" smtClean="0"/>
-              <a:t>Contents</a:t>
-            </a:r>
-          </a:p>
-          <a:p>
-            <a:pPr marL="342900" indent="-342900">
-              <a:buClrTx/>
-              <a:buFont typeface="+mj-lt"/>
-              <a:buAutoNum type="arabicPeriod"/>
-            </a:pPr>
-            <a:r>
-              <a:rPr lang="en-US" sz="1100" dirty="0" smtClean="0"/>
-              <a:t>Run Script</a:t>
-            </a:r>
-          </a:p>
-          <a:p>
-            <a:pPr marL="800100" lvl="1" indent="-342900">
-              <a:buClrTx/>
-              <a:buFont typeface="Arial" panose="020B0604020202020204" pitchFamily="34" charset="0"/>
-              <a:buChar char="•"/>
-            </a:pPr>
-            <a:r>
-              <a:rPr lang="en-US" sz="1100" dirty="0" smtClean="0"/>
-              <a:t>How to Run</a:t>
-            </a:r>
-          </a:p>
-          <a:p>
-            <a:pPr marL="800100" lvl="1" indent="-342900">
-              <a:buClrTx/>
-              <a:buFont typeface="Arial" panose="020B0604020202020204" pitchFamily="34" charset="0"/>
-              <a:buChar char="•"/>
-            </a:pPr>
-            <a:r>
-              <a:rPr lang="en-US" sz="1100" dirty="0" smtClean="0"/>
-              <a:t>Script Logic</a:t>
-            </a:r>
-          </a:p>
-          <a:p>
-            <a:pPr marL="800100" lvl="1" indent="-342900">
-              <a:buClrTx/>
-              <a:buFont typeface="Arial" panose="020B0604020202020204" pitchFamily="34" charset="0"/>
-              <a:buChar char="•"/>
-            </a:pPr>
-            <a:r>
-              <a:rPr lang="en-US" sz="1100" dirty="0" smtClean="0"/>
-              <a:t>Time</a:t>
-            </a:r>
-          </a:p>
-          <a:p>
-            <a:pPr marL="342900" indent="-342900">
-              <a:buClrTx/>
-              <a:buFont typeface="+mj-lt"/>
-              <a:buAutoNum type="arabicPeriod"/>
-            </a:pPr>
-            <a:r>
-              <a:rPr lang="en-US" sz="1100" dirty="0" smtClean="0"/>
-              <a:t>Excel File</a:t>
-            </a:r>
-          </a:p>
-          <a:p>
-            <a:pPr marL="800100" lvl="1" indent="-342900">
-              <a:buClrTx/>
-              <a:buFont typeface="Arial" panose="020B0604020202020204" pitchFamily="34" charset="0"/>
-              <a:buChar char="•"/>
-            </a:pPr>
-            <a:r>
-              <a:rPr lang="en-US" sz="1100" dirty="0" smtClean="0"/>
-              <a:t>Different sheets</a:t>
-            </a:r>
-          </a:p>
-          <a:p>
-            <a:pPr marL="800100" lvl="1" indent="-342900">
-              <a:buClrTx/>
-              <a:buFont typeface="Arial" panose="020B0604020202020204" pitchFamily="34" charset="0"/>
-              <a:buChar char="•"/>
-            </a:pPr>
-            <a:r>
-              <a:rPr lang="en-US" sz="1100" dirty="0" smtClean="0"/>
-              <a:t>Size</a:t>
-            </a:r>
-          </a:p>
-        </p:txBody>
-      </p:sp>
-      <p:sp>
-        <p:nvSpPr>
-          <p:cNvPr id="4" name="Title 3"/>
-          <p:cNvSpPr>
-            <a:spLocks noGrp="1"/>
-          </p:cNvSpPr>
-          <p:nvPr>
-            <p:ph type="title"/>
-          </p:nvPr>
+            <a:pPr algn="ctr"/>
+            <a:r>
+              <a:rPr lang="en-US" dirty="0" smtClean="0"/>
+              <a:t>Raw Data</a:t>
+            </a:r>
+          </a:p>
+          <a:p>
+            <a:pPr algn="ctr"/>
+            <a:r>
+              <a:rPr lang="en-US" sz="1000" dirty="0" smtClean="0"/>
+              <a:t># of </a:t>
+            </a:r>
+            <a:r>
+              <a:rPr lang="en-US" sz="1000" dirty="0" err="1" smtClean="0"/>
+              <a:t>Seq</a:t>
+            </a:r>
+            <a:r>
+              <a:rPr lang="en-US" sz="1000" dirty="0" smtClean="0"/>
+              <a:t>: 345780 </a:t>
+            </a:r>
+            <a:endParaRPr lang="en-US" sz="1000" dirty="0"/>
+          </a:p>
+        </p:txBody>
+      </p:sp>
+      <p:cxnSp>
+        <p:nvCxnSpPr>
+          <p:cNvPr id="7" name="Straight Arrow Connector 6"/>
+          <p:cNvCxnSpPr/>
+          <p:nvPr/>
+        </p:nvCxnSpPr>
+        <p:spPr>
+          <a:xfrm flipH="1">
+            <a:off x="1447800" y="1451499"/>
+            <a:ext cx="26264" cy="2053701"/>
+          </a:xfrm>
+          <a:prstGeom prst="straightConnector1">
+            <a:avLst/>
+          </a:prstGeom>
+          <a:ln>
+            <a:tailEnd type="arrow"/>
+          </a:ln>
+        </p:spPr>
+        <p:style>
+          <a:lnRef idx="1">
+            <a:schemeClr val="accent1"/>
+          </a:lnRef>
+          <a:fillRef idx="0">
+            <a:schemeClr val="accent1"/>
+          </a:fillRef>
+          <a:effectRef idx="0">
+            <a:schemeClr val="accent1"/>
+          </a:effectRef>
+          <a:fontRef idx="minor">
+            <a:schemeClr val="tx1"/>
+          </a:fontRef>
+        </p:style>
+      </p:cxnSp>
+      <p:cxnSp>
+        <p:nvCxnSpPr>
+          <p:cNvPr id="9" name="Straight Arrow Connector 8"/>
+          <p:cNvCxnSpPr>
+            <a:endCxn id="11" idx="2"/>
+          </p:cNvCxnSpPr>
+          <p:nvPr/>
+        </p:nvCxnSpPr>
+        <p:spPr>
+          <a:xfrm flipV="1">
+            <a:off x="1474063" y="1875777"/>
+            <a:ext cx="1243983" cy="15168"/>
+          </a:xfrm>
+          <a:prstGeom prst="straightConnector1">
+            <a:avLst/>
+          </a:prstGeom>
+          <a:ln>
+            <a:tailEnd type="arrow"/>
+          </a:ln>
+        </p:spPr>
+        <p:style>
+          <a:lnRef idx="1">
+            <a:schemeClr val="accent1"/>
+          </a:lnRef>
+          <a:fillRef idx="0">
+            <a:schemeClr val="accent1"/>
+          </a:fillRef>
+          <a:effectRef idx="0">
+            <a:schemeClr val="accent1"/>
+          </a:effectRef>
+          <a:fontRef idx="minor">
+            <a:schemeClr val="tx1"/>
+          </a:fontRef>
+        </p:style>
+      </p:cxnSp>
+      <p:sp>
+        <p:nvSpPr>
+          <p:cNvPr id="11" name="Oval 10"/>
+          <p:cNvSpPr/>
+          <p:nvPr/>
         </p:nvSpPr>
         <p:spPr>
           <a:xfrm>
-            <a:off x="304800" y="228600"/>
-            <a:ext cx="6400800" cy="1258455"/>
-          </a:xfrm>
+            <a:off x="2718046" y="1451498"/>
+            <a:ext cx="1066800" cy="848557"/>
+          </a:xfrm>
+          <a:prstGeom prst="ellipse">
+            <a:avLst/>
+          </a:prstGeom>
         </p:spPr>
-        <p:txBody>
-          <a:bodyPr anchor="ctr">
-            <a:normAutofit/>
-          </a:bodyPr>
+        <p:style>
+          <a:lnRef idx="2">
+            <a:schemeClr val="accent1">
+              <a:shade val="50000"/>
+            </a:schemeClr>
+          </a:lnRef>
+          <a:fillRef idx="1">
+            <a:schemeClr val="accent1"/>
+          </a:fillRef>
+          <a:effectRef idx="0">
+            <a:schemeClr val="accent1"/>
+          </a:effectRef>
+          <a:fontRef idx="minor">
+            <a:schemeClr val="lt1"/>
+          </a:fontRef>
+        </p:style>
+        <p:txBody>
+          <a:bodyPr rtlCol="0" anchor="ctr"/>
           <a:lstStyle/>
           <a:p>
             <a:pPr algn="ctr"/>
             <a:r>
-              <a:rPr lang="en-US" sz="3600" dirty="0" smtClean="0"/>
-              <a:t>.Tab file</a:t>
-            </a:r>
-            <a:endParaRPr lang="en-US" sz="3600" dirty="0"/>
-          </a:p>
-        </p:txBody>
-      </p:sp>
-      <p:sp>
-        <p:nvSpPr>
-          <p:cNvPr id="2" name="TextBox 1"/>
+              <a:rPr lang="en-US" sz="1400" dirty="0" smtClean="0"/>
+              <a:t>Blank “notes”</a:t>
+            </a:r>
+          </a:p>
+          <a:p>
+            <a:pPr algn="ctr"/>
+            <a:r>
+              <a:rPr lang="en-US" sz="1000" dirty="0" smtClean="0"/>
+              <a:t>293137</a:t>
+            </a:r>
+            <a:endParaRPr lang="en-US" sz="1000" dirty="0"/>
+          </a:p>
+        </p:txBody>
+      </p:sp>
+      <p:sp>
+        <p:nvSpPr>
+          <p:cNvPr id="19" name="Oval 18"/>
+          <p:cNvSpPr/>
+          <p:nvPr/>
+        </p:nvSpPr>
+        <p:spPr>
+          <a:xfrm>
+            <a:off x="2718046" y="2449059"/>
+            <a:ext cx="990600" cy="852256"/>
+          </a:xfrm>
+          <a:prstGeom prst="ellipse">
+            <a:avLst/>
+          </a:prstGeom>
+        </p:spPr>
+        <p:style>
+          <a:lnRef idx="2">
+            <a:schemeClr val="accent1">
+              <a:shade val="50000"/>
+            </a:schemeClr>
+          </a:lnRef>
+          <a:fillRef idx="1">
+            <a:schemeClr val="accent1"/>
+          </a:fillRef>
+          <a:effectRef idx="0">
+            <a:schemeClr val="accent1"/>
+          </a:effectRef>
+          <a:fontRef idx="minor">
+            <a:schemeClr val="lt1"/>
+          </a:fontRef>
+        </p:style>
+        <p:txBody>
+          <a:bodyPr rtlCol="0" anchor="ctr"/>
+          <a:lstStyle/>
+          <a:p>
+            <a:pPr algn="ctr"/>
+            <a:r>
+              <a:rPr lang="en-US" sz="1100" dirty="0" smtClean="0"/>
+              <a:t>Non-Failure Notes</a:t>
+            </a:r>
+          </a:p>
+          <a:p>
+            <a:pPr algn="ctr"/>
+            <a:r>
+              <a:rPr lang="en-US" sz="1000" dirty="0" smtClean="0"/>
+              <a:t>6440</a:t>
+            </a:r>
+            <a:endParaRPr lang="en-US" sz="1000" dirty="0"/>
+          </a:p>
+        </p:txBody>
+      </p:sp>
+      <p:cxnSp>
+        <p:nvCxnSpPr>
+          <p:cNvPr id="21" name="Straight Arrow Connector 20"/>
+          <p:cNvCxnSpPr>
+            <a:endCxn id="19" idx="2"/>
+          </p:cNvCxnSpPr>
+          <p:nvPr/>
+        </p:nvCxnSpPr>
+        <p:spPr>
+          <a:xfrm>
+            <a:off x="1460932" y="2875187"/>
+            <a:ext cx="1257114" cy="0"/>
+          </a:xfrm>
+          <a:prstGeom prst="straightConnector1">
+            <a:avLst/>
+          </a:prstGeom>
+          <a:ln>
+            <a:tailEnd type="arrow"/>
+          </a:ln>
+        </p:spPr>
+        <p:style>
+          <a:lnRef idx="1">
+            <a:schemeClr val="accent1"/>
+          </a:lnRef>
+          <a:fillRef idx="0">
+            <a:schemeClr val="accent1"/>
+          </a:fillRef>
+          <a:effectRef idx="0">
+            <a:schemeClr val="accent1"/>
+          </a:effectRef>
+          <a:fontRef idx="minor">
+            <a:schemeClr val="tx1"/>
+          </a:fontRef>
+        </p:style>
+      </p:cxnSp>
+      <p:sp>
+        <p:nvSpPr>
+          <p:cNvPr id="24" name="TextBox 23"/>
           <p:cNvSpPr txBox="1"/>
           <p:nvPr/>
         </p:nvSpPr>
         <p:spPr>
           <a:xfrm>
-            <a:off x="244764" y="1669473"/>
-            <a:ext cx="6400800" cy="1477328"/>
+            <a:off x="876300" y="2325949"/>
+            <a:ext cx="1257300" cy="246221"/>
           </a:xfrm>
           <a:prstGeom prst="rect">
             <a:avLst/>
@@ -5742,35 +7651,264 @@
           <a:lstStyle/>
           <a:p>
             <a:r>
+              <a:rPr lang="en-US" sz="1000" dirty="0" smtClean="0"/>
+              <a:t># of </a:t>
+            </a:r>
+            <a:r>
+              <a:rPr lang="en-US" sz="1000" dirty="0" err="1" smtClean="0"/>
+              <a:t>Seq</a:t>
+            </a:r>
+            <a:r>
+              <a:rPr lang="en-US" sz="1000" dirty="0" smtClean="0"/>
+              <a:t>: 52643</a:t>
+            </a:r>
+            <a:endParaRPr lang="en-US" sz="1000" dirty="0"/>
+          </a:p>
+        </p:txBody>
+      </p:sp>
+      <p:sp>
+        <p:nvSpPr>
+          <p:cNvPr id="27" name="Rectangle 26"/>
+          <p:cNvSpPr/>
+          <p:nvPr/>
+        </p:nvSpPr>
+        <p:spPr>
+          <a:xfrm>
+            <a:off x="708178" y="3505200"/>
+            <a:ext cx="1479243" cy="955090"/>
+          </a:xfrm>
+          <a:prstGeom prst="rect">
+            <a:avLst/>
+          </a:prstGeom>
+        </p:spPr>
+        <p:style>
+          <a:lnRef idx="2">
+            <a:schemeClr val="accent1">
+              <a:shade val="50000"/>
+            </a:schemeClr>
+          </a:lnRef>
+          <a:fillRef idx="1">
+            <a:schemeClr val="accent1"/>
+          </a:fillRef>
+          <a:effectRef idx="0">
+            <a:schemeClr val="accent1"/>
+          </a:effectRef>
+          <a:fontRef idx="minor">
+            <a:schemeClr val="lt1"/>
+          </a:fontRef>
+        </p:style>
+        <p:txBody>
+          <a:bodyPr rtlCol="0" anchor="ctr"/>
+          <a:lstStyle/>
+          <a:p>
+            <a:pPr algn="ctr"/>
+            <a:r>
               <a:rPr lang="en-US" dirty="0" smtClean="0"/>
-              <a:t>Tab </a:t>
-            </a:r>
-            <a:r>
-              <a:rPr lang="en-US" dirty="0" err="1" smtClean="0"/>
-              <a:t>seperated</a:t>
-            </a:r>
-            <a:r>
-              <a:rPr lang="en-US" dirty="0" smtClean="0"/>
-              <a:t> file</a:t>
-            </a:r>
-          </a:p>
-          <a:p>
-            <a:endParaRPr lang="en-US" dirty="0" smtClean="0"/>
-          </a:p>
-          <a:p>
-            <a:r>
-              <a:rPr lang="en-US" dirty="0" smtClean="0"/>
-              <a:t>Can open and view raw file in Notepad</a:t>
-            </a:r>
-          </a:p>
-          <a:p>
-            <a:endParaRPr lang="en-US" dirty="0"/>
-          </a:p>
-          <a:p>
-            <a:r>
-              <a:rPr lang="en-US" dirty="0" smtClean="0"/>
-              <a:t>~16MB for 1 year</a:t>
-            </a:r>
+              <a:t>Important Notes Data</a:t>
+            </a:r>
+          </a:p>
+          <a:p>
+            <a:pPr algn="ctr"/>
+            <a:r>
+              <a:rPr lang="en-US" sz="1000" dirty="0" smtClean="0"/>
+              <a:t># of </a:t>
+            </a:r>
+            <a:r>
+              <a:rPr lang="en-US" sz="1000" dirty="0" err="1" smtClean="0"/>
+              <a:t>seq</a:t>
+            </a:r>
+            <a:r>
+              <a:rPr lang="en-US" sz="1000" dirty="0" smtClean="0"/>
+              <a:t>: 46203</a:t>
+            </a:r>
+            <a:endParaRPr lang="en-US" sz="1000" dirty="0"/>
+          </a:p>
+        </p:txBody>
+      </p:sp>
+      <p:sp>
+        <p:nvSpPr>
+          <p:cNvPr id="71" name="TextBox 70"/>
+          <p:cNvSpPr txBox="1"/>
+          <p:nvPr/>
+        </p:nvSpPr>
+        <p:spPr>
+          <a:xfrm>
+            <a:off x="2402702" y="1066800"/>
+            <a:ext cx="1697487" cy="276999"/>
+          </a:xfrm>
+          <a:prstGeom prst="rect">
+            <a:avLst/>
+          </a:prstGeom>
+          <a:noFill/>
+        </p:spPr>
+        <p:txBody>
+          <a:bodyPr wrap="square" rtlCol="0">
+            <a:spAutoFit/>
+          </a:bodyPr>
+          <a:lstStyle/>
+          <a:p>
+            <a:r>
+              <a:rPr lang="en-US" sz="1200" dirty="0" smtClean="0"/>
+              <a:t>Removed Sequences</a:t>
+            </a:r>
+            <a:endParaRPr lang="en-US" sz="1200" dirty="0"/>
+          </a:p>
+        </p:txBody>
+      </p:sp>
+      <p:sp>
+        <p:nvSpPr>
+          <p:cNvPr id="100" name="TextBox 99"/>
+          <p:cNvSpPr txBox="1"/>
+          <p:nvPr/>
+        </p:nvSpPr>
+        <p:spPr>
+          <a:xfrm>
+            <a:off x="4343400" y="1828800"/>
+            <a:ext cx="2514599" cy="2769989"/>
+          </a:xfrm>
+          <a:prstGeom prst="rect">
+            <a:avLst/>
+          </a:prstGeom>
+          <a:noFill/>
+        </p:spPr>
+        <p:txBody>
+          <a:bodyPr wrap="square" numCol="2" rtlCol="0">
+            <a:spAutoFit/>
+          </a:bodyPr>
+          <a:lstStyle/>
+          <a:p>
+            <a:pPr algn="ctr"/>
+            <a:r>
+              <a:rPr lang="en-US" sz="1200" dirty="0" smtClean="0"/>
+              <a:t>Non-Failure Filter</a:t>
+            </a:r>
+          </a:p>
+          <a:p>
+            <a:pPr marL="171450" indent="-171450">
+              <a:buFont typeface="Arial" panose="020B0604020202020204" pitchFamily="34" charset="0"/>
+              <a:buChar char="•"/>
+            </a:pPr>
+            <a:r>
+              <a:rPr lang="en-US" sz="1200" dirty="0" smtClean="0"/>
+              <a:t>see </a:t>
+            </a:r>
+          </a:p>
+          <a:p>
+            <a:pPr marL="171450" indent="-171450">
+              <a:buFont typeface="Arial" panose="020B0604020202020204" pitchFamily="34" charset="0"/>
+              <a:buChar char="•"/>
+            </a:pPr>
+            <a:r>
+              <a:rPr lang="en-US" sz="1200" dirty="0" smtClean="0"/>
+              <a:t>Extra Material</a:t>
+            </a:r>
+          </a:p>
+          <a:p>
+            <a:pPr marL="171450" indent="-171450">
+              <a:buFont typeface="Arial" panose="020B0604020202020204" pitchFamily="34" charset="0"/>
+              <a:buChar char="•"/>
+            </a:pPr>
+            <a:r>
+              <a:rPr lang="en-US" sz="1200" dirty="0" smtClean="0"/>
+              <a:t>Archive material</a:t>
+            </a:r>
+          </a:p>
+          <a:p>
+            <a:pPr marL="171450" indent="-171450">
+              <a:buFont typeface="Arial" panose="020B0604020202020204" pitchFamily="34" charset="0"/>
+              <a:buChar char="•"/>
+            </a:pPr>
+            <a:r>
+              <a:rPr lang="en-US" sz="1200" dirty="0" smtClean="0"/>
+              <a:t>Collection</a:t>
+            </a:r>
+          </a:p>
+          <a:p>
+            <a:pPr marL="171450" indent="-171450">
+              <a:buFont typeface="Arial" panose="020B0604020202020204" pitchFamily="34" charset="0"/>
+              <a:buChar char="•"/>
+            </a:pPr>
+            <a:r>
+              <a:rPr lang="en-US" sz="1200" dirty="0" err="1" smtClean="0"/>
+              <a:t>Stellaris</a:t>
+            </a:r>
+            <a:r>
+              <a:rPr lang="en-US" sz="1200" dirty="0" smtClean="0"/>
+              <a:t> o</a:t>
+            </a:r>
+          </a:p>
+          <a:p>
+            <a:pPr marL="171450" indent="-171450">
+              <a:buFont typeface="Arial" panose="020B0604020202020204" pitchFamily="34" charset="0"/>
+              <a:buChar char="•"/>
+            </a:pPr>
+            <a:r>
+              <a:rPr lang="en-US" sz="1200" dirty="0" smtClean="0"/>
+              <a:t>Pass</a:t>
+            </a:r>
+          </a:p>
+          <a:p>
+            <a:pPr marL="171450" indent="-171450">
+              <a:buFont typeface="Arial" panose="020B0604020202020204" pitchFamily="34" charset="0"/>
+              <a:buChar char="•"/>
+            </a:pPr>
+            <a:r>
+              <a:rPr lang="en-US" sz="1200" dirty="0" smtClean="0"/>
+              <a:t>Wobble o</a:t>
+            </a:r>
+          </a:p>
+          <a:p>
+            <a:pPr marL="171450" indent="-171450">
+              <a:buFont typeface="Arial" panose="020B0604020202020204" pitchFamily="34" charset="0"/>
+              <a:buChar char="•"/>
+            </a:pPr>
+            <a:r>
+              <a:rPr lang="en-US" sz="1200" dirty="0" smtClean="0"/>
+              <a:t>Wobbles o</a:t>
+            </a:r>
+          </a:p>
+          <a:p>
+            <a:pPr marL="171450" indent="-171450">
+              <a:buFont typeface="Arial" panose="020B0604020202020204" pitchFamily="34" charset="0"/>
+              <a:buChar char="•"/>
+            </a:pPr>
+            <a:r>
+              <a:rPr lang="en-US" sz="1200" dirty="0" smtClean="0"/>
+              <a:t>Recheck</a:t>
+            </a:r>
+          </a:p>
+          <a:p>
+            <a:pPr marL="171450" indent="-171450">
+              <a:buFont typeface="Arial" panose="020B0604020202020204" pitchFamily="34" charset="0"/>
+              <a:buChar char="•"/>
+            </a:pPr>
+            <a:r>
+              <a:rPr lang="en-US" sz="1200" dirty="0" err="1" smtClean="0"/>
+              <a:t>Relot</a:t>
+            </a:r>
+            <a:endParaRPr lang="en-US" sz="1200" dirty="0" smtClean="0"/>
+          </a:p>
+          <a:p>
+            <a:pPr marL="171450" indent="-171450">
+              <a:buFont typeface="Arial" panose="020B0604020202020204" pitchFamily="34" charset="0"/>
+              <a:buChar char="•"/>
+            </a:pPr>
+            <a:r>
+              <a:rPr lang="en-US" sz="1200" dirty="0" smtClean="0"/>
+              <a:t>Re-lot</a:t>
+            </a:r>
+          </a:p>
+          <a:p>
+            <a:pPr marL="171450" indent="-171450">
+              <a:buFont typeface="Arial" panose="020B0604020202020204" pitchFamily="34" charset="0"/>
+              <a:buChar char="•"/>
+            </a:pPr>
+            <a:r>
+              <a:rPr lang="en-US" sz="1200" dirty="0" smtClean="0"/>
+              <a:t>comb</a:t>
+            </a:r>
+          </a:p>
+          <a:p>
             <a:endParaRPr lang="en-US" dirty="0"/>
           </a:p>
         </p:txBody>
@@ -5778,28 +7916,13 @@
     </p:spTree>
     <p:extLst>
       <p:ext uri="{BB962C8B-B14F-4D97-AF65-F5344CB8AC3E}">
-        <p14:creationId xmlns:p14="http://schemas.microsoft.com/office/powerpoint/2010/main" val="2531801247"/>
+        <p14:creationId xmlns:p14="http://schemas.microsoft.com/office/powerpoint/2010/main" val="4058038778"/>
       </p:ext>
     </p:extLst>
   </p:cSld>
   <p:clrMapOvr>
     <a:masterClrMapping/>
   </p:clrMapOvr>
-  <mc:AlternateContent xmlns:mc="http://schemas.openxmlformats.org/markup-compatibility/2006">
-    <mc:Choice xmlns:p14="http://schemas.microsoft.com/office/powerpoint/2010/main" Requires="p14">
-      <p:transition p14:dur="0"/>
-    </mc:Choice>
-    <mc:Fallback>
-      <p:transition/>
-    </mc:Fallback>
-  </mc:AlternateContent>
-  <p:timing>
-    <p:tnLst>
-      <p:par>
-        <p:cTn id="1" dur="indefinite" restart="never" nodeType="tmRoot"/>
-      </p:par>
-    </p:tnLst>
-  </p:timing>
 </p:sld>
 </file>
 
@@ -5822,266 +7945,278 @@
       </p:grpSpPr>
       <p:sp>
         <p:nvSpPr>
-          <p:cNvPr id="6" name="Text Placeholder 5"/>
-          <p:cNvSpPr>
-            <a:spLocks noGrp="1"/>
-          </p:cNvSpPr>
-          <p:nvPr>
-            <p:ph type="body" sz="half" idx="2"/>
-          </p:nvPr>
+          <p:cNvPr id="5" name="Rectangle 4"/>
+          <p:cNvSpPr/>
+          <p:nvPr/>
         </p:nvSpPr>
         <p:spPr>
           <a:xfrm>
-            <a:off x="6934200" y="685800"/>
-            <a:ext cx="1941945" cy="5761182"/>
-          </a:xfrm>
+            <a:off x="762000" y="685800"/>
+            <a:ext cx="1371600" cy="762000"/>
+          </a:xfrm>
+          <a:prstGeom prst="rect">
+            <a:avLst/>
+          </a:prstGeom>
         </p:spPr>
-        <p:txBody>
-          <a:bodyPr>
-            <a:normAutofit/>
-          </a:bodyPr>
+        <p:style>
+          <a:lnRef idx="2">
+            <a:schemeClr val="accent1">
+              <a:shade val="50000"/>
+            </a:schemeClr>
+          </a:lnRef>
+          <a:fillRef idx="1">
+            <a:schemeClr val="accent1"/>
+          </a:fillRef>
+          <a:effectRef idx="0">
+            <a:schemeClr val="accent1"/>
+          </a:effectRef>
+          <a:fontRef idx="minor">
+            <a:schemeClr val="lt1"/>
+          </a:fontRef>
+        </p:style>
+        <p:txBody>
+          <a:bodyPr rtlCol="0" anchor="ctr"/>
           <a:lstStyle/>
           <a:p>
-            <a:pPr>
-              <a:buClrTx/>
-            </a:pPr>
-            <a:endParaRPr lang="en-US" dirty="0" smtClean="0"/>
-          </a:p>
-          <a:p>
-            <a:pPr marL="342900" indent="-342900">
-              <a:buClrTx/>
-              <a:buFont typeface="+mj-lt"/>
-              <a:buAutoNum type="arabicPeriod"/>
-            </a:pPr>
-            <a:r>
-              <a:rPr lang="en-US" sz="1100" dirty="0" err="1" smtClean="0"/>
-              <a:t>Filemaker</a:t>
-            </a:r>
-            <a:r>
-              <a:rPr lang="en-US" sz="1100" dirty="0" smtClean="0"/>
-              <a:t> Search</a:t>
-            </a:r>
-          </a:p>
-          <a:p>
-            <a:pPr marL="800100" lvl="1" indent="-342900">
-              <a:buClrTx/>
-              <a:buFont typeface="Arial" panose="020B0604020202020204" pitchFamily="34" charset="0"/>
-              <a:buChar char="•"/>
-            </a:pPr>
-            <a:r>
-              <a:rPr lang="en-US" sz="1100" dirty="0" smtClean="0"/>
-              <a:t>Time frame</a:t>
-            </a:r>
-          </a:p>
-          <a:p>
-            <a:pPr marL="800100" lvl="1" indent="-342900">
-              <a:buClrTx/>
-              <a:buFont typeface="Arial" panose="020B0604020202020204" pitchFamily="34" charset="0"/>
-              <a:buChar char="•"/>
-            </a:pPr>
-            <a:r>
-              <a:rPr lang="en-US" sz="1100" dirty="0" smtClean="0"/>
-              <a:t>Other Boxes</a:t>
-            </a:r>
-          </a:p>
-          <a:p>
-            <a:pPr marL="342900" indent="-342900">
-              <a:buClrTx/>
-              <a:buFont typeface="+mj-lt"/>
-              <a:buAutoNum type="arabicPeriod"/>
-            </a:pPr>
-            <a:r>
-              <a:rPr lang="en-US" sz="1100" dirty="0" smtClean="0"/>
-              <a:t>Export</a:t>
-            </a:r>
-          </a:p>
-          <a:p>
-            <a:pPr marL="800100" lvl="1" indent="-342900">
-              <a:buClrTx/>
-              <a:buFont typeface="Arial" panose="020B0604020202020204" pitchFamily="34" charset="0"/>
-              <a:buChar char="•"/>
-            </a:pPr>
-            <a:r>
-              <a:rPr lang="en-US" sz="1100" dirty="0" smtClean="0"/>
-              <a:t>Save location</a:t>
-            </a:r>
-          </a:p>
-          <a:p>
-            <a:pPr marL="800100" lvl="1" indent="-342900">
-              <a:buClrTx/>
-              <a:buFont typeface="Arial" panose="020B0604020202020204" pitchFamily="34" charset="0"/>
-              <a:buChar char="•"/>
-            </a:pPr>
-            <a:r>
-              <a:rPr lang="en-US" sz="1100" dirty="0" err="1" smtClean="0"/>
-              <a:t>Catagories</a:t>
-            </a:r>
-            <a:endParaRPr lang="en-US" sz="1100" dirty="0" smtClean="0"/>
-          </a:p>
-          <a:p>
-            <a:pPr marL="800100" lvl="1" indent="-342900">
-              <a:buClrTx/>
-              <a:buFont typeface="Arial" panose="020B0604020202020204" pitchFamily="34" charset="0"/>
-              <a:buChar char="•"/>
-            </a:pPr>
-            <a:r>
-              <a:rPr lang="en-US" sz="1100" dirty="0" smtClean="0"/>
-              <a:t>Time</a:t>
-            </a:r>
-          </a:p>
-          <a:p>
-            <a:pPr marL="342900" indent="-342900">
-              <a:buClrTx/>
-              <a:buFont typeface="+mj-lt"/>
-              <a:buAutoNum type="arabicPeriod"/>
-            </a:pPr>
-            <a:r>
-              <a:rPr lang="en-US" sz="1100" dirty="0" smtClean="0"/>
-              <a:t>.Tab File</a:t>
-            </a:r>
-          </a:p>
-          <a:p>
-            <a:pPr marL="800100" lvl="1" indent="-342900">
-              <a:buClrTx/>
-              <a:buFont typeface="Arial" panose="020B0604020202020204" pitchFamily="34" charset="0"/>
-              <a:buChar char="•"/>
-            </a:pPr>
-            <a:r>
-              <a:rPr lang="en-US" sz="1100" dirty="0" smtClean="0"/>
-              <a:t>Size</a:t>
-            </a:r>
-          </a:p>
-          <a:p>
-            <a:pPr marL="800100" lvl="1" indent="-342900">
-              <a:buClrTx/>
-              <a:buFont typeface="Arial" panose="020B0604020202020204" pitchFamily="34" charset="0"/>
-              <a:buChar char="•"/>
-            </a:pPr>
-            <a:r>
-              <a:rPr lang="en-US" sz="1100" dirty="0" smtClean="0"/>
-              <a:t>Contents</a:t>
-            </a:r>
-          </a:p>
-          <a:p>
-            <a:pPr marL="342900" indent="-342900">
-              <a:buClrTx/>
-              <a:buFont typeface="+mj-lt"/>
-              <a:buAutoNum type="arabicPeriod"/>
-            </a:pPr>
-            <a:r>
-              <a:rPr lang="en-US" sz="1100" dirty="0" smtClean="0"/>
-              <a:t>Run Script</a:t>
-            </a:r>
-          </a:p>
-          <a:p>
-            <a:pPr marL="800100" lvl="1" indent="-342900">
-              <a:buClrTx/>
-              <a:buFont typeface="Arial" panose="020B0604020202020204" pitchFamily="34" charset="0"/>
-              <a:buChar char="•"/>
-            </a:pPr>
-            <a:r>
-              <a:rPr lang="en-US" sz="1100" dirty="0" smtClean="0"/>
-              <a:t>How to Run</a:t>
-            </a:r>
-          </a:p>
-          <a:p>
-            <a:pPr marL="800100" lvl="1" indent="-342900">
-              <a:buClrTx/>
-              <a:buFont typeface="Arial" panose="020B0604020202020204" pitchFamily="34" charset="0"/>
-              <a:buChar char="•"/>
-            </a:pPr>
-            <a:r>
-              <a:rPr lang="en-US" sz="1100" dirty="0" smtClean="0"/>
-              <a:t>Script Logic</a:t>
-            </a:r>
-          </a:p>
-          <a:p>
-            <a:pPr marL="800100" lvl="1" indent="-342900">
-              <a:buClrTx/>
-              <a:buFont typeface="Arial" panose="020B0604020202020204" pitchFamily="34" charset="0"/>
-              <a:buChar char="•"/>
-            </a:pPr>
-            <a:r>
-              <a:rPr lang="en-US" sz="1100" dirty="0" smtClean="0"/>
-              <a:t>Time</a:t>
-            </a:r>
-          </a:p>
-          <a:p>
-            <a:pPr marL="342900" indent="-342900">
-              <a:buClrTx/>
-              <a:buFont typeface="+mj-lt"/>
-              <a:buAutoNum type="arabicPeriod"/>
-            </a:pPr>
-            <a:r>
-              <a:rPr lang="en-US" sz="1100" dirty="0" smtClean="0"/>
-              <a:t>Excel File</a:t>
-            </a:r>
-          </a:p>
-          <a:p>
-            <a:pPr marL="800100" lvl="1" indent="-342900">
-              <a:buClrTx/>
-              <a:buFont typeface="Arial" panose="020B0604020202020204" pitchFamily="34" charset="0"/>
-              <a:buChar char="•"/>
-            </a:pPr>
-            <a:r>
-              <a:rPr lang="en-US" sz="1100" dirty="0" smtClean="0"/>
-              <a:t>Different sheets</a:t>
-            </a:r>
-          </a:p>
-          <a:p>
-            <a:pPr marL="800100" lvl="1" indent="-342900">
-              <a:buClrTx/>
-              <a:buFont typeface="Arial" panose="020B0604020202020204" pitchFamily="34" charset="0"/>
-              <a:buChar char="•"/>
-            </a:pPr>
-            <a:r>
-              <a:rPr lang="en-US" sz="1100" dirty="0" smtClean="0"/>
-              <a:t>Size</a:t>
-            </a:r>
-          </a:p>
-        </p:txBody>
-      </p:sp>
-      <p:sp>
-        <p:nvSpPr>
-          <p:cNvPr id="4" name="Title 3"/>
-          <p:cNvSpPr>
-            <a:spLocks noGrp="1"/>
-          </p:cNvSpPr>
-          <p:nvPr>
-            <p:ph type="title"/>
-          </p:nvPr>
+            <a:pPr algn="ctr"/>
+            <a:r>
+              <a:rPr lang="en-US" dirty="0" smtClean="0"/>
+              <a:t>Raw Data</a:t>
+            </a:r>
+          </a:p>
+          <a:p>
+            <a:pPr algn="ctr"/>
+            <a:r>
+              <a:rPr lang="en-US" sz="1000" dirty="0" smtClean="0"/>
+              <a:t># of </a:t>
+            </a:r>
+            <a:r>
+              <a:rPr lang="en-US" sz="1000" dirty="0" err="1" smtClean="0"/>
+              <a:t>Seq</a:t>
+            </a:r>
+            <a:r>
+              <a:rPr lang="en-US" sz="1000" dirty="0" smtClean="0"/>
+              <a:t>: 345780 </a:t>
+            </a:r>
+            <a:endParaRPr lang="en-US" sz="1000" dirty="0"/>
+          </a:p>
+        </p:txBody>
+      </p:sp>
+      <p:cxnSp>
+        <p:nvCxnSpPr>
+          <p:cNvPr id="7" name="Straight Arrow Connector 6"/>
+          <p:cNvCxnSpPr/>
+          <p:nvPr/>
+        </p:nvCxnSpPr>
+        <p:spPr>
+          <a:xfrm flipH="1">
+            <a:off x="1447800" y="1451499"/>
+            <a:ext cx="26264" cy="2053701"/>
+          </a:xfrm>
+          <a:prstGeom prst="straightConnector1">
+            <a:avLst/>
+          </a:prstGeom>
+          <a:ln>
+            <a:tailEnd type="arrow"/>
+          </a:ln>
+        </p:spPr>
+        <p:style>
+          <a:lnRef idx="1">
+            <a:schemeClr val="accent1"/>
+          </a:lnRef>
+          <a:fillRef idx="0">
+            <a:schemeClr val="accent1"/>
+          </a:fillRef>
+          <a:effectRef idx="0">
+            <a:schemeClr val="accent1"/>
+          </a:effectRef>
+          <a:fontRef idx="minor">
+            <a:schemeClr val="tx1"/>
+          </a:fontRef>
+        </p:style>
+      </p:cxnSp>
+      <p:cxnSp>
+        <p:nvCxnSpPr>
+          <p:cNvPr id="9" name="Straight Arrow Connector 8"/>
+          <p:cNvCxnSpPr>
+            <a:endCxn id="11" idx="2"/>
+          </p:cNvCxnSpPr>
+          <p:nvPr/>
+        </p:nvCxnSpPr>
+        <p:spPr>
+          <a:xfrm flipV="1">
+            <a:off x="1474063" y="1875777"/>
+            <a:ext cx="1243983" cy="15168"/>
+          </a:xfrm>
+          <a:prstGeom prst="straightConnector1">
+            <a:avLst/>
+          </a:prstGeom>
+          <a:ln>
+            <a:tailEnd type="arrow"/>
+          </a:ln>
+        </p:spPr>
+        <p:style>
+          <a:lnRef idx="1">
+            <a:schemeClr val="accent1"/>
+          </a:lnRef>
+          <a:fillRef idx="0">
+            <a:schemeClr val="accent1"/>
+          </a:fillRef>
+          <a:effectRef idx="0">
+            <a:schemeClr val="accent1"/>
+          </a:effectRef>
+          <a:fontRef idx="minor">
+            <a:schemeClr val="tx1"/>
+          </a:fontRef>
+        </p:style>
+      </p:cxnSp>
+      <p:sp>
+        <p:nvSpPr>
+          <p:cNvPr id="11" name="Oval 10"/>
+          <p:cNvSpPr/>
+          <p:nvPr/>
         </p:nvSpPr>
         <p:spPr>
           <a:xfrm>
-            <a:off x="304800" y="76200"/>
-            <a:ext cx="6400800" cy="1066800"/>
-          </a:xfrm>
+            <a:off x="2718046" y="1451498"/>
+            <a:ext cx="1066800" cy="848557"/>
+          </a:xfrm>
+          <a:prstGeom prst="ellipse">
+            <a:avLst/>
+          </a:prstGeom>
         </p:spPr>
-        <p:txBody>
-          <a:bodyPr anchor="ctr">
-            <a:normAutofit/>
-          </a:bodyPr>
+        <p:style>
+          <a:lnRef idx="2">
+            <a:schemeClr val="accent1">
+              <a:shade val="50000"/>
+            </a:schemeClr>
+          </a:lnRef>
+          <a:fillRef idx="1">
+            <a:schemeClr val="accent1"/>
+          </a:fillRef>
+          <a:effectRef idx="0">
+            <a:schemeClr val="accent1"/>
+          </a:effectRef>
+          <a:fontRef idx="minor">
+            <a:schemeClr val="lt1"/>
+          </a:fontRef>
+        </p:style>
+        <p:txBody>
+          <a:bodyPr rtlCol="0" anchor="ctr"/>
           <a:lstStyle/>
           <a:p>
             <a:pPr algn="ctr"/>
             <a:r>
-              <a:rPr lang="en-US" sz="3600" dirty="0" smtClean="0"/>
-              <a:t>Run Script</a:t>
-            </a:r>
-            <a:endParaRPr lang="en-US" sz="3600" dirty="0"/>
-          </a:p>
-        </p:txBody>
-      </p:sp>
-      <p:sp>
-        <p:nvSpPr>
-          <p:cNvPr id="2" name="TextBox 1"/>
+              <a:rPr lang="en-US" sz="1400" dirty="0" smtClean="0"/>
+              <a:t>Blank “notes”</a:t>
+            </a:r>
+          </a:p>
+          <a:p>
+            <a:pPr algn="ctr"/>
+            <a:r>
+              <a:rPr lang="en-US" sz="1000" dirty="0" smtClean="0"/>
+              <a:t>293137</a:t>
+            </a:r>
+            <a:endParaRPr lang="en-US" sz="1000" dirty="0"/>
+          </a:p>
+        </p:txBody>
+      </p:sp>
+      <p:sp>
+        <p:nvSpPr>
+          <p:cNvPr id="19" name="Oval 18"/>
+          <p:cNvSpPr/>
+          <p:nvPr/>
+        </p:nvSpPr>
+        <p:spPr>
+          <a:xfrm>
+            <a:off x="2718046" y="2449059"/>
+            <a:ext cx="990600" cy="852256"/>
+          </a:xfrm>
+          <a:prstGeom prst="ellipse">
+            <a:avLst/>
+          </a:prstGeom>
+        </p:spPr>
+        <p:style>
+          <a:lnRef idx="2">
+            <a:schemeClr val="accent1">
+              <a:shade val="50000"/>
+            </a:schemeClr>
+          </a:lnRef>
+          <a:fillRef idx="1">
+            <a:schemeClr val="accent1"/>
+          </a:fillRef>
+          <a:effectRef idx="0">
+            <a:schemeClr val="accent1"/>
+          </a:effectRef>
+          <a:fontRef idx="minor">
+            <a:schemeClr val="lt1"/>
+          </a:fontRef>
+        </p:style>
+        <p:txBody>
+          <a:bodyPr rtlCol="0" anchor="ctr"/>
+          <a:lstStyle/>
+          <a:p>
+            <a:pPr algn="ctr"/>
+            <a:r>
+              <a:rPr lang="en-US" sz="1100" dirty="0" smtClean="0"/>
+              <a:t>Non-Failure Notes</a:t>
+            </a:r>
+          </a:p>
+          <a:p>
+            <a:pPr algn="ctr"/>
+            <a:r>
+              <a:rPr lang="en-US" sz="1000" dirty="0" smtClean="0"/>
+              <a:t>6440</a:t>
+            </a:r>
+            <a:endParaRPr lang="en-US" sz="1000" dirty="0"/>
+          </a:p>
+        </p:txBody>
+      </p:sp>
+      <p:cxnSp>
+        <p:nvCxnSpPr>
+          <p:cNvPr id="21" name="Straight Arrow Connector 20"/>
+          <p:cNvCxnSpPr>
+            <a:endCxn id="19" idx="2"/>
+          </p:cNvCxnSpPr>
+          <p:nvPr/>
+        </p:nvCxnSpPr>
+        <p:spPr>
+          <a:xfrm>
+            <a:off x="1460932" y="2875187"/>
+            <a:ext cx="1257114" cy="0"/>
+          </a:xfrm>
+          <a:prstGeom prst="straightConnector1">
+            <a:avLst/>
+          </a:prstGeom>
+          <a:ln>
+            <a:tailEnd type="arrow"/>
+          </a:ln>
+        </p:spPr>
+        <p:style>
+          <a:lnRef idx="1">
+            <a:schemeClr val="accent1"/>
+          </a:lnRef>
+          <a:fillRef idx="0">
+            <a:schemeClr val="accent1"/>
+          </a:fillRef>
+          <a:effectRef idx="0">
+            <a:schemeClr val="accent1"/>
+          </a:effectRef>
+          <a:fontRef idx="minor">
+            <a:schemeClr val="tx1"/>
+          </a:fontRef>
+        </p:style>
+      </p:cxnSp>
+      <p:sp>
+        <p:nvSpPr>
+          <p:cNvPr id="24" name="TextBox 23"/>
           <p:cNvSpPr txBox="1"/>
           <p:nvPr/>
         </p:nvSpPr>
         <p:spPr>
           <a:xfrm>
-            <a:off x="217055" y="914400"/>
-            <a:ext cx="6400800" cy="461665"/>
+            <a:off x="876300" y="2325949"/>
+            <a:ext cx="1257300" cy="246221"/>
           </a:xfrm>
           <a:prstGeom prst="rect">
             <a:avLst/>
@@ -6095,23 +8230,136 @@
           <a:lstStyle/>
           <a:p>
             <a:r>
-              <a:rPr lang="en-US" sz="2400" dirty="0" smtClean="0"/>
-              <a:t>How to Run</a:t>
-            </a:r>
-            <a:endParaRPr lang="en-US" sz="2400" dirty="0"/>
-          </a:p>
-        </p:txBody>
-      </p:sp>
-      <p:sp>
-        <p:nvSpPr>
-          <p:cNvPr id="3" name="TextBox 2"/>
+              <a:rPr lang="en-US" sz="1000" dirty="0" smtClean="0"/>
+              <a:t># of </a:t>
+            </a:r>
+            <a:r>
+              <a:rPr lang="en-US" sz="1000" dirty="0" err="1" smtClean="0"/>
+              <a:t>Seq</a:t>
+            </a:r>
+            <a:r>
+              <a:rPr lang="en-US" sz="1000" dirty="0" smtClean="0"/>
+              <a:t>: 52643</a:t>
+            </a:r>
+            <a:endParaRPr lang="en-US" sz="1000" dirty="0"/>
+          </a:p>
+        </p:txBody>
+      </p:sp>
+      <p:sp>
+        <p:nvSpPr>
+          <p:cNvPr id="27" name="Rectangle 26"/>
+          <p:cNvSpPr/>
+          <p:nvPr/>
+        </p:nvSpPr>
+        <p:spPr>
+          <a:xfrm>
+            <a:off x="708178" y="3505200"/>
+            <a:ext cx="1479243" cy="955090"/>
+          </a:xfrm>
+          <a:prstGeom prst="rect">
+            <a:avLst/>
+          </a:prstGeom>
+        </p:spPr>
+        <p:style>
+          <a:lnRef idx="2">
+            <a:schemeClr val="accent1">
+              <a:shade val="50000"/>
+            </a:schemeClr>
+          </a:lnRef>
+          <a:fillRef idx="1">
+            <a:schemeClr val="accent1"/>
+          </a:fillRef>
+          <a:effectRef idx="0">
+            <a:schemeClr val="accent1"/>
+          </a:effectRef>
+          <a:fontRef idx="minor">
+            <a:schemeClr val="lt1"/>
+          </a:fontRef>
+        </p:style>
+        <p:txBody>
+          <a:bodyPr rtlCol="0" anchor="ctr"/>
+          <a:lstStyle/>
+          <a:p>
+            <a:pPr algn="ctr"/>
+            <a:r>
+              <a:rPr lang="en-US" dirty="0" smtClean="0"/>
+              <a:t>Important Notes Data</a:t>
+            </a:r>
+          </a:p>
+          <a:p>
+            <a:pPr algn="ctr"/>
+            <a:r>
+              <a:rPr lang="en-US" sz="1000" dirty="0" smtClean="0"/>
+              <a:t># of </a:t>
+            </a:r>
+            <a:r>
+              <a:rPr lang="en-US" sz="1000" dirty="0" err="1" smtClean="0"/>
+              <a:t>seq</a:t>
+            </a:r>
+            <a:r>
+              <a:rPr lang="en-US" sz="1000" dirty="0" smtClean="0"/>
+              <a:t>: 46203</a:t>
+            </a:r>
+            <a:endParaRPr lang="en-US" sz="1000" dirty="0"/>
+          </a:p>
+        </p:txBody>
+      </p:sp>
+      <p:sp>
+        <p:nvSpPr>
+          <p:cNvPr id="63" name="Bent-Up Arrow 62"/>
+          <p:cNvSpPr/>
+          <p:nvPr/>
+        </p:nvSpPr>
+        <p:spPr>
+          <a:xfrm rot="5400000">
+            <a:off x="1489095" y="4159878"/>
+            <a:ext cx="2096691" cy="2697518"/>
+          </a:xfrm>
+          <a:prstGeom prst="bentUpArrow">
+            <a:avLst>
+              <a:gd name="adj1" fmla="val 25000"/>
+              <a:gd name="adj2" fmla="val 23679"/>
+              <a:gd name="adj3" fmla="val 25000"/>
+            </a:avLst>
+          </a:prstGeom>
+        </p:spPr>
+        <p:style>
+          <a:lnRef idx="2">
+            <a:schemeClr val="accent1">
+              <a:shade val="50000"/>
+            </a:schemeClr>
+          </a:lnRef>
+          <a:fillRef idx="1">
+            <a:schemeClr val="accent1"/>
+          </a:fillRef>
+          <a:effectRef idx="0">
+            <a:schemeClr val="accent1"/>
+          </a:effectRef>
+          <a:fontRef idx="minor">
+            <a:schemeClr val="lt1"/>
+          </a:fontRef>
+        </p:style>
+        <p:txBody>
+          <a:bodyPr vert="vert270" rtlCol="0" anchor="ctr">
+            <a:noAutofit/>
+          </a:bodyPr>
+          <a:lstStyle/>
+          <a:p>
+            <a:pPr algn="ctr"/>
+            <a:endParaRPr lang="en-US" dirty="0"/>
+          </a:p>
+        </p:txBody>
+      </p:sp>
+      <p:sp>
+        <p:nvSpPr>
+          <p:cNvPr id="64" name="TextBox 63"/>
           <p:cNvSpPr txBox="1"/>
           <p:nvPr/>
         </p:nvSpPr>
         <p:spPr>
           <a:xfrm>
-            <a:off x="217055" y="1399156"/>
-            <a:ext cx="6400801" cy="2585323"/>
+            <a:off x="1227336" y="5866662"/>
+            <a:ext cx="2582663" cy="369332"/>
           </a:xfrm>
           <a:prstGeom prst="rect">
             <a:avLst/>
@@ -6126,105 +8374,93 @@
           <a:p>
             <a:r>
               <a:rPr lang="en-US" dirty="0" smtClean="0"/>
-              <a:t>Must have R installed</a:t>
-            </a:r>
-          </a:p>
-          <a:p>
+              <a:t>Failure Aggregation</a:t>
+            </a:r>
+            <a:endParaRPr lang="en-US" dirty="0"/>
+          </a:p>
+        </p:txBody>
+      </p:sp>
+      <p:sp>
+        <p:nvSpPr>
+          <p:cNvPr id="66" name="Rectangle 65"/>
+          <p:cNvSpPr/>
+          <p:nvPr/>
+        </p:nvSpPr>
+        <p:spPr>
+          <a:xfrm>
+            <a:off x="3886200" y="5567779"/>
+            <a:ext cx="1752600" cy="914400"/>
+          </a:xfrm>
+          <a:prstGeom prst="rect">
+            <a:avLst/>
+          </a:prstGeom>
+        </p:spPr>
+        <p:style>
+          <a:lnRef idx="2">
+            <a:schemeClr val="accent1">
+              <a:shade val="50000"/>
+            </a:schemeClr>
+          </a:lnRef>
+          <a:fillRef idx="1">
+            <a:schemeClr val="accent1"/>
+          </a:fillRef>
+          <a:effectRef idx="0">
+            <a:schemeClr val="accent1"/>
+          </a:effectRef>
+          <a:fontRef idx="minor">
+            <a:schemeClr val="lt1"/>
+          </a:fontRef>
+        </p:style>
+        <p:txBody>
+          <a:bodyPr rtlCol="0" anchor="ctr"/>
+          <a:lstStyle/>
+          <a:p>
+            <a:pPr algn="ctr"/>
             <a:r>
               <a:rPr lang="en-US" dirty="0" smtClean="0"/>
-              <a:t>Must know how to open an R window</a:t>
-            </a:r>
-          </a:p>
-          <a:p>
-            <a:endParaRPr lang="en-US" dirty="0"/>
-          </a:p>
-          <a:p>
+              <a:t>Preliminary Failed </a:t>
+            </a:r>
+            <a:r>
+              <a:rPr lang="en-US" dirty="0" err="1" smtClean="0"/>
+              <a:t>Seq</a:t>
+            </a:r>
             <a:r>
               <a:rPr lang="en-US" dirty="0" smtClean="0"/>
-              <a:t>Type in</a:t>
-            </a:r>
-          </a:p>
-          <a:p>
-            <a:r>
-              <a:rPr lang="en-US" dirty="0" smtClean="0"/>
-              <a:t>Source(</a:t>
-            </a:r>
-            <a:r>
-              <a:rPr lang="en-US" i="1" dirty="0" smtClean="0"/>
-              <a:t>script location), hit enter</a:t>
-            </a:r>
-          </a:p>
-          <a:p>
-            <a:r>
-              <a:rPr lang="en-US" dirty="0" smtClean="0"/>
-              <a:t>Ex) </a:t>
-            </a:r>
-            <a:r>
-              <a:rPr lang="en-US" dirty="0"/>
-              <a:t>source('C:/</a:t>
-            </a:r>
-            <a:r>
-              <a:rPr lang="en-US" dirty="0" smtClean="0"/>
-              <a:t>Users/</a:t>
-            </a:r>
-            <a:r>
-              <a:rPr lang="en-US" dirty="0" err="1" smtClean="0"/>
-              <a:t>cferguson</a:t>
-            </a:r>
-            <a:r>
-              <a:rPr lang="en-US" dirty="0" smtClean="0"/>
-              <a:t>/Desktop/</a:t>
-            </a:r>
-            <a:r>
-              <a:rPr lang="en-US" dirty="0" err="1" smtClean="0"/>
-              <a:t>Failure_List</a:t>
-            </a:r>
-            <a:r>
-              <a:rPr lang="en-US" dirty="0" smtClean="0"/>
-              <a:t>/</a:t>
-            </a:r>
-            <a:r>
-              <a:rPr lang="en-US" dirty="0" err="1" smtClean="0"/>
-              <a:t>failurelist.R</a:t>
-            </a:r>
-            <a:r>
-              <a:rPr lang="en-US" dirty="0" smtClean="0"/>
-              <a:t>”)</a:t>
-            </a:r>
-          </a:p>
-          <a:p>
-            <a:r>
-              <a:rPr lang="en-US" i="1" dirty="0" smtClean="0"/>
-              <a:t>Or</a:t>
-            </a:r>
-          </a:p>
-          <a:p>
-            <a:r>
-              <a:rPr lang="en-US" dirty="0" smtClean="0"/>
-              <a:t>Source(“</a:t>
-            </a:r>
-            <a:r>
-              <a:rPr lang="en-US" dirty="0" err="1" smtClean="0"/>
-              <a:t>failurelist.R</a:t>
-            </a:r>
-            <a:r>
-              <a:rPr lang="en-US" dirty="0" smtClean="0"/>
-              <a:t>”)</a:t>
-            </a:r>
-            <a:endParaRPr lang="en-US" dirty="0"/>
-          </a:p>
-        </p:txBody>
-      </p:sp>
-      <p:sp>
-        <p:nvSpPr>
-          <p:cNvPr id="5" name="TextBox 4"/>
+              <a:t> Data</a:t>
+            </a:r>
+          </a:p>
+          <a:p>
+            <a:pPr algn="ctr"/>
+            <a:r>
+              <a:rPr lang="en-US" sz="1000" dirty="0"/>
+              <a:t># of </a:t>
+            </a:r>
+            <a:r>
+              <a:rPr lang="en-US" sz="1000" dirty="0" err="1"/>
+              <a:t>seq</a:t>
+            </a:r>
+            <a:r>
+              <a:rPr lang="en-US" sz="1000" dirty="0"/>
+              <a:t>: </a:t>
+            </a:r>
+            <a:r>
+              <a:rPr lang="en-US" sz="1000" dirty="0" smtClean="0"/>
+              <a:t>46203</a:t>
+            </a:r>
+            <a:endParaRPr lang="en-US" sz="1000" dirty="0"/>
+          </a:p>
+        </p:txBody>
+      </p:sp>
+      <p:sp>
+        <p:nvSpPr>
+          <p:cNvPr id="71" name="TextBox 70"/>
           <p:cNvSpPr txBox="1"/>
           <p:nvPr/>
         </p:nvSpPr>
         <p:spPr>
           <a:xfrm>
-            <a:off x="265545" y="4191000"/>
-            <a:ext cx="6172200" cy="2308324"/>
+            <a:off x="2402702" y="1066800"/>
+            <a:ext cx="1697487" cy="276999"/>
           </a:xfrm>
           <a:prstGeom prst="rect">
             <a:avLst/>
@@ -6238,69 +8474,641 @@
           <a:lstStyle/>
           <a:p>
             <a:r>
+              <a:rPr lang="en-US" sz="1200" dirty="0" smtClean="0"/>
+              <a:t>Removed Sequences</a:t>
+            </a:r>
+            <a:endParaRPr lang="en-US" sz="1200" dirty="0"/>
+          </a:p>
+        </p:txBody>
+      </p:sp>
+      <p:sp>
+        <p:nvSpPr>
+          <p:cNvPr id="105" name="TextBox 104"/>
+          <p:cNvSpPr txBox="1"/>
+          <p:nvPr/>
+        </p:nvSpPr>
+        <p:spPr>
+          <a:xfrm>
+            <a:off x="3823446" y="704552"/>
+            <a:ext cx="5282953" cy="4808738"/>
+          </a:xfrm>
+          <a:prstGeom prst="rect">
+            <a:avLst/>
+          </a:prstGeom>
+          <a:noFill/>
+        </p:spPr>
+        <p:txBody>
+          <a:bodyPr wrap="square" numCol="2" rtlCol="0">
+            <a:normAutofit/>
+          </a:bodyPr>
+          <a:lstStyle/>
+          <a:p>
+            <a:r>
+              <a:rPr lang="en-US" sz="1200" b="1" dirty="0" err="1" smtClean="0"/>
+              <a:t>ms</a:t>
+            </a:r>
+            <a:r>
+              <a:rPr lang="en-US" sz="1200" b="1" dirty="0" smtClean="0"/>
+              <a:t> o </a:t>
+            </a:r>
+            <a:r>
+              <a:rPr lang="en-US" sz="1200" dirty="0" smtClean="0"/>
+              <a:t>-&gt; </a:t>
+            </a:r>
+            <a:r>
+              <a:rPr lang="en-US" sz="1200" dirty="0" err="1" smtClean="0"/>
+              <a:t>Ms</a:t>
+            </a:r>
+            <a:r>
+              <a:rPr lang="en-US" sz="1200" dirty="0" smtClean="0"/>
+              <a:t> Okay</a:t>
+            </a:r>
+          </a:p>
+          <a:p>
+            <a:r>
+              <a:rPr lang="en-US" sz="1200" b="1" dirty="0" err="1" smtClean="0"/>
+              <a:t>ms</a:t>
+            </a:r>
+            <a:r>
+              <a:rPr lang="en-US" sz="1200" b="1" dirty="0" smtClean="0"/>
+              <a:t> n  </a:t>
+            </a:r>
+            <a:r>
+              <a:rPr lang="en-US" sz="1200" dirty="0" smtClean="0"/>
+              <a:t>-&gt; </a:t>
+            </a:r>
+            <a:r>
+              <a:rPr lang="en-US" sz="1200" dirty="0" err="1" smtClean="0"/>
+              <a:t>Ms</a:t>
+            </a:r>
+            <a:r>
+              <a:rPr lang="en-US" sz="1200" dirty="0" smtClean="0"/>
+              <a:t> Not Okay</a:t>
+            </a:r>
+          </a:p>
+          <a:p>
+            <a:r>
+              <a:rPr lang="en-US" sz="1200" b="1" dirty="0" err="1" smtClean="0"/>
+              <a:t>assig</a:t>
+            </a:r>
+            <a:r>
+              <a:rPr lang="en-US" sz="1200" dirty="0" smtClean="0"/>
+              <a:t>  -&gt; Reassign</a:t>
+            </a:r>
+          </a:p>
+          <a:p>
+            <a:r>
+              <a:rPr lang="en-US" sz="1200" b="1" dirty="0" smtClean="0"/>
+              <a:t>base</a:t>
+            </a:r>
+            <a:r>
+              <a:rPr lang="en-US" sz="1200" dirty="0" smtClean="0"/>
+              <a:t> -&gt; Base-swap</a:t>
+            </a:r>
+          </a:p>
+          <a:p>
+            <a:r>
+              <a:rPr lang="en-US" sz="1200" b="1" dirty="0" smtClean="0"/>
+              <a:t>wrong m </a:t>
+            </a:r>
+            <a:r>
+              <a:rPr lang="en-US" sz="1200" dirty="0" smtClean="0"/>
+              <a:t>-&gt; Wrong Mass</a:t>
+            </a:r>
+          </a:p>
+          <a:p>
+            <a:r>
+              <a:rPr lang="en-US" sz="1200" b="1" dirty="0" smtClean="0"/>
+              <a:t>flush</a:t>
+            </a:r>
+            <a:r>
+              <a:rPr lang="en-US" sz="1200" dirty="0" smtClean="0"/>
+              <a:t> -&gt; Flushed</a:t>
+            </a:r>
+          </a:p>
+          <a:p>
+            <a:r>
+              <a:rPr lang="en-US" sz="1200" b="1" dirty="0" smtClean="0"/>
+              <a:t>3 </a:t>
+            </a:r>
+            <a:r>
+              <a:rPr lang="en-US" sz="1200" b="1" dirty="0" err="1" smtClean="0"/>
+              <a:t>stel</a:t>
+            </a:r>
+            <a:r>
+              <a:rPr lang="en-US" sz="1200" dirty="0" smtClean="0"/>
+              <a:t>-&gt; </a:t>
+            </a:r>
+            <a:r>
+              <a:rPr lang="en-US" sz="1200" dirty="0" err="1" smtClean="0"/>
+              <a:t>Stellaris</a:t>
+            </a:r>
+            <a:r>
+              <a:rPr lang="en-US" sz="1200" dirty="0" smtClean="0"/>
+              <a:t> Failure</a:t>
+            </a:r>
+          </a:p>
+          <a:p>
+            <a:r>
+              <a:rPr lang="en-US" sz="1200" b="1" dirty="0" smtClean="0"/>
+              <a:t>every sample</a:t>
+            </a:r>
+            <a:r>
+              <a:rPr lang="en-US" sz="1200" dirty="0" smtClean="0"/>
+              <a:t> -&gt; </a:t>
+            </a:r>
+            <a:r>
+              <a:rPr lang="en-US" sz="1200" dirty="0" err="1" smtClean="0"/>
+              <a:t>Stellaris</a:t>
+            </a:r>
+            <a:r>
+              <a:rPr lang="en-US" sz="1200" dirty="0" smtClean="0"/>
+              <a:t> Failure</a:t>
+            </a:r>
+          </a:p>
+          <a:p>
+            <a:r>
+              <a:rPr lang="en-US" sz="1200" b="1" dirty="0" smtClean="0"/>
+              <a:t>all samples failed </a:t>
+            </a:r>
+            <a:r>
+              <a:rPr lang="en-US" sz="1200" dirty="0" smtClean="0"/>
+              <a:t>-&gt; </a:t>
+            </a:r>
+            <a:r>
+              <a:rPr lang="en-US" sz="1200" dirty="0" err="1" smtClean="0"/>
+              <a:t>Stellaris</a:t>
+            </a:r>
+            <a:r>
+              <a:rPr lang="en-US" sz="1200" dirty="0" smtClean="0"/>
+              <a:t> Failure</a:t>
+            </a:r>
+          </a:p>
+          <a:p>
+            <a:r>
+              <a:rPr lang="en-US" sz="1200" b="1" dirty="0" err="1" smtClean="0"/>
+              <a:t>stellaris</a:t>
+            </a:r>
+            <a:r>
+              <a:rPr lang="en-US" sz="1200" b="1" dirty="0" smtClean="0"/>
+              <a:t> f </a:t>
+            </a:r>
+            <a:r>
+              <a:rPr lang="en-US" sz="1200" dirty="0" smtClean="0"/>
+              <a:t>-&gt; </a:t>
+            </a:r>
+            <a:r>
+              <a:rPr lang="en-US" sz="1200" dirty="0" err="1" smtClean="0"/>
+              <a:t>Stellaris</a:t>
+            </a:r>
+            <a:r>
+              <a:rPr lang="en-US" sz="1200" dirty="0" smtClean="0"/>
+              <a:t> Failure</a:t>
+            </a:r>
+          </a:p>
+          <a:p>
+            <a:r>
+              <a:rPr lang="en-US" sz="1200" b="1" dirty="0" smtClean="0"/>
+              <a:t>more then three </a:t>
+            </a:r>
+            <a:r>
+              <a:rPr lang="en-US" sz="1200" dirty="0"/>
+              <a:t> </a:t>
+            </a:r>
+            <a:r>
+              <a:rPr lang="en-US" sz="1200" dirty="0" smtClean="0"/>
+              <a:t>-&gt; </a:t>
+            </a:r>
+            <a:r>
+              <a:rPr lang="en-US" sz="1200" dirty="0" err="1" smtClean="0"/>
+              <a:t>Stellaris</a:t>
+            </a:r>
+            <a:r>
+              <a:rPr lang="en-US" sz="1200" dirty="0" smtClean="0"/>
+              <a:t> Failure</a:t>
+            </a:r>
+          </a:p>
+          <a:p>
+            <a:r>
+              <a:rPr lang="en-US" sz="1200" b="1" dirty="0" smtClean="0"/>
+              <a:t>more than 3 </a:t>
+            </a:r>
+            <a:r>
+              <a:rPr lang="en-US" sz="1200" dirty="0" smtClean="0"/>
+              <a:t>-&gt; </a:t>
+            </a:r>
+            <a:r>
+              <a:rPr lang="en-US" sz="1200" dirty="0" err="1" smtClean="0"/>
+              <a:t>Stellaris</a:t>
+            </a:r>
+            <a:r>
+              <a:rPr lang="en-US" sz="1200" dirty="0" smtClean="0"/>
+              <a:t> Failure</a:t>
+            </a:r>
+            <a:endParaRPr lang="en-US" sz="1200" b="1" dirty="0" smtClean="0"/>
+          </a:p>
+          <a:p>
+            <a:r>
+              <a:rPr lang="en-US" sz="1200" b="1" dirty="0" smtClean="0"/>
+              <a:t>extra </a:t>
+            </a:r>
+            <a:r>
+              <a:rPr lang="en-US" sz="1200" b="1" dirty="0" err="1" smtClean="0"/>
+              <a:t>tet</a:t>
+            </a:r>
+            <a:r>
+              <a:rPr lang="en-US" sz="1200" b="1" dirty="0" smtClean="0"/>
+              <a:t> </a:t>
+            </a:r>
+            <a:r>
+              <a:rPr lang="en-US" sz="1200" dirty="0" smtClean="0"/>
+              <a:t>-&gt; Extra TET</a:t>
+            </a:r>
+          </a:p>
+          <a:p>
+            <a:r>
+              <a:rPr lang="en-US" sz="1200" b="1" dirty="0" err="1" smtClean="0"/>
+              <a:t>tet</a:t>
+            </a:r>
+            <a:r>
+              <a:rPr lang="en-US" sz="1200" dirty="0" smtClean="0"/>
+              <a:t> -&gt; Poor Tet Coupling</a:t>
+            </a:r>
+          </a:p>
+          <a:p>
+            <a:r>
+              <a:rPr lang="en-US" sz="1200" b="1" dirty="0" smtClean="0"/>
+              <a:t>biotin</a:t>
+            </a:r>
+            <a:r>
+              <a:rPr lang="en-US" sz="1200" dirty="0" smtClean="0"/>
+              <a:t> -&gt; Poor Biotin Coupling</a:t>
+            </a:r>
+          </a:p>
+          <a:p>
+            <a:r>
+              <a:rPr lang="en-US" sz="1200" b="1" dirty="0" smtClean="0"/>
+              <a:t>extra </a:t>
+            </a:r>
+            <a:r>
+              <a:rPr lang="en-US" sz="1200" b="1" dirty="0" err="1" smtClean="0"/>
+              <a:t>fam</a:t>
+            </a:r>
+            <a:r>
+              <a:rPr lang="en-US" sz="1200" b="1" dirty="0" smtClean="0"/>
+              <a:t> </a:t>
+            </a:r>
+            <a:r>
+              <a:rPr lang="en-US" sz="1200" dirty="0" smtClean="0"/>
+              <a:t>-&gt; Extra FAM </a:t>
+            </a:r>
+          </a:p>
+          <a:p>
+            <a:r>
+              <a:rPr lang="en-US" sz="1200" b="1" dirty="0" err="1" smtClean="0"/>
+              <a:t>fam</a:t>
+            </a:r>
+            <a:r>
+              <a:rPr lang="en-US" sz="1200" b="1" dirty="0" smtClean="0"/>
+              <a:t> </a:t>
+            </a:r>
+            <a:r>
+              <a:rPr lang="en-US" sz="1200" dirty="0" smtClean="0"/>
+              <a:t>-&gt; Poor FAM coupling</a:t>
+            </a:r>
+          </a:p>
+          <a:p>
+            <a:r>
+              <a:rPr lang="en-US" sz="1200" b="1" dirty="0" err="1" smtClean="0"/>
+              <a:t>contamin</a:t>
+            </a:r>
+            <a:r>
+              <a:rPr lang="en-US" sz="1200" dirty="0" smtClean="0"/>
+              <a:t> -&gt; Contamination</a:t>
+            </a:r>
+          </a:p>
+          <a:p>
+            <a:r>
+              <a:rPr lang="en-US" sz="1200" b="1" dirty="0" smtClean="0"/>
+              <a:t>purity </a:t>
+            </a:r>
+            <a:r>
+              <a:rPr lang="en-US" sz="1200" dirty="0" smtClean="0"/>
+              <a:t>-&gt; Poor Purity</a:t>
+            </a:r>
+          </a:p>
+          <a:p>
+            <a:r>
+              <a:rPr lang="en-US" sz="1200" b="1" dirty="0" smtClean="0"/>
+              <a:t>n-</a:t>
+            </a:r>
+            <a:r>
+              <a:rPr lang="en-US" sz="1200" dirty="0" smtClean="0"/>
+              <a:t> -&gt; N- Failure</a:t>
+            </a:r>
+          </a:p>
+          <a:p>
+            <a:r>
+              <a:rPr lang="en-US" sz="1200" b="1" dirty="0" err="1" smtClean="0"/>
+              <a:t>syn</a:t>
+            </a:r>
+            <a:r>
+              <a:rPr lang="en-US" sz="1200" dirty="0" smtClean="0"/>
+              <a:t> -&gt; Synthesis failure</a:t>
+            </a:r>
+          </a:p>
+          <a:p>
+            <a:r>
+              <a:rPr lang="en-US" sz="1200" b="1" dirty="0" err="1" smtClean="0"/>
+              <a:t>colum</a:t>
+            </a:r>
+            <a:r>
+              <a:rPr lang="en-US" sz="1200" dirty="0" smtClean="0"/>
+              <a:t> -&gt; Column Issue</a:t>
+            </a:r>
+          </a:p>
+          <a:p>
+            <a:r>
+              <a:rPr lang="en-US" sz="1200" b="1" dirty="0" err="1" smtClean="0"/>
+              <a:t>flp</a:t>
+            </a:r>
+            <a:r>
+              <a:rPr lang="en-US" sz="1200" dirty="0" smtClean="0"/>
+              <a:t>-&gt; No FLP</a:t>
+            </a:r>
+            <a:br>
+              <a:rPr lang="en-US" sz="1200" dirty="0" smtClean="0"/>
+            </a:br>
+            <a:r>
+              <a:rPr lang="en-US" sz="1200" b="1" dirty="0" smtClean="0"/>
+              <a:t>no </a:t>
+            </a:r>
+            <a:r>
+              <a:rPr lang="en-US" sz="1200" b="1" dirty="0" err="1" smtClean="0"/>
+              <a:t>dn</a:t>
+            </a:r>
+            <a:r>
+              <a:rPr lang="en-US" sz="1200" b="1" dirty="0" smtClean="0"/>
+              <a:t> </a:t>
+            </a:r>
+            <a:r>
+              <a:rPr lang="en-US" sz="1200" dirty="0" smtClean="0"/>
+              <a:t>-&gt; No FLP</a:t>
+            </a:r>
+          </a:p>
+          <a:p>
+            <a:r>
+              <a:rPr lang="en-US" sz="1200" b="1" dirty="0" err="1" smtClean="0"/>
+              <a:t>dmt</a:t>
+            </a:r>
+            <a:r>
+              <a:rPr lang="en-US" sz="1200" dirty="0" smtClean="0"/>
+              <a:t> -&gt; DMT left on</a:t>
+            </a:r>
+          </a:p>
+          <a:p>
+            <a:r>
+              <a:rPr lang="en-US" sz="1200" b="1" dirty="0" err="1" smtClean="0"/>
+              <a:t>depur</a:t>
+            </a:r>
+            <a:r>
+              <a:rPr lang="en-US" sz="1200" dirty="0" smtClean="0"/>
+              <a:t> -&gt; </a:t>
+            </a:r>
+            <a:r>
+              <a:rPr lang="en-US" sz="1200" dirty="0" err="1" smtClean="0"/>
+              <a:t>Depurination</a:t>
+            </a:r>
+            <a:endParaRPr lang="en-US" sz="1200" dirty="0" smtClean="0"/>
+          </a:p>
+          <a:p>
+            <a:r>
+              <a:rPr lang="en-US" sz="1200" b="1" dirty="0" err="1" smtClean="0"/>
+              <a:t>mmt</a:t>
+            </a:r>
+            <a:r>
+              <a:rPr lang="en-US" sz="1200" dirty="0" smtClean="0"/>
+              <a:t> -&gt; MMT left on</a:t>
+            </a:r>
+          </a:p>
+          <a:p>
+            <a:r>
+              <a:rPr lang="en-US" sz="1200" b="1" dirty="0" err="1" smtClean="0"/>
+              <a:t>phosp</a:t>
+            </a:r>
+            <a:r>
+              <a:rPr lang="en-US" sz="1200" dirty="0" smtClean="0"/>
+              <a:t> -&gt; Poor Phosphate coupling</a:t>
+            </a:r>
+          </a:p>
+          <a:p>
+            <a:r>
+              <a:rPr lang="en-US" sz="1200" b="1" dirty="0" smtClean="0"/>
+              <a:t>poor j </a:t>
+            </a:r>
+            <a:r>
+              <a:rPr lang="en-US" sz="1200" dirty="0" smtClean="0"/>
+              <a:t>-&gt; Poor Joe coupling</a:t>
+            </a:r>
+          </a:p>
+          <a:p>
+            <a:r>
+              <a:rPr lang="en-US" sz="1200" b="1" dirty="0" err="1" smtClean="0"/>
+              <a:t>incom</a:t>
+            </a:r>
+            <a:r>
+              <a:rPr lang="en-US" sz="1200" dirty="0"/>
+              <a:t> </a:t>
+            </a:r>
+            <a:r>
+              <a:rPr lang="en-US" sz="1200" dirty="0" smtClean="0"/>
+              <a:t>-&gt; Incomplete </a:t>
+            </a:r>
+            <a:r>
+              <a:rPr lang="en-US" sz="1200" dirty="0" err="1" smtClean="0"/>
+              <a:t>Deprotection</a:t>
+            </a:r>
+            <a:endParaRPr lang="en-US" sz="1200" dirty="0" smtClean="0"/>
+          </a:p>
+          <a:p>
+            <a:r>
+              <a:rPr lang="en-US" sz="1200" b="1" dirty="0" err="1" smtClean="0"/>
+              <a:t>benz</a:t>
+            </a:r>
+            <a:r>
+              <a:rPr lang="en-US" sz="1200" b="1" dirty="0" smtClean="0"/>
+              <a:t> </a:t>
+            </a:r>
+            <a:r>
+              <a:rPr lang="en-US" sz="1200" dirty="0" smtClean="0"/>
+              <a:t>-&gt; Incomplete </a:t>
+            </a:r>
+            <a:r>
+              <a:rPr lang="en-US" sz="1200" dirty="0" err="1" smtClean="0"/>
+              <a:t>Deprotection</a:t>
+            </a:r>
+            <a:endParaRPr lang="en-US" sz="1200" dirty="0" smtClean="0"/>
+          </a:p>
+          <a:p>
+            <a:r>
+              <a:rPr lang="en-US" sz="1200" b="1" dirty="0" err="1" smtClean="0"/>
+              <a:t>cyano</a:t>
+            </a:r>
+            <a:r>
+              <a:rPr lang="en-US" sz="1200" b="1" dirty="0" smtClean="0"/>
+              <a:t> </a:t>
+            </a:r>
+            <a:r>
+              <a:rPr lang="en-US" sz="1200" dirty="0" smtClean="0"/>
+              <a:t>-&gt; Incomplete </a:t>
+            </a:r>
+            <a:r>
+              <a:rPr lang="en-US" sz="1200" dirty="0" err="1" smtClean="0"/>
+              <a:t>Deprotection</a:t>
+            </a:r>
+            <a:endParaRPr lang="en-US" sz="1200" dirty="0" smtClean="0"/>
+          </a:p>
+          <a:p>
+            <a:r>
+              <a:rPr lang="en-US" sz="1200" b="1" dirty="0" err="1" smtClean="0"/>
+              <a:t>deprot</a:t>
+            </a:r>
+            <a:r>
+              <a:rPr lang="en-US" sz="1200" b="1" dirty="0" smtClean="0"/>
+              <a:t> </a:t>
+            </a:r>
+            <a:r>
+              <a:rPr lang="en-US" sz="1200" dirty="0" smtClean="0"/>
+              <a:t>-&gt; Incomplete </a:t>
+            </a:r>
+            <a:r>
+              <a:rPr lang="en-US" sz="1200" dirty="0" err="1" smtClean="0"/>
+              <a:t>Deprotection</a:t>
+            </a:r>
+            <a:endParaRPr lang="en-US" sz="1200" b="1" dirty="0" smtClean="0"/>
+          </a:p>
+          <a:p>
+            <a:r>
+              <a:rPr lang="en-US" sz="1200" b="1" dirty="0" smtClean="0"/>
+              <a:t>dye</a:t>
+            </a:r>
+            <a:r>
+              <a:rPr lang="en-US" sz="1200" dirty="0" smtClean="0"/>
+              <a:t> -&gt; Dye failure</a:t>
+            </a:r>
+          </a:p>
+          <a:p>
+            <a:r>
+              <a:rPr lang="en-US" sz="1200" b="1" dirty="0" smtClean="0"/>
+              <a:t>scram</a:t>
+            </a:r>
+            <a:r>
+              <a:rPr lang="en-US" sz="1200" dirty="0" smtClean="0"/>
+              <a:t> -&gt; Plate Scrambled</a:t>
+            </a:r>
+          </a:p>
+          <a:p>
+            <a:r>
+              <a:rPr lang="en-US" sz="1200" b="1" dirty="0" smtClean="0"/>
+              <a:t>yield -</a:t>
+            </a:r>
+            <a:r>
+              <a:rPr lang="en-US" sz="1200" dirty="0" smtClean="0"/>
+              <a:t>&gt; Low Yield</a:t>
+            </a:r>
+          </a:p>
+          <a:p>
+            <a:r>
+              <a:rPr lang="en-US" sz="1200" b="1" dirty="0" err="1" smtClean="0"/>
+              <a:t>yeild</a:t>
+            </a:r>
+            <a:r>
+              <a:rPr lang="en-US" sz="1200" b="1" dirty="0" smtClean="0"/>
+              <a:t>  </a:t>
+            </a:r>
+            <a:r>
+              <a:rPr lang="en-US" sz="1200" dirty="0" smtClean="0"/>
+              <a:t>-&gt; Low Yield</a:t>
+            </a:r>
+          </a:p>
+          <a:p>
+            <a:r>
+              <a:rPr lang="en-US" sz="1200" b="1" dirty="0" smtClean="0"/>
+              <a:t>no </a:t>
+            </a:r>
+            <a:r>
+              <a:rPr lang="en-US" sz="1200" b="1" dirty="0" err="1" smtClean="0"/>
+              <a:t>dn</a:t>
+            </a:r>
+            <a:r>
+              <a:rPr lang="en-US" sz="1200" b="1" dirty="0" smtClean="0"/>
+              <a:t> </a:t>
+            </a:r>
+            <a:r>
+              <a:rPr lang="en-US" sz="1200" dirty="0" smtClean="0"/>
+              <a:t>-&gt; Low Yield</a:t>
+            </a:r>
+            <a:endParaRPr lang="en-US" sz="1200" b="1" dirty="0" smtClean="0"/>
+          </a:p>
+          <a:p>
+            <a:r>
+              <a:rPr lang="en-US" sz="1200" dirty="0" smtClean="0"/>
+              <a:t>-</a:t>
+            </a:r>
+            <a:r>
+              <a:rPr lang="en-US" sz="1200" b="1" dirty="0" smtClean="0"/>
+              <a:t>x or + x (x is 1:9) </a:t>
+            </a:r>
+            <a:r>
+              <a:rPr lang="en-US" sz="1200" dirty="0" smtClean="0"/>
+              <a:t>-&gt; Impurity Present</a:t>
+            </a:r>
+          </a:p>
+          <a:p>
+            <a:endParaRPr lang="en-US" dirty="0"/>
+          </a:p>
+        </p:txBody>
+      </p:sp>
+      <p:sp>
+        <p:nvSpPr>
+          <p:cNvPr id="2" name="TextBox 1"/>
+          <p:cNvSpPr txBox="1"/>
+          <p:nvPr/>
+        </p:nvSpPr>
+        <p:spPr>
+          <a:xfrm>
+            <a:off x="5029200" y="224118"/>
+            <a:ext cx="4267200" cy="369332"/>
+          </a:xfrm>
+          <a:prstGeom prst="rect">
+            <a:avLst/>
+          </a:prstGeom>
+          <a:noFill/>
+        </p:spPr>
+        <p:txBody>
+          <a:bodyPr wrap="square" rtlCol="0">
+            <a:spAutoFit/>
+          </a:bodyPr>
+          <a:lstStyle/>
+          <a:p>
+            <a:r>
               <a:rPr lang="en-US" dirty="0" smtClean="0"/>
-              <a:t>Script will now ask:</a:t>
-            </a:r>
-          </a:p>
-          <a:p>
-            <a:r>
-              <a:rPr lang="en-US" dirty="0" smtClean="0"/>
-              <a:t>What is the data file called? Don't forget the extension... </a:t>
-            </a:r>
-          </a:p>
-          <a:p>
-            <a:r>
-              <a:rPr lang="en-US" dirty="0"/>
-              <a:t> </a:t>
-            </a:r>
-            <a:r>
-              <a:rPr lang="en-US" i="1" dirty="0" smtClean="0"/>
-              <a:t>type in the name (and if necessary) the location of the .tab file. Hit Enter</a:t>
-            </a:r>
-          </a:p>
-          <a:p>
-            <a:endParaRPr lang="en-US" i="1" dirty="0"/>
-          </a:p>
-          <a:p>
-            <a:r>
-              <a:rPr lang="en-US" dirty="0" smtClean="0"/>
-              <a:t>"What is the output file called?...  “</a:t>
-            </a:r>
-          </a:p>
-          <a:p>
-            <a:r>
-              <a:rPr lang="en-US" i="1" dirty="0" smtClean="0"/>
-              <a:t>Type in the name you wish the data file to be saved as. No extension necessary</a:t>
-            </a:r>
-            <a:endParaRPr lang="en-US" i="1" dirty="0"/>
+              <a:t>Failure Aggregation</a:t>
+            </a:r>
+            <a:endParaRPr lang="en-US" dirty="0"/>
           </a:p>
         </p:txBody>
       </p:sp>
     </p:spTree>
     <p:extLst>
       <p:ext uri="{BB962C8B-B14F-4D97-AF65-F5344CB8AC3E}">
-        <p14:creationId xmlns:p14="http://schemas.microsoft.com/office/powerpoint/2010/main" val="3433665079"/>
+        <p14:creationId xmlns:p14="http://schemas.microsoft.com/office/powerpoint/2010/main" val="1515298626"/>
       </p:ext>
     </p:extLst>
   </p:cSld>
   <p:clrMapOvr>
     <a:masterClrMapping/>
   </p:clrMapOvr>
-  <mc:AlternateContent xmlns:mc="http://schemas.openxmlformats.org/markup-compatibility/2006">
-    <mc:Choice xmlns:p14="http://schemas.microsoft.com/office/powerpoint/2010/main" Requires="p14">
-      <p:transition p14:dur="0"/>
-    </mc:Choice>
-    <mc:Fallback>
-      <p:transition/>
-    </mc:Fallback>
-  </mc:AlternateContent>
-  <p:timing>
-    <p:tnLst>
-      <p:par>
-        <p:cTn id="1" dur="indefinite" restart="never" nodeType="tmRoot"/>
-      </p:par>
-    </p:tnLst>
-  </p:timing>
 </p:sld>
 </file>
 
@@ -6323,266 +9131,278 @@
       </p:grpSpPr>
       <p:sp>
         <p:nvSpPr>
-          <p:cNvPr id="6" name="Text Placeholder 5"/>
-          <p:cNvSpPr>
-            <a:spLocks noGrp="1"/>
-          </p:cNvSpPr>
-          <p:nvPr>
-            <p:ph type="body" sz="half" idx="2"/>
-          </p:nvPr>
+          <p:cNvPr id="5" name="Rectangle 4"/>
+          <p:cNvSpPr/>
+          <p:nvPr/>
         </p:nvSpPr>
         <p:spPr>
           <a:xfrm>
-            <a:off x="6934200" y="685800"/>
-            <a:ext cx="1941945" cy="5761182"/>
-          </a:xfrm>
+            <a:off x="762000" y="685800"/>
+            <a:ext cx="1371600" cy="762000"/>
+          </a:xfrm>
+          <a:prstGeom prst="rect">
+            <a:avLst/>
+          </a:prstGeom>
         </p:spPr>
-        <p:txBody>
-          <a:bodyPr>
-            <a:normAutofit/>
-          </a:bodyPr>
+        <p:style>
+          <a:lnRef idx="2">
+            <a:schemeClr val="accent1">
+              <a:shade val="50000"/>
+            </a:schemeClr>
+          </a:lnRef>
+          <a:fillRef idx="1">
+            <a:schemeClr val="accent1"/>
+          </a:fillRef>
+          <a:effectRef idx="0">
+            <a:schemeClr val="accent1"/>
+          </a:effectRef>
+          <a:fontRef idx="minor">
+            <a:schemeClr val="lt1"/>
+          </a:fontRef>
+        </p:style>
+        <p:txBody>
+          <a:bodyPr rtlCol="0" anchor="ctr"/>
           <a:lstStyle/>
           <a:p>
-            <a:pPr>
-              <a:buClrTx/>
-            </a:pPr>
-            <a:endParaRPr lang="en-US" dirty="0" smtClean="0"/>
-          </a:p>
-          <a:p>
-            <a:pPr marL="342900" indent="-342900">
-              <a:buClrTx/>
-              <a:buFont typeface="+mj-lt"/>
-              <a:buAutoNum type="arabicPeriod"/>
-            </a:pPr>
-            <a:r>
-              <a:rPr lang="en-US" sz="1100" dirty="0" err="1" smtClean="0"/>
-              <a:t>Filemaker</a:t>
-            </a:r>
-            <a:r>
-              <a:rPr lang="en-US" sz="1100" dirty="0" smtClean="0"/>
-              <a:t> Search</a:t>
-            </a:r>
-          </a:p>
-          <a:p>
-            <a:pPr marL="800100" lvl="1" indent="-342900">
-              <a:buClrTx/>
-              <a:buFont typeface="Arial" panose="020B0604020202020204" pitchFamily="34" charset="0"/>
-              <a:buChar char="•"/>
-            </a:pPr>
-            <a:r>
-              <a:rPr lang="en-US" sz="1100" dirty="0" smtClean="0"/>
-              <a:t>Time frame</a:t>
-            </a:r>
-          </a:p>
-          <a:p>
-            <a:pPr marL="800100" lvl="1" indent="-342900">
-              <a:buClrTx/>
-              <a:buFont typeface="Arial" panose="020B0604020202020204" pitchFamily="34" charset="0"/>
-              <a:buChar char="•"/>
-            </a:pPr>
-            <a:r>
-              <a:rPr lang="en-US" sz="1100" dirty="0" smtClean="0"/>
-              <a:t>Other Boxes</a:t>
-            </a:r>
-          </a:p>
-          <a:p>
-            <a:pPr marL="342900" indent="-342900">
-              <a:buClrTx/>
-              <a:buFont typeface="+mj-lt"/>
-              <a:buAutoNum type="arabicPeriod"/>
-            </a:pPr>
-            <a:r>
-              <a:rPr lang="en-US" sz="1100" dirty="0" smtClean="0"/>
-              <a:t>Export</a:t>
-            </a:r>
-          </a:p>
-          <a:p>
-            <a:pPr marL="800100" lvl="1" indent="-342900">
-              <a:buClrTx/>
-              <a:buFont typeface="Arial" panose="020B0604020202020204" pitchFamily="34" charset="0"/>
-              <a:buChar char="•"/>
-            </a:pPr>
-            <a:r>
-              <a:rPr lang="en-US" sz="1100" dirty="0" smtClean="0"/>
-              <a:t>Save location</a:t>
-            </a:r>
-          </a:p>
-          <a:p>
-            <a:pPr marL="800100" lvl="1" indent="-342900">
-              <a:buClrTx/>
-              <a:buFont typeface="Arial" panose="020B0604020202020204" pitchFamily="34" charset="0"/>
-              <a:buChar char="•"/>
-            </a:pPr>
-            <a:r>
-              <a:rPr lang="en-US" sz="1100" dirty="0" err="1" smtClean="0"/>
-              <a:t>Catagories</a:t>
-            </a:r>
-            <a:endParaRPr lang="en-US" sz="1100" dirty="0" smtClean="0"/>
-          </a:p>
-          <a:p>
-            <a:pPr marL="800100" lvl="1" indent="-342900">
-              <a:buClrTx/>
-              <a:buFont typeface="Arial" panose="020B0604020202020204" pitchFamily="34" charset="0"/>
-              <a:buChar char="•"/>
-            </a:pPr>
-            <a:r>
-              <a:rPr lang="en-US" sz="1100" dirty="0" smtClean="0"/>
-              <a:t>Time</a:t>
-            </a:r>
-          </a:p>
-          <a:p>
-            <a:pPr marL="342900" indent="-342900">
-              <a:buClrTx/>
-              <a:buFont typeface="+mj-lt"/>
-              <a:buAutoNum type="arabicPeriod"/>
-            </a:pPr>
-            <a:r>
-              <a:rPr lang="en-US" sz="1100" dirty="0" smtClean="0"/>
-              <a:t>.Tab File</a:t>
-            </a:r>
-          </a:p>
-          <a:p>
-            <a:pPr marL="800100" lvl="1" indent="-342900">
-              <a:buClrTx/>
-              <a:buFont typeface="Arial" panose="020B0604020202020204" pitchFamily="34" charset="0"/>
-              <a:buChar char="•"/>
-            </a:pPr>
-            <a:r>
-              <a:rPr lang="en-US" sz="1100" dirty="0" smtClean="0"/>
-              <a:t>Size</a:t>
-            </a:r>
-          </a:p>
-          <a:p>
-            <a:pPr marL="800100" lvl="1" indent="-342900">
-              <a:buClrTx/>
-              <a:buFont typeface="Arial" panose="020B0604020202020204" pitchFamily="34" charset="0"/>
-              <a:buChar char="•"/>
-            </a:pPr>
-            <a:r>
-              <a:rPr lang="en-US" sz="1100" dirty="0" smtClean="0"/>
-              <a:t>Contents</a:t>
-            </a:r>
-          </a:p>
-          <a:p>
-            <a:pPr marL="342900" indent="-342900">
-              <a:buClrTx/>
-              <a:buFont typeface="+mj-lt"/>
-              <a:buAutoNum type="arabicPeriod"/>
-            </a:pPr>
-            <a:r>
-              <a:rPr lang="en-US" sz="1100" dirty="0" smtClean="0"/>
-              <a:t>Run Script</a:t>
-            </a:r>
-          </a:p>
-          <a:p>
-            <a:pPr marL="800100" lvl="1" indent="-342900">
-              <a:buClrTx/>
-              <a:buFont typeface="Arial" panose="020B0604020202020204" pitchFamily="34" charset="0"/>
-              <a:buChar char="•"/>
-            </a:pPr>
-            <a:r>
-              <a:rPr lang="en-US" sz="1100" dirty="0" smtClean="0"/>
-              <a:t>How to Run</a:t>
-            </a:r>
-          </a:p>
-          <a:p>
-            <a:pPr marL="800100" lvl="1" indent="-342900">
-              <a:buClrTx/>
-              <a:buFont typeface="Arial" panose="020B0604020202020204" pitchFamily="34" charset="0"/>
-              <a:buChar char="•"/>
-            </a:pPr>
-            <a:r>
-              <a:rPr lang="en-US" sz="1100" dirty="0" smtClean="0"/>
-              <a:t>Script Logic</a:t>
-            </a:r>
-          </a:p>
-          <a:p>
-            <a:pPr marL="800100" lvl="1" indent="-342900">
-              <a:buClrTx/>
-              <a:buFont typeface="Arial" panose="020B0604020202020204" pitchFamily="34" charset="0"/>
-              <a:buChar char="•"/>
-            </a:pPr>
-            <a:r>
-              <a:rPr lang="en-US" sz="1100" dirty="0" smtClean="0"/>
-              <a:t>Time</a:t>
-            </a:r>
-          </a:p>
-          <a:p>
-            <a:pPr marL="342900" indent="-342900">
-              <a:buClrTx/>
-              <a:buFont typeface="+mj-lt"/>
-              <a:buAutoNum type="arabicPeriod"/>
-            </a:pPr>
-            <a:r>
-              <a:rPr lang="en-US" sz="1100" dirty="0" smtClean="0"/>
-              <a:t>Excel File</a:t>
-            </a:r>
-          </a:p>
-          <a:p>
-            <a:pPr marL="800100" lvl="1" indent="-342900">
-              <a:buClrTx/>
-              <a:buFont typeface="Arial" panose="020B0604020202020204" pitchFamily="34" charset="0"/>
-              <a:buChar char="•"/>
-            </a:pPr>
-            <a:r>
-              <a:rPr lang="en-US" sz="1100" dirty="0" smtClean="0"/>
-              <a:t>Different sheets</a:t>
-            </a:r>
-          </a:p>
-          <a:p>
-            <a:pPr marL="800100" lvl="1" indent="-342900">
-              <a:buClrTx/>
-              <a:buFont typeface="Arial" panose="020B0604020202020204" pitchFamily="34" charset="0"/>
-              <a:buChar char="•"/>
-            </a:pPr>
-            <a:r>
-              <a:rPr lang="en-US" sz="1100" dirty="0" smtClean="0"/>
-              <a:t>Size</a:t>
-            </a:r>
-          </a:p>
-        </p:txBody>
-      </p:sp>
-      <p:sp>
-        <p:nvSpPr>
-          <p:cNvPr id="4" name="Title 3"/>
-          <p:cNvSpPr>
-            <a:spLocks noGrp="1"/>
-          </p:cNvSpPr>
-          <p:nvPr>
-            <p:ph type="title"/>
-          </p:nvPr>
+            <a:pPr algn="ctr"/>
+            <a:r>
+              <a:rPr lang="en-US" dirty="0" smtClean="0"/>
+              <a:t>Raw Data</a:t>
+            </a:r>
+          </a:p>
+          <a:p>
+            <a:pPr algn="ctr"/>
+            <a:r>
+              <a:rPr lang="en-US" sz="1000" dirty="0" smtClean="0"/>
+              <a:t># of </a:t>
+            </a:r>
+            <a:r>
+              <a:rPr lang="en-US" sz="1000" dirty="0" err="1" smtClean="0"/>
+              <a:t>Seq</a:t>
+            </a:r>
+            <a:r>
+              <a:rPr lang="en-US" sz="1000" dirty="0" smtClean="0"/>
+              <a:t>: 345780 </a:t>
+            </a:r>
+            <a:endParaRPr lang="en-US" sz="1000" dirty="0"/>
+          </a:p>
+        </p:txBody>
+      </p:sp>
+      <p:cxnSp>
+        <p:nvCxnSpPr>
+          <p:cNvPr id="7" name="Straight Arrow Connector 6"/>
+          <p:cNvCxnSpPr/>
+          <p:nvPr/>
+        </p:nvCxnSpPr>
+        <p:spPr>
+          <a:xfrm flipH="1">
+            <a:off x="1447800" y="1451499"/>
+            <a:ext cx="26264" cy="2053701"/>
+          </a:xfrm>
+          <a:prstGeom prst="straightConnector1">
+            <a:avLst/>
+          </a:prstGeom>
+          <a:ln>
+            <a:tailEnd type="arrow"/>
+          </a:ln>
+        </p:spPr>
+        <p:style>
+          <a:lnRef idx="1">
+            <a:schemeClr val="accent1"/>
+          </a:lnRef>
+          <a:fillRef idx="0">
+            <a:schemeClr val="accent1"/>
+          </a:fillRef>
+          <a:effectRef idx="0">
+            <a:schemeClr val="accent1"/>
+          </a:effectRef>
+          <a:fontRef idx="minor">
+            <a:schemeClr val="tx1"/>
+          </a:fontRef>
+        </p:style>
+      </p:cxnSp>
+      <p:cxnSp>
+        <p:nvCxnSpPr>
+          <p:cNvPr id="9" name="Straight Arrow Connector 8"/>
+          <p:cNvCxnSpPr>
+            <a:endCxn id="11" idx="2"/>
+          </p:cNvCxnSpPr>
+          <p:nvPr/>
+        </p:nvCxnSpPr>
+        <p:spPr>
+          <a:xfrm flipV="1">
+            <a:off x="1474063" y="1875777"/>
+            <a:ext cx="1243983" cy="15168"/>
+          </a:xfrm>
+          <a:prstGeom prst="straightConnector1">
+            <a:avLst/>
+          </a:prstGeom>
+          <a:ln>
+            <a:tailEnd type="arrow"/>
+          </a:ln>
+        </p:spPr>
+        <p:style>
+          <a:lnRef idx="1">
+            <a:schemeClr val="accent1"/>
+          </a:lnRef>
+          <a:fillRef idx="0">
+            <a:schemeClr val="accent1"/>
+          </a:fillRef>
+          <a:effectRef idx="0">
+            <a:schemeClr val="accent1"/>
+          </a:effectRef>
+          <a:fontRef idx="minor">
+            <a:schemeClr val="tx1"/>
+          </a:fontRef>
+        </p:style>
+      </p:cxnSp>
+      <p:sp>
+        <p:nvSpPr>
+          <p:cNvPr id="11" name="Oval 10"/>
+          <p:cNvSpPr/>
+          <p:nvPr/>
         </p:nvSpPr>
         <p:spPr>
           <a:xfrm>
-            <a:off x="304800" y="228601"/>
-            <a:ext cx="6400800" cy="1066800"/>
-          </a:xfrm>
+            <a:off x="2718046" y="1451498"/>
+            <a:ext cx="1066800" cy="848557"/>
+          </a:xfrm>
+          <a:prstGeom prst="ellipse">
+            <a:avLst/>
+          </a:prstGeom>
         </p:spPr>
-        <p:txBody>
-          <a:bodyPr anchor="ctr">
-            <a:normAutofit/>
-          </a:bodyPr>
+        <p:style>
+          <a:lnRef idx="2">
+            <a:schemeClr val="accent1">
+              <a:shade val="50000"/>
+            </a:schemeClr>
+          </a:lnRef>
+          <a:fillRef idx="1">
+            <a:schemeClr val="accent1"/>
+          </a:fillRef>
+          <a:effectRef idx="0">
+            <a:schemeClr val="accent1"/>
+          </a:effectRef>
+          <a:fontRef idx="minor">
+            <a:schemeClr val="lt1"/>
+          </a:fontRef>
+        </p:style>
+        <p:txBody>
+          <a:bodyPr rtlCol="0" anchor="ctr"/>
           <a:lstStyle/>
           <a:p>
             <a:pPr algn="ctr"/>
             <a:r>
-              <a:rPr lang="en-US" sz="3600" dirty="0" smtClean="0"/>
-              <a:t>Run Script</a:t>
-            </a:r>
-            <a:endParaRPr lang="en-US" sz="3600" dirty="0"/>
-          </a:p>
-        </p:txBody>
-      </p:sp>
-      <p:sp>
-        <p:nvSpPr>
-          <p:cNvPr id="2" name="TextBox 1"/>
+              <a:rPr lang="en-US" sz="1400" dirty="0" smtClean="0"/>
+              <a:t>Blank “notes”</a:t>
+            </a:r>
+          </a:p>
+          <a:p>
+            <a:pPr algn="ctr"/>
+            <a:r>
+              <a:rPr lang="en-US" sz="1000" dirty="0" smtClean="0"/>
+              <a:t>293137</a:t>
+            </a:r>
+            <a:endParaRPr lang="en-US" sz="1000" dirty="0"/>
+          </a:p>
+        </p:txBody>
+      </p:sp>
+      <p:sp>
+        <p:nvSpPr>
+          <p:cNvPr id="19" name="Oval 18"/>
+          <p:cNvSpPr/>
+          <p:nvPr/>
+        </p:nvSpPr>
+        <p:spPr>
+          <a:xfrm>
+            <a:off x="2718046" y="2449059"/>
+            <a:ext cx="990600" cy="852256"/>
+          </a:xfrm>
+          <a:prstGeom prst="ellipse">
+            <a:avLst/>
+          </a:prstGeom>
+        </p:spPr>
+        <p:style>
+          <a:lnRef idx="2">
+            <a:schemeClr val="accent1">
+              <a:shade val="50000"/>
+            </a:schemeClr>
+          </a:lnRef>
+          <a:fillRef idx="1">
+            <a:schemeClr val="accent1"/>
+          </a:fillRef>
+          <a:effectRef idx="0">
+            <a:schemeClr val="accent1"/>
+          </a:effectRef>
+          <a:fontRef idx="minor">
+            <a:schemeClr val="lt1"/>
+          </a:fontRef>
+        </p:style>
+        <p:txBody>
+          <a:bodyPr rtlCol="0" anchor="ctr"/>
+          <a:lstStyle/>
+          <a:p>
+            <a:pPr algn="ctr"/>
+            <a:r>
+              <a:rPr lang="en-US" sz="1100" dirty="0" smtClean="0"/>
+              <a:t>Non-Failure Notes</a:t>
+            </a:r>
+          </a:p>
+          <a:p>
+            <a:pPr algn="ctr"/>
+            <a:r>
+              <a:rPr lang="en-US" sz="1000" dirty="0" smtClean="0"/>
+              <a:t>6440</a:t>
+            </a:r>
+            <a:endParaRPr lang="en-US" sz="1000" dirty="0"/>
+          </a:p>
+        </p:txBody>
+      </p:sp>
+      <p:cxnSp>
+        <p:nvCxnSpPr>
+          <p:cNvPr id="21" name="Straight Arrow Connector 20"/>
+          <p:cNvCxnSpPr>
+            <a:endCxn id="19" idx="2"/>
+          </p:cNvCxnSpPr>
+          <p:nvPr/>
+        </p:nvCxnSpPr>
+        <p:spPr>
+          <a:xfrm>
+            <a:off x="1460932" y="2875187"/>
+            <a:ext cx="1257114" cy="0"/>
+          </a:xfrm>
+          <a:prstGeom prst="straightConnector1">
+            <a:avLst/>
+          </a:prstGeom>
+          <a:ln>
+            <a:tailEnd type="arrow"/>
+          </a:ln>
+        </p:spPr>
+        <p:style>
+          <a:lnRef idx="1">
+            <a:schemeClr val="accent1"/>
+          </a:lnRef>
+          <a:fillRef idx="0">
+            <a:schemeClr val="accent1"/>
+          </a:fillRef>
+          <a:effectRef idx="0">
+            <a:schemeClr val="accent1"/>
+          </a:effectRef>
+          <a:fontRef idx="minor">
+            <a:schemeClr val="tx1"/>
+          </a:fontRef>
+        </p:style>
+      </p:cxnSp>
+      <p:sp>
+        <p:nvSpPr>
+          <p:cNvPr id="24" name="TextBox 23"/>
           <p:cNvSpPr txBox="1"/>
           <p:nvPr/>
         </p:nvSpPr>
         <p:spPr>
           <a:xfrm>
-            <a:off x="233548" y="843224"/>
-            <a:ext cx="6400800" cy="461665"/>
+            <a:off x="876300" y="2325949"/>
+            <a:ext cx="1257300" cy="246221"/>
           </a:xfrm>
           <a:prstGeom prst="rect">
             <a:avLst/>
@@ -6596,25 +9416,310 @@
           <a:lstStyle/>
           <a:p>
             <a:r>
-              <a:rPr lang="en-US" sz="2400" dirty="0" smtClean="0"/>
-              <a:t>Script Logic</a:t>
-            </a:r>
-            <a:endParaRPr lang="en-US" sz="2400" dirty="0"/>
-          </a:p>
-        </p:txBody>
-      </p:sp>
-      <p:sp>
-        <p:nvSpPr>
-          <p:cNvPr id="3" name="TextBox 2"/>
-          <p:cNvSpPr txBox="1">
-            <a:spLocks/>
-          </p:cNvSpPr>
+              <a:rPr lang="en-US" sz="1000" dirty="0" smtClean="0"/>
+              <a:t># of </a:t>
+            </a:r>
+            <a:r>
+              <a:rPr lang="en-US" sz="1000" dirty="0" err="1" smtClean="0"/>
+              <a:t>Seq</a:t>
+            </a:r>
+            <a:r>
+              <a:rPr lang="en-US" sz="1000" dirty="0" smtClean="0"/>
+              <a:t>: 52643</a:t>
+            </a:r>
+            <a:endParaRPr lang="en-US" sz="1000" dirty="0"/>
+          </a:p>
+        </p:txBody>
+      </p:sp>
+      <p:sp>
+        <p:nvSpPr>
+          <p:cNvPr id="27" name="Rectangle 26"/>
+          <p:cNvSpPr/>
           <p:nvPr/>
         </p:nvSpPr>
         <p:spPr>
           <a:xfrm>
-            <a:off x="549893" y="1309354"/>
-            <a:ext cx="6084455" cy="5401479"/>
+            <a:off x="708178" y="3505200"/>
+            <a:ext cx="1479243" cy="955090"/>
+          </a:xfrm>
+          <a:prstGeom prst="rect">
+            <a:avLst/>
+          </a:prstGeom>
+        </p:spPr>
+        <p:style>
+          <a:lnRef idx="2">
+            <a:schemeClr val="accent1">
+              <a:shade val="50000"/>
+            </a:schemeClr>
+          </a:lnRef>
+          <a:fillRef idx="1">
+            <a:schemeClr val="accent1"/>
+          </a:fillRef>
+          <a:effectRef idx="0">
+            <a:schemeClr val="accent1"/>
+          </a:effectRef>
+          <a:fontRef idx="minor">
+            <a:schemeClr val="lt1"/>
+          </a:fontRef>
+        </p:style>
+        <p:txBody>
+          <a:bodyPr rtlCol="0" anchor="ctr"/>
+          <a:lstStyle/>
+          <a:p>
+            <a:pPr algn="ctr"/>
+            <a:r>
+              <a:rPr lang="en-US" dirty="0" smtClean="0"/>
+              <a:t>Important Notes Data</a:t>
+            </a:r>
+          </a:p>
+          <a:p>
+            <a:pPr algn="ctr"/>
+            <a:r>
+              <a:rPr lang="en-US" sz="1000" dirty="0" smtClean="0"/>
+              <a:t># of </a:t>
+            </a:r>
+            <a:r>
+              <a:rPr lang="en-US" sz="1000" dirty="0" err="1" smtClean="0"/>
+              <a:t>seq</a:t>
+            </a:r>
+            <a:r>
+              <a:rPr lang="en-US" sz="1000" dirty="0" smtClean="0"/>
+              <a:t>: 46203</a:t>
+            </a:r>
+            <a:endParaRPr lang="en-US" sz="1000" dirty="0"/>
+          </a:p>
+        </p:txBody>
+      </p:sp>
+      <p:sp>
+        <p:nvSpPr>
+          <p:cNvPr id="37" name="Oval 36"/>
+          <p:cNvSpPr/>
+          <p:nvPr/>
+        </p:nvSpPr>
+        <p:spPr>
+          <a:xfrm>
+            <a:off x="2718046" y="4656381"/>
+            <a:ext cx="1066800" cy="852256"/>
+          </a:xfrm>
+          <a:prstGeom prst="ellipse">
+            <a:avLst/>
+          </a:prstGeom>
+        </p:spPr>
+        <p:style>
+          <a:lnRef idx="2">
+            <a:schemeClr val="accent1">
+              <a:shade val="50000"/>
+            </a:schemeClr>
+          </a:lnRef>
+          <a:fillRef idx="1">
+            <a:schemeClr val="accent1"/>
+          </a:fillRef>
+          <a:effectRef idx="0">
+            <a:schemeClr val="accent1"/>
+          </a:effectRef>
+          <a:fontRef idx="minor">
+            <a:schemeClr val="lt1"/>
+          </a:fontRef>
+        </p:style>
+        <p:txBody>
+          <a:bodyPr rtlCol="0" anchor="ctr"/>
+          <a:lstStyle/>
+          <a:p>
+            <a:pPr algn="ctr"/>
+            <a:r>
+              <a:rPr lang="en-US" sz="1100" dirty="0" smtClean="0"/>
+              <a:t>Reassign</a:t>
+            </a:r>
+          </a:p>
+          <a:p>
+            <a:pPr algn="ctr"/>
+            <a:r>
+              <a:rPr lang="en-US" sz="1000" dirty="0" smtClean="0"/>
+              <a:t>3273</a:t>
+            </a:r>
+            <a:endParaRPr lang="en-US" sz="1000" dirty="0"/>
+          </a:p>
+        </p:txBody>
+      </p:sp>
+      <p:cxnSp>
+        <p:nvCxnSpPr>
+          <p:cNvPr id="41" name="Straight Arrow Connector 40"/>
+          <p:cNvCxnSpPr>
+            <a:endCxn id="37" idx="6"/>
+          </p:cNvCxnSpPr>
+          <p:nvPr/>
+        </p:nvCxnSpPr>
+        <p:spPr>
+          <a:xfrm flipH="1">
+            <a:off x="3784846" y="5082509"/>
+            <a:ext cx="1168155" cy="0"/>
+          </a:xfrm>
+          <a:prstGeom prst="straightConnector1">
+            <a:avLst/>
+          </a:prstGeom>
+          <a:ln>
+            <a:tailEnd type="arrow"/>
+          </a:ln>
+        </p:spPr>
+        <p:style>
+          <a:lnRef idx="1">
+            <a:schemeClr val="accent1"/>
+          </a:lnRef>
+          <a:fillRef idx="0">
+            <a:schemeClr val="accent1"/>
+          </a:fillRef>
+          <a:effectRef idx="0">
+            <a:schemeClr val="accent1"/>
+          </a:effectRef>
+          <a:fontRef idx="minor">
+            <a:schemeClr val="tx1"/>
+          </a:fontRef>
+        </p:style>
+      </p:cxnSp>
+      <p:cxnSp>
+        <p:nvCxnSpPr>
+          <p:cNvPr id="51" name="Straight Arrow Connector 50"/>
+          <p:cNvCxnSpPr/>
+          <p:nvPr/>
+        </p:nvCxnSpPr>
+        <p:spPr>
+          <a:xfrm flipV="1">
+            <a:off x="4953000" y="3810000"/>
+            <a:ext cx="0" cy="1757780"/>
+          </a:xfrm>
+          <a:prstGeom prst="straightConnector1">
+            <a:avLst/>
+          </a:prstGeom>
+          <a:ln>
+            <a:tailEnd type="arrow"/>
+          </a:ln>
+        </p:spPr>
+        <p:style>
+          <a:lnRef idx="1">
+            <a:schemeClr val="accent1"/>
+          </a:lnRef>
+          <a:fillRef idx="0">
+            <a:schemeClr val="accent1"/>
+          </a:fillRef>
+          <a:effectRef idx="0">
+            <a:schemeClr val="accent1"/>
+          </a:effectRef>
+          <a:fontRef idx="minor">
+            <a:schemeClr val="tx1"/>
+          </a:fontRef>
+        </p:style>
+      </p:cxnSp>
+      <p:sp>
+        <p:nvSpPr>
+          <p:cNvPr id="61" name="Oval 60"/>
+          <p:cNvSpPr/>
+          <p:nvPr/>
+        </p:nvSpPr>
+        <p:spPr>
+          <a:xfrm>
+            <a:off x="2794246" y="3721223"/>
+            <a:ext cx="914400" cy="852256"/>
+          </a:xfrm>
+          <a:prstGeom prst="ellipse">
+            <a:avLst/>
+          </a:prstGeom>
+        </p:spPr>
+        <p:style>
+          <a:lnRef idx="2">
+            <a:schemeClr val="accent1">
+              <a:shade val="50000"/>
+            </a:schemeClr>
+          </a:lnRef>
+          <a:fillRef idx="1">
+            <a:schemeClr val="accent1"/>
+          </a:fillRef>
+          <a:effectRef idx="0">
+            <a:schemeClr val="accent1"/>
+          </a:effectRef>
+          <a:fontRef idx="minor">
+            <a:schemeClr val="lt1"/>
+          </a:fontRef>
+        </p:style>
+        <p:txBody>
+          <a:bodyPr rtlCol="0" anchor="ctr"/>
+          <a:lstStyle/>
+          <a:p>
+            <a:pPr algn="ctr"/>
+            <a:r>
+              <a:rPr lang="en-US" sz="1100" dirty="0" err="1" smtClean="0"/>
+              <a:t>Ms</a:t>
+            </a:r>
+            <a:r>
+              <a:rPr lang="en-US" sz="1100" dirty="0" smtClean="0"/>
+              <a:t> Okay</a:t>
+            </a:r>
+          </a:p>
+          <a:p>
+            <a:pPr algn="ctr"/>
+            <a:r>
+              <a:rPr lang="en-US" sz="1000" dirty="0" smtClean="0"/>
+              <a:t>8110</a:t>
+            </a:r>
+            <a:endParaRPr lang="en-US" sz="1000" dirty="0"/>
+          </a:p>
+        </p:txBody>
+      </p:sp>
+      <p:sp>
+        <p:nvSpPr>
+          <p:cNvPr id="63" name="Bent-Up Arrow 62"/>
+          <p:cNvSpPr/>
+          <p:nvPr/>
+        </p:nvSpPr>
+        <p:spPr>
+          <a:xfrm rot="5400000">
+            <a:off x="1489095" y="4159878"/>
+            <a:ext cx="2096691" cy="2697518"/>
+          </a:xfrm>
+          <a:prstGeom prst="bentUpArrow">
+            <a:avLst>
+              <a:gd name="adj1" fmla="val 25000"/>
+              <a:gd name="adj2" fmla="val 23679"/>
+              <a:gd name="adj3" fmla="val 25000"/>
+            </a:avLst>
+          </a:prstGeom>
+        </p:spPr>
+        <p:style>
+          <a:lnRef idx="2">
+            <a:schemeClr val="accent1">
+              <a:shade val="50000"/>
+            </a:schemeClr>
+          </a:lnRef>
+          <a:fillRef idx="1">
+            <a:schemeClr val="accent1"/>
+          </a:fillRef>
+          <a:effectRef idx="0">
+            <a:schemeClr val="accent1"/>
+          </a:effectRef>
+          <a:fontRef idx="minor">
+            <a:schemeClr val="lt1"/>
+          </a:fontRef>
+        </p:style>
+        <p:txBody>
+          <a:bodyPr vert="vert270" rtlCol="0" anchor="ctr">
+            <a:noAutofit/>
+          </a:bodyPr>
+          <a:lstStyle/>
+          <a:p>
+            <a:pPr algn="ctr"/>
+            <a:endParaRPr lang="en-US" dirty="0"/>
+          </a:p>
+        </p:txBody>
+      </p:sp>
+      <p:sp>
+        <p:nvSpPr>
+          <p:cNvPr id="64" name="TextBox 63"/>
+          <p:cNvSpPr txBox="1"/>
+          <p:nvPr/>
+        </p:nvSpPr>
+        <p:spPr>
+          <a:xfrm>
+            <a:off x="1227336" y="5866662"/>
+            <a:ext cx="2582663" cy="369332"/>
           </a:xfrm>
           <a:prstGeom prst="rect">
             <a:avLst/>
@@ -6627,261 +9732,575 @@
           </a:bodyPr>
           <a:lstStyle/>
           <a:p>
-            <a:pPr marL="342900" indent="-342900">
-              <a:buFont typeface="+mj-lt"/>
-              <a:buAutoNum type="arabicPeriod"/>
-            </a:pPr>
-            <a:r>
-              <a:rPr lang="en-US" sz="1500" dirty="0" smtClean="0"/>
-              <a:t>Reads in raw data file, specified by user</a:t>
-            </a:r>
-          </a:p>
-          <a:p>
-            <a:pPr marL="342900" indent="-342900">
-              <a:buFont typeface="+mj-lt"/>
-              <a:buAutoNum type="arabicPeriod"/>
-            </a:pPr>
-            <a:r>
-              <a:rPr lang="en-US" sz="1500" dirty="0" smtClean="0"/>
-              <a:t>Removes  sequences that have no notes</a:t>
-            </a:r>
-          </a:p>
-          <a:p>
-            <a:pPr marL="342900" indent="-342900">
-              <a:buFont typeface="+mj-lt"/>
-              <a:buAutoNum type="arabicPeriod"/>
-            </a:pPr>
-            <a:r>
-              <a:rPr lang="en-US" sz="1500" dirty="0" smtClean="0"/>
-              <a:t>Cleans up file to contain no uppercases or extra spaces</a:t>
-            </a:r>
-          </a:p>
-          <a:p>
-            <a:pPr marL="342900" indent="-342900">
-              <a:buFont typeface="+mj-lt"/>
-              <a:buAutoNum type="arabicPeriod"/>
-            </a:pPr>
-            <a:r>
-              <a:rPr lang="en-US" sz="1500" dirty="0" smtClean="0"/>
-              <a:t>Removes sequences that have non-failure related notes</a:t>
-            </a:r>
-          </a:p>
-          <a:p>
-            <a:pPr marL="800100" lvl="1" indent="-342900">
-              <a:buFont typeface="Arial" panose="020B0604020202020204" pitchFamily="34" charset="0"/>
-              <a:buChar char="•"/>
-            </a:pPr>
-            <a:r>
-              <a:rPr lang="en-US" sz="1500" dirty="0" smtClean="0"/>
-              <a:t>Ex) </a:t>
-            </a:r>
-            <a:r>
-              <a:rPr lang="en-US" sz="1500" dirty="0" err="1" smtClean="0"/>
-              <a:t>relot</a:t>
-            </a:r>
-            <a:r>
-              <a:rPr lang="en-US" sz="1500" dirty="0" smtClean="0"/>
-              <a:t>, recombine, wobble okay, </a:t>
-            </a:r>
-            <a:r>
-              <a:rPr lang="en-US" sz="1500" dirty="0" err="1" smtClean="0"/>
-              <a:t>etc</a:t>
-            </a:r>
-            <a:endParaRPr lang="en-US" sz="1500" dirty="0" smtClean="0"/>
-          </a:p>
-          <a:p>
-            <a:pPr marL="342900" indent="-342900">
-              <a:buFont typeface="+mj-lt"/>
-              <a:buAutoNum type="arabicPeriod"/>
-            </a:pPr>
-            <a:r>
-              <a:rPr lang="en-US" sz="1500" dirty="0" smtClean="0"/>
-              <a:t>Changes failure notes to standardized failures</a:t>
-            </a:r>
-          </a:p>
-          <a:p>
-            <a:pPr marL="800100" lvl="1" indent="-342900">
-              <a:buFont typeface="Arial" panose="020B0604020202020204" pitchFamily="34" charset="0"/>
-              <a:buChar char="•"/>
-            </a:pPr>
-            <a:r>
-              <a:rPr lang="en-US" sz="1500" dirty="0" smtClean="0"/>
-              <a:t>Ex) more than 3 </a:t>
-            </a:r>
-            <a:r>
-              <a:rPr lang="en-US" sz="1500" dirty="0" err="1" smtClean="0"/>
-              <a:t>stellaris</a:t>
-            </a:r>
-            <a:r>
-              <a:rPr lang="en-US" sz="1500" dirty="0" smtClean="0"/>
-              <a:t> failures &amp; 3 </a:t>
-            </a:r>
-            <a:r>
-              <a:rPr lang="en-US" sz="1500" dirty="0" err="1" smtClean="0"/>
-              <a:t>stellaris</a:t>
-            </a:r>
-            <a:r>
-              <a:rPr lang="en-US" sz="1500" dirty="0" smtClean="0"/>
-              <a:t> failures both become: </a:t>
-            </a:r>
-            <a:r>
-              <a:rPr lang="en-US" sz="1500" dirty="0" err="1" smtClean="0"/>
-              <a:t>Stellaris</a:t>
-            </a:r>
-            <a:r>
-              <a:rPr lang="en-US" sz="1500" dirty="0" smtClean="0"/>
-              <a:t> Failures</a:t>
-            </a:r>
-          </a:p>
-          <a:p>
-            <a:pPr marL="800100" lvl="1" indent="-342900">
-              <a:buFont typeface="Arial" panose="020B0604020202020204" pitchFamily="34" charset="0"/>
-              <a:buChar char="•"/>
-            </a:pPr>
-            <a:r>
-              <a:rPr lang="en-US" sz="1500" dirty="0" smtClean="0"/>
-              <a:t>Ex) </a:t>
-            </a:r>
-            <a:r>
-              <a:rPr lang="en-US" sz="1500" dirty="0"/>
-              <a:t>low yield at </a:t>
-            </a:r>
-            <a:r>
-              <a:rPr lang="en-US" sz="1500" dirty="0" err="1" smtClean="0"/>
-              <a:t>ods</a:t>
-            </a:r>
-            <a:r>
-              <a:rPr lang="en-US" sz="1500" dirty="0" smtClean="0"/>
-              <a:t> </a:t>
-            </a:r>
-            <a:r>
-              <a:rPr lang="en-US" sz="1500" dirty="0" err="1"/>
-              <a:t>lucy</a:t>
-            </a:r>
-            <a:r>
-              <a:rPr lang="en-US" sz="1500" dirty="0"/>
-              <a:t> </a:t>
-            </a:r>
-            <a:r>
-              <a:rPr lang="en-US" sz="1500" dirty="0" smtClean="0"/>
-              <a:t>r 1/8/14 and low </a:t>
-            </a:r>
-            <a:r>
-              <a:rPr lang="en-US" sz="1500" dirty="0"/>
-              <a:t>yield at </a:t>
-            </a:r>
-            <a:r>
-              <a:rPr lang="en-US" sz="1500" dirty="0" err="1" smtClean="0"/>
-              <a:t>ods</a:t>
-            </a:r>
-            <a:r>
-              <a:rPr lang="en-US" sz="1500" dirty="0" smtClean="0"/>
-              <a:t> 01/20/14kt, becomes: Low Yield</a:t>
-            </a:r>
-          </a:p>
-          <a:p>
-            <a:pPr marL="800100" lvl="1" indent="-342900">
-              <a:buFont typeface="Arial" panose="020B0604020202020204" pitchFamily="34" charset="0"/>
-              <a:buChar char="•"/>
-            </a:pPr>
-            <a:r>
-              <a:rPr lang="en-US" sz="1500" dirty="0" smtClean="0"/>
-              <a:t>Attempts to account for spelling errors and slight variation, but is not Perfect (more on this later)</a:t>
-            </a:r>
-          </a:p>
-          <a:p>
-            <a:pPr marL="342900" indent="-342900">
-              <a:buFont typeface="+mj-lt"/>
-              <a:buAutoNum type="arabicPeriod"/>
-            </a:pPr>
-            <a:r>
-              <a:rPr lang="en-US" sz="1500" dirty="0" smtClean="0"/>
-              <a:t>Groups failures by Failure Reason, counts number of sequences with that note, generates table with Failure Reason and # of times it occurred</a:t>
-            </a:r>
-          </a:p>
-          <a:p>
-            <a:pPr marL="800100" lvl="1" indent="-342900">
-              <a:buFont typeface="Arial" panose="020B0604020202020204" pitchFamily="34" charset="0"/>
-              <a:buChar char="•"/>
-            </a:pPr>
-            <a:r>
-              <a:rPr lang="en-US" sz="1500" dirty="0" smtClean="0"/>
-              <a:t>Failure Reason must be EXACTLY the same to be grouped.</a:t>
-            </a:r>
-          </a:p>
-          <a:p>
-            <a:pPr marL="342900" indent="-342900">
-              <a:buFont typeface="+mj-lt"/>
-              <a:buAutoNum type="arabicPeriod"/>
-            </a:pPr>
-            <a:r>
-              <a:rPr lang="en-US" sz="1500" dirty="0" smtClean="0"/>
-              <a:t>Generates similar data for failures by Sequence ID and again by Three prime and Five prime mod combinations</a:t>
-            </a:r>
-          </a:p>
-          <a:p>
-            <a:pPr marL="342900" indent="-342900">
-              <a:buFont typeface="+mj-lt"/>
-              <a:buAutoNum type="arabicPeriod"/>
-            </a:pPr>
-            <a:r>
-              <a:rPr lang="en-US" sz="1500" dirty="0" smtClean="0"/>
-              <a:t>Generates summary information:</a:t>
-            </a:r>
-          </a:p>
-          <a:p>
-            <a:pPr marL="800100" lvl="1" indent="-342900">
-              <a:buFont typeface="Arial" panose="020B0604020202020204" pitchFamily="34" charset="0"/>
-              <a:buChar char="•"/>
-            </a:pPr>
-            <a:r>
-              <a:rPr lang="en-US" sz="1500" dirty="0" smtClean="0"/>
-              <a:t>Total number of sequences analyzed, % with notes, % failed, </a:t>
-            </a:r>
-            <a:r>
-              <a:rPr lang="en-US" sz="1500" dirty="0" err="1" smtClean="0"/>
-              <a:t>etc</a:t>
-            </a:r>
-            <a:endParaRPr lang="en-US" sz="1500" dirty="0" smtClean="0"/>
-          </a:p>
-          <a:p>
-            <a:pPr marL="342900" indent="-342900">
-              <a:buFont typeface="+mj-lt"/>
-              <a:buAutoNum type="arabicPeriod"/>
-            </a:pPr>
-            <a:r>
-              <a:rPr lang="en-US" sz="1500" dirty="0" smtClean="0"/>
-              <a:t>Writes Excel File with each table a separate Sheet. Name specified by user</a:t>
-            </a:r>
-            <a:endParaRPr lang="en-US" sz="1500" dirty="0"/>
+            <a:r>
+              <a:rPr lang="en-US" dirty="0" smtClean="0"/>
+              <a:t>Failure Aggregation</a:t>
+            </a:r>
+            <a:endParaRPr lang="en-US" dirty="0"/>
+          </a:p>
+        </p:txBody>
+      </p:sp>
+      <p:sp>
+        <p:nvSpPr>
+          <p:cNvPr id="66" name="Rectangle 65"/>
+          <p:cNvSpPr/>
+          <p:nvPr/>
+        </p:nvSpPr>
+        <p:spPr>
+          <a:xfrm>
+            <a:off x="3886200" y="5567779"/>
+            <a:ext cx="1752600" cy="914400"/>
+          </a:xfrm>
+          <a:prstGeom prst="rect">
+            <a:avLst/>
+          </a:prstGeom>
+        </p:spPr>
+        <p:style>
+          <a:lnRef idx="2">
+            <a:schemeClr val="accent1">
+              <a:shade val="50000"/>
+            </a:schemeClr>
+          </a:lnRef>
+          <a:fillRef idx="1">
+            <a:schemeClr val="accent1"/>
+          </a:fillRef>
+          <a:effectRef idx="0">
+            <a:schemeClr val="accent1"/>
+          </a:effectRef>
+          <a:fontRef idx="minor">
+            <a:schemeClr val="lt1"/>
+          </a:fontRef>
+        </p:style>
+        <p:txBody>
+          <a:bodyPr rtlCol="0" anchor="ctr"/>
+          <a:lstStyle/>
+          <a:p>
+            <a:pPr algn="ctr"/>
+            <a:r>
+              <a:rPr lang="en-US" dirty="0" smtClean="0"/>
+              <a:t>Preliminary Failed </a:t>
+            </a:r>
+            <a:r>
+              <a:rPr lang="en-US" dirty="0" err="1" smtClean="0"/>
+              <a:t>Seq</a:t>
+            </a:r>
+            <a:r>
+              <a:rPr lang="en-US" dirty="0" smtClean="0"/>
+              <a:t> Data</a:t>
+            </a:r>
+          </a:p>
+          <a:p>
+            <a:pPr algn="ctr"/>
+            <a:r>
+              <a:rPr lang="en-US" sz="1000" dirty="0"/>
+              <a:t># of </a:t>
+            </a:r>
+            <a:r>
+              <a:rPr lang="en-US" sz="1000" dirty="0" err="1"/>
+              <a:t>seq</a:t>
+            </a:r>
+            <a:r>
+              <a:rPr lang="en-US" sz="1000" dirty="0"/>
+              <a:t>: </a:t>
+            </a:r>
+            <a:r>
+              <a:rPr lang="en-US" sz="1000" dirty="0" smtClean="0"/>
+              <a:t>46203</a:t>
+            </a:r>
+            <a:endParaRPr lang="en-US" sz="1000" dirty="0"/>
+          </a:p>
+        </p:txBody>
+      </p:sp>
+      <p:sp>
+        <p:nvSpPr>
+          <p:cNvPr id="71" name="TextBox 70"/>
+          <p:cNvSpPr txBox="1"/>
+          <p:nvPr/>
+        </p:nvSpPr>
+        <p:spPr>
+          <a:xfrm>
+            <a:off x="2402702" y="1066800"/>
+            <a:ext cx="1697487" cy="276999"/>
+          </a:xfrm>
+          <a:prstGeom prst="rect">
+            <a:avLst/>
+          </a:prstGeom>
+          <a:noFill/>
+        </p:spPr>
+        <p:txBody>
+          <a:bodyPr wrap="square" rtlCol="0">
+            <a:spAutoFit/>
+          </a:bodyPr>
+          <a:lstStyle/>
+          <a:p>
+            <a:r>
+              <a:rPr lang="en-US" sz="1200" dirty="0" smtClean="0"/>
+              <a:t>Removed Sequences</a:t>
+            </a:r>
+            <a:endParaRPr lang="en-US" sz="1200" dirty="0"/>
+          </a:p>
+        </p:txBody>
+      </p:sp>
+      <p:cxnSp>
+        <p:nvCxnSpPr>
+          <p:cNvPr id="77" name="Straight Arrow Connector 76"/>
+          <p:cNvCxnSpPr>
+            <a:endCxn id="61" idx="6"/>
+          </p:cNvCxnSpPr>
+          <p:nvPr/>
+        </p:nvCxnSpPr>
+        <p:spPr>
+          <a:xfrm flipH="1">
+            <a:off x="3708646" y="4147351"/>
+            <a:ext cx="1244354" cy="0"/>
+          </a:xfrm>
+          <a:prstGeom prst="straightConnector1">
+            <a:avLst/>
+          </a:prstGeom>
+          <a:ln>
+            <a:tailEnd type="arrow"/>
+          </a:ln>
+        </p:spPr>
+        <p:style>
+          <a:lnRef idx="1">
+            <a:schemeClr val="accent1"/>
+          </a:lnRef>
+          <a:fillRef idx="0">
+            <a:schemeClr val="accent1"/>
+          </a:fillRef>
+          <a:effectRef idx="0">
+            <a:schemeClr val="accent1"/>
+          </a:effectRef>
+          <a:fontRef idx="minor">
+            <a:schemeClr val="tx1"/>
+          </a:fontRef>
+        </p:style>
+      </p:cxnSp>
+      <p:sp>
+        <p:nvSpPr>
+          <p:cNvPr id="82" name="Rectangle 81"/>
+          <p:cNvSpPr/>
+          <p:nvPr/>
+        </p:nvSpPr>
+        <p:spPr>
+          <a:xfrm>
+            <a:off x="3962400" y="3124200"/>
+            <a:ext cx="1752600" cy="685800"/>
+          </a:xfrm>
+          <a:prstGeom prst="rect">
+            <a:avLst/>
+          </a:prstGeom>
+        </p:spPr>
+        <p:style>
+          <a:lnRef idx="2">
+            <a:schemeClr val="accent1">
+              <a:shade val="50000"/>
+            </a:schemeClr>
+          </a:lnRef>
+          <a:fillRef idx="1">
+            <a:schemeClr val="accent1"/>
+          </a:fillRef>
+          <a:effectRef idx="0">
+            <a:schemeClr val="accent1"/>
+          </a:effectRef>
+          <a:fontRef idx="minor">
+            <a:schemeClr val="lt1"/>
+          </a:fontRef>
+        </p:style>
+        <p:txBody>
+          <a:bodyPr rtlCol="0" anchor="ctr"/>
+          <a:lstStyle/>
+          <a:p>
+            <a:pPr algn="ctr"/>
+            <a:r>
+              <a:rPr lang="en-US" dirty="0" smtClean="0"/>
+              <a:t>Failed </a:t>
+            </a:r>
+            <a:r>
+              <a:rPr lang="en-US" dirty="0" err="1" smtClean="0"/>
+              <a:t>Seq</a:t>
+            </a:r>
+            <a:r>
+              <a:rPr lang="en-US" dirty="0" smtClean="0"/>
+              <a:t> Data</a:t>
+            </a:r>
+          </a:p>
+          <a:p>
+            <a:pPr algn="ctr"/>
+            <a:r>
+              <a:rPr lang="en-US" sz="1000" dirty="0"/>
+              <a:t># of </a:t>
+            </a:r>
+            <a:r>
+              <a:rPr lang="en-US" sz="1000" dirty="0" err="1"/>
+              <a:t>seq</a:t>
+            </a:r>
+            <a:r>
+              <a:rPr lang="en-US" sz="1000" dirty="0"/>
+              <a:t>: </a:t>
+            </a:r>
+            <a:r>
+              <a:rPr lang="en-US" sz="1000" dirty="0" smtClean="0"/>
+              <a:t>34820</a:t>
+            </a:r>
+            <a:endParaRPr lang="en-US" sz="1000" dirty="0"/>
+          </a:p>
+        </p:txBody>
+      </p:sp>
+      <p:sp>
+        <p:nvSpPr>
+          <p:cNvPr id="90" name="Right Arrow 89"/>
+          <p:cNvSpPr/>
+          <p:nvPr/>
+        </p:nvSpPr>
+        <p:spPr>
+          <a:xfrm>
+            <a:off x="5791200" y="3152127"/>
+            <a:ext cx="1295400" cy="629945"/>
+          </a:xfrm>
+          <a:prstGeom prst="rightArrow">
+            <a:avLst/>
+          </a:prstGeom>
+        </p:spPr>
+        <p:style>
+          <a:lnRef idx="2">
+            <a:schemeClr val="accent1">
+              <a:shade val="50000"/>
+            </a:schemeClr>
+          </a:lnRef>
+          <a:fillRef idx="1">
+            <a:schemeClr val="accent1"/>
+          </a:fillRef>
+          <a:effectRef idx="0">
+            <a:schemeClr val="accent1"/>
+          </a:effectRef>
+          <a:fontRef idx="minor">
+            <a:schemeClr val="lt1"/>
+          </a:fontRef>
+        </p:style>
+        <p:txBody>
+          <a:bodyPr rtlCol="0" anchor="ctr"/>
+          <a:lstStyle/>
+          <a:p>
+            <a:pPr algn="ctr"/>
+            <a:r>
+              <a:rPr lang="en-US" dirty="0" smtClean="0"/>
+              <a:t>Analysis</a:t>
+            </a:r>
+            <a:endParaRPr lang="en-US" dirty="0"/>
+          </a:p>
+        </p:txBody>
+      </p:sp>
+      <p:sp>
+        <p:nvSpPr>
+          <p:cNvPr id="91" name="Rectangle 90"/>
+          <p:cNvSpPr/>
+          <p:nvPr/>
+        </p:nvSpPr>
+        <p:spPr>
+          <a:xfrm>
+            <a:off x="7263783" y="914400"/>
+            <a:ext cx="1600200" cy="685800"/>
+          </a:xfrm>
+          <a:prstGeom prst="rect">
+            <a:avLst/>
+          </a:prstGeom>
+        </p:spPr>
+        <p:style>
+          <a:lnRef idx="2">
+            <a:schemeClr val="accent1">
+              <a:shade val="50000"/>
+            </a:schemeClr>
+          </a:lnRef>
+          <a:fillRef idx="1">
+            <a:schemeClr val="accent1"/>
+          </a:fillRef>
+          <a:effectRef idx="0">
+            <a:schemeClr val="accent1"/>
+          </a:effectRef>
+          <a:fontRef idx="minor">
+            <a:schemeClr val="lt1"/>
+          </a:fontRef>
+        </p:style>
+        <p:txBody>
+          <a:bodyPr rtlCol="0" anchor="ctr"/>
+          <a:lstStyle/>
+          <a:p>
+            <a:pPr algn="ctr"/>
+            <a:r>
+              <a:rPr lang="en-US" dirty="0" smtClean="0"/>
+              <a:t>Summary</a:t>
+            </a:r>
+            <a:endParaRPr lang="en-US" dirty="0"/>
+          </a:p>
+        </p:txBody>
+      </p:sp>
+      <p:sp>
+        <p:nvSpPr>
+          <p:cNvPr id="94" name="Rectangle 93"/>
+          <p:cNvSpPr/>
+          <p:nvPr/>
+        </p:nvSpPr>
+        <p:spPr>
+          <a:xfrm>
+            <a:off x="7263783" y="1883361"/>
+            <a:ext cx="1600200" cy="685800"/>
+          </a:xfrm>
+          <a:prstGeom prst="rect">
+            <a:avLst/>
+          </a:prstGeom>
+        </p:spPr>
+        <p:style>
+          <a:lnRef idx="2">
+            <a:schemeClr val="accent1">
+              <a:shade val="50000"/>
+            </a:schemeClr>
+          </a:lnRef>
+          <a:fillRef idx="1">
+            <a:schemeClr val="accent1"/>
+          </a:fillRef>
+          <a:effectRef idx="0">
+            <a:schemeClr val="accent1"/>
+          </a:effectRef>
+          <a:fontRef idx="minor">
+            <a:schemeClr val="lt1"/>
+          </a:fontRef>
+        </p:style>
+        <p:txBody>
+          <a:bodyPr rtlCol="0" anchor="ctr"/>
+          <a:lstStyle/>
+          <a:p>
+            <a:pPr algn="ctr"/>
+            <a:r>
+              <a:rPr lang="en-US" dirty="0" smtClean="0"/>
+              <a:t>Reason List</a:t>
+            </a:r>
+            <a:endParaRPr lang="en-US" dirty="0"/>
+          </a:p>
+        </p:txBody>
+      </p:sp>
+      <p:sp>
+        <p:nvSpPr>
+          <p:cNvPr id="95" name="Rectangle 94"/>
+          <p:cNvSpPr/>
+          <p:nvPr/>
+        </p:nvSpPr>
+        <p:spPr>
+          <a:xfrm>
+            <a:off x="7247138" y="2781299"/>
+            <a:ext cx="1600200" cy="685800"/>
+          </a:xfrm>
+          <a:prstGeom prst="rect">
+            <a:avLst/>
+          </a:prstGeom>
+        </p:spPr>
+        <p:style>
+          <a:lnRef idx="2">
+            <a:schemeClr val="accent1">
+              <a:shade val="50000"/>
+            </a:schemeClr>
+          </a:lnRef>
+          <a:fillRef idx="1">
+            <a:schemeClr val="accent1"/>
+          </a:fillRef>
+          <a:effectRef idx="0">
+            <a:schemeClr val="accent1"/>
+          </a:effectRef>
+          <a:fontRef idx="minor">
+            <a:schemeClr val="lt1"/>
+          </a:fontRef>
+        </p:style>
+        <p:txBody>
+          <a:bodyPr rtlCol="0" anchor="ctr"/>
+          <a:lstStyle/>
+          <a:p>
+            <a:pPr algn="ctr"/>
+            <a:r>
+              <a:rPr lang="en-US" dirty="0" smtClean="0"/>
+              <a:t>Mod Analysis</a:t>
+            </a:r>
+            <a:endParaRPr lang="en-US" dirty="0"/>
+          </a:p>
+        </p:txBody>
+      </p:sp>
+      <p:sp>
+        <p:nvSpPr>
+          <p:cNvPr id="96" name="Rounded Rectangle 95"/>
+          <p:cNvSpPr/>
+          <p:nvPr/>
+        </p:nvSpPr>
+        <p:spPr>
+          <a:xfrm>
+            <a:off x="7263783" y="3982745"/>
+            <a:ext cx="1524000" cy="800101"/>
+          </a:xfrm>
+          <a:prstGeom prst="roundRect">
+            <a:avLst/>
+          </a:prstGeom>
+        </p:spPr>
+        <p:style>
+          <a:lnRef idx="2">
+            <a:schemeClr val="accent1">
+              <a:shade val="50000"/>
+            </a:schemeClr>
+          </a:lnRef>
+          <a:fillRef idx="1">
+            <a:schemeClr val="accent1"/>
+          </a:fillRef>
+          <a:effectRef idx="0">
+            <a:schemeClr val="accent1"/>
+          </a:effectRef>
+          <a:fontRef idx="minor">
+            <a:schemeClr val="lt1"/>
+          </a:fontRef>
+        </p:style>
+        <p:txBody>
+          <a:bodyPr rtlCol="0" anchor="ctr"/>
+          <a:lstStyle/>
+          <a:p>
+            <a:pPr algn="ctr"/>
+            <a:r>
+              <a:rPr lang="en-US" dirty="0" smtClean="0"/>
+              <a:t>Sequence ID</a:t>
+            </a:r>
+          </a:p>
+          <a:p>
+            <a:pPr algn="ctr"/>
+            <a:r>
+              <a:rPr lang="en-US" dirty="0" smtClean="0"/>
+              <a:t>Analysis</a:t>
+            </a:r>
+            <a:endParaRPr lang="en-US" dirty="0"/>
+          </a:p>
+        </p:txBody>
+      </p:sp>
+      <p:sp>
+        <p:nvSpPr>
+          <p:cNvPr id="97" name="Rounded Rectangle 96"/>
+          <p:cNvSpPr/>
+          <p:nvPr/>
+        </p:nvSpPr>
+        <p:spPr>
+          <a:xfrm>
+            <a:off x="7247138" y="5090276"/>
+            <a:ext cx="1524000" cy="836721"/>
+          </a:xfrm>
+          <a:prstGeom prst="roundRect">
+            <a:avLst/>
+          </a:prstGeom>
+        </p:spPr>
+        <p:style>
+          <a:lnRef idx="2">
+            <a:schemeClr val="accent1">
+              <a:shade val="50000"/>
+            </a:schemeClr>
+          </a:lnRef>
+          <a:fillRef idx="1">
+            <a:schemeClr val="accent1"/>
+          </a:fillRef>
+          <a:effectRef idx="0">
+            <a:schemeClr val="accent1"/>
+          </a:effectRef>
+          <a:fontRef idx="minor">
+            <a:schemeClr val="lt1"/>
+          </a:fontRef>
+        </p:style>
+        <p:txBody>
+          <a:bodyPr rtlCol="0" anchor="ctr"/>
+          <a:lstStyle/>
+          <a:p>
+            <a:pPr algn="ctr"/>
+            <a:r>
+              <a:rPr lang="en-US" dirty="0" smtClean="0"/>
+              <a:t>Sequence Name</a:t>
+            </a:r>
+          </a:p>
+          <a:p>
+            <a:pPr algn="ctr"/>
+            <a:r>
+              <a:rPr lang="en-US" dirty="0" smtClean="0"/>
+              <a:t>Analysis</a:t>
+            </a:r>
+            <a:endParaRPr lang="en-US" dirty="0"/>
+          </a:p>
+        </p:txBody>
+      </p:sp>
+      <p:sp>
+        <p:nvSpPr>
+          <p:cNvPr id="98" name="TextBox 97"/>
+          <p:cNvSpPr txBox="1"/>
+          <p:nvPr/>
+        </p:nvSpPr>
+        <p:spPr>
+          <a:xfrm>
+            <a:off x="7247138" y="3551239"/>
+            <a:ext cx="1600200" cy="461665"/>
+          </a:xfrm>
+          <a:prstGeom prst="rect">
+            <a:avLst/>
+          </a:prstGeom>
+          <a:noFill/>
+        </p:spPr>
+        <p:txBody>
+          <a:bodyPr wrap="square" rtlCol="0">
+            <a:spAutoFit/>
+          </a:bodyPr>
+          <a:lstStyle/>
+          <a:p>
+            <a:r>
+              <a:rPr lang="en-US" sz="1200" dirty="0" smtClean="0"/>
+              <a:t>Sometimes</a:t>
+            </a:r>
+          </a:p>
+          <a:p>
+            <a:r>
+              <a:rPr lang="en-US" sz="1200" dirty="0" smtClean="0"/>
+              <a:t>Separate Excel Files</a:t>
+            </a:r>
+            <a:endParaRPr lang="en-US" sz="1200" dirty="0"/>
+          </a:p>
+        </p:txBody>
+      </p:sp>
+      <p:sp>
+        <p:nvSpPr>
+          <p:cNvPr id="99" name="TextBox 98"/>
+          <p:cNvSpPr txBox="1"/>
+          <p:nvPr/>
+        </p:nvSpPr>
+        <p:spPr>
+          <a:xfrm>
+            <a:off x="7247138" y="533400"/>
+            <a:ext cx="1600200" cy="276999"/>
+          </a:xfrm>
+          <a:prstGeom prst="rect">
+            <a:avLst/>
+          </a:prstGeom>
+          <a:noFill/>
+        </p:spPr>
+        <p:txBody>
+          <a:bodyPr wrap="square" rtlCol="0">
+            <a:spAutoFit/>
+          </a:bodyPr>
+          <a:lstStyle/>
+          <a:p>
+            <a:r>
+              <a:rPr lang="en-US" sz="1200" dirty="0" smtClean="0"/>
+              <a:t>Always one Excel File</a:t>
+            </a:r>
+            <a:endParaRPr lang="en-US" sz="1200" dirty="0"/>
           </a:p>
         </p:txBody>
       </p:sp>
     </p:spTree>
     <p:extLst>
       <p:ext uri="{BB962C8B-B14F-4D97-AF65-F5344CB8AC3E}">
-        <p14:creationId xmlns:p14="http://schemas.microsoft.com/office/powerpoint/2010/main" val="4258152089"/>
+        <p14:creationId xmlns:p14="http://schemas.microsoft.com/office/powerpoint/2010/main" val="3732117520"/>
       </p:ext>
     </p:extLst>
   </p:cSld>
   <p:clrMapOvr>
     <a:masterClrMapping/>
   </p:clrMapOvr>
-  <mc:AlternateContent xmlns:mc="http://schemas.openxmlformats.org/markup-compatibility/2006">
-    <mc:Choice xmlns:p14="http://schemas.microsoft.com/office/powerpoint/2010/main" Requires="p14">
-      <p:transition p14:dur="0"/>
-    </mc:Choice>
-    <mc:Fallback>
-      <p:transition/>
-    </mc:Fallback>
-  </mc:AlternateContent>
-  <p:timing>
-    <p:tnLst>
-      <p:par>
-        <p:cTn id="1" dur="indefinite" restart="never" nodeType="tmRoot"/>
-      </p:par>
-    </p:tnLst>
-  </p:timing>
 </p:sld>
 </file>
 
@@ -7148,7 +10567,7 @@
             <a:pPr algn="ctr"/>
             <a:r>
               <a:rPr lang="en-US" sz="3600" dirty="0" smtClean="0"/>
-              <a:t>Excel file</a:t>
+              <a:t>.Tab file</a:t>
             </a:r>
             <a:endParaRPr lang="en-US" sz="3600" dirty="0"/>
           </a:p>
@@ -7162,8 +10581,8 @@
         </p:nvSpPr>
         <p:spPr>
           <a:xfrm>
-            <a:off x="233878" y="1669473"/>
-            <a:ext cx="6400800" cy="923330"/>
+            <a:off x="244764" y="1669473"/>
+            <a:ext cx="6400800" cy="1477328"/>
           </a:xfrm>
           <a:prstGeom prst="rect">
             <a:avLst/>
@@ -7178,7 +10597,24 @@
           <a:p>
             <a:r>
               <a:rPr lang="en-US" dirty="0" smtClean="0"/>
-              <a:t>A typical Excel File with 4 sheets.</a:t>
+              <a:t>Tab </a:t>
+            </a:r>
+            <a:r>
+              <a:rPr lang="en-US" dirty="0" err="1" smtClean="0"/>
+              <a:t>seperated</a:t>
+            </a:r>
+            <a:r>
+              <a:rPr lang="en-US" dirty="0" smtClean="0"/>
+              <a:t> file</a:t>
+            </a:r>
+          </a:p>
+          <a:p>
+            <a:endParaRPr lang="en-US" dirty="0" smtClean="0"/>
+          </a:p>
+          <a:p>
+            <a:r>
+              <a:rPr lang="en-US" dirty="0" smtClean="0"/>
+              <a:t>Can open and view raw file in Notepad</a:t>
             </a:r>
           </a:p>
           <a:p>
@@ -7186,10 +10622,8 @@
           </a:p>
           <a:p>
             <a:r>
-              <a:rPr lang="en-US" dirty="0" smtClean="0">
-                <a:hlinkClick r:id="rId2" action="ppaction://hlinkfile"/>
-              </a:rPr>
-              <a:t>Example</a:t>
+              <a:rPr lang="en-US" dirty="0" smtClean="0"/>
+              <a:t>~16MB for 1 year</a:t>
             </a:r>
             <a:endParaRPr lang="en-US" dirty="0"/>
           </a:p>
@@ -7198,18 +10632,18 @@
     </p:spTree>
     <p:extLst>
       <p:ext uri="{BB962C8B-B14F-4D97-AF65-F5344CB8AC3E}">
-        <p14:creationId xmlns:p14="http://schemas.microsoft.com/office/powerpoint/2010/main" val="1938005255"/>
+        <p14:creationId xmlns:p14="http://schemas.microsoft.com/office/powerpoint/2010/main" val="2531801247"/>
       </p:ext>
     </p:extLst>
   </p:cSld>
   <p:clrMapOvr>
     <a:masterClrMapping/>
   </p:clrMapOvr>
-  <mc:AlternateContent xmlns:mc="http://schemas.openxmlformats.org/markup-compatibility/2006">
-    <mc:Choice xmlns:p14="http://schemas.microsoft.com/office/powerpoint/2010/main" Requires="p14">
+  <mc:AlternateContent xmlns:mc="http://schemas.openxmlformats.org/markup-compatibility/2006" xmlns:p14="http://schemas.microsoft.com/office/powerpoint/2010/main">
+    <mc:Choice Requires="p14">
       <p:transition p14:dur="0"/>
     </mc:Choice>
-    <mc:Fallback>
+    <mc:Fallback xmlns="">
       <p:transition/>
     </mc:Fallback>
   </mc:AlternateContent>
@@ -7242,6 +10676,227 @@
       </p:grpSpPr>
       <p:sp>
         <p:nvSpPr>
+          <p:cNvPr id="6" name="Text Placeholder 5"/>
+          <p:cNvSpPr>
+            <a:spLocks noGrp="1"/>
+          </p:cNvSpPr>
+          <p:nvPr>
+            <p:ph type="body" sz="half" idx="2"/>
+          </p:nvPr>
+        </p:nvSpPr>
+        <p:spPr>
+          <a:xfrm>
+            <a:off x="6934200" y="685800"/>
+            <a:ext cx="1941945" cy="5761182"/>
+          </a:xfrm>
+        </p:spPr>
+        <p:txBody>
+          <a:bodyPr>
+            <a:normAutofit/>
+          </a:bodyPr>
+          <a:lstStyle/>
+          <a:p>
+            <a:pPr>
+              <a:buClrTx/>
+            </a:pPr>
+            <a:endParaRPr lang="en-US" dirty="0" smtClean="0"/>
+          </a:p>
+          <a:p>
+            <a:pPr marL="342900" indent="-342900">
+              <a:buClrTx/>
+              <a:buFont typeface="+mj-lt"/>
+              <a:buAutoNum type="arabicPeriod"/>
+            </a:pPr>
+            <a:r>
+              <a:rPr lang="en-US" sz="1100" dirty="0" err="1" smtClean="0"/>
+              <a:t>Filemaker</a:t>
+            </a:r>
+            <a:r>
+              <a:rPr lang="en-US" sz="1100" dirty="0" smtClean="0"/>
+              <a:t> Search</a:t>
+            </a:r>
+          </a:p>
+          <a:p>
+            <a:pPr marL="800100" lvl="1" indent="-342900">
+              <a:buClrTx/>
+              <a:buFont typeface="Arial" panose="020B0604020202020204" pitchFamily="34" charset="0"/>
+              <a:buChar char="•"/>
+            </a:pPr>
+            <a:r>
+              <a:rPr lang="en-US" sz="1100" dirty="0" smtClean="0"/>
+              <a:t>Time frame</a:t>
+            </a:r>
+          </a:p>
+          <a:p>
+            <a:pPr marL="800100" lvl="1" indent="-342900">
+              <a:buClrTx/>
+              <a:buFont typeface="Arial" panose="020B0604020202020204" pitchFamily="34" charset="0"/>
+              <a:buChar char="•"/>
+            </a:pPr>
+            <a:r>
+              <a:rPr lang="en-US" sz="1100" dirty="0" smtClean="0"/>
+              <a:t>Other Boxes</a:t>
+            </a:r>
+          </a:p>
+          <a:p>
+            <a:pPr marL="342900" indent="-342900">
+              <a:buClrTx/>
+              <a:buFont typeface="+mj-lt"/>
+              <a:buAutoNum type="arabicPeriod"/>
+            </a:pPr>
+            <a:r>
+              <a:rPr lang="en-US" sz="1100" dirty="0" smtClean="0"/>
+              <a:t>Export</a:t>
+            </a:r>
+          </a:p>
+          <a:p>
+            <a:pPr marL="800100" lvl="1" indent="-342900">
+              <a:buClrTx/>
+              <a:buFont typeface="Arial" panose="020B0604020202020204" pitchFamily="34" charset="0"/>
+              <a:buChar char="•"/>
+            </a:pPr>
+            <a:r>
+              <a:rPr lang="en-US" sz="1100" dirty="0" smtClean="0"/>
+              <a:t>Save location</a:t>
+            </a:r>
+          </a:p>
+          <a:p>
+            <a:pPr marL="800100" lvl="1" indent="-342900">
+              <a:buClrTx/>
+              <a:buFont typeface="Arial" panose="020B0604020202020204" pitchFamily="34" charset="0"/>
+              <a:buChar char="•"/>
+            </a:pPr>
+            <a:r>
+              <a:rPr lang="en-US" sz="1100" dirty="0" err="1" smtClean="0"/>
+              <a:t>Catagories</a:t>
+            </a:r>
+            <a:endParaRPr lang="en-US" sz="1100" dirty="0" smtClean="0"/>
+          </a:p>
+          <a:p>
+            <a:pPr marL="800100" lvl="1" indent="-342900">
+              <a:buClrTx/>
+              <a:buFont typeface="Arial" panose="020B0604020202020204" pitchFamily="34" charset="0"/>
+              <a:buChar char="•"/>
+            </a:pPr>
+            <a:r>
+              <a:rPr lang="en-US" sz="1100" dirty="0" smtClean="0"/>
+              <a:t>Time</a:t>
+            </a:r>
+          </a:p>
+          <a:p>
+            <a:pPr marL="342900" indent="-342900">
+              <a:buClrTx/>
+              <a:buFont typeface="+mj-lt"/>
+              <a:buAutoNum type="arabicPeriod"/>
+            </a:pPr>
+            <a:r>
+              <a:rPr lang="en-US" sz="1100" dirty="0" smtClean="0"/>
+              <a:t>.Tab File</a:t>
+            </a:r>
+          </a:p>
+          <a:p>
+            <a:pPr marL="800100" lvl="1" indent="-342900">
+              <a:buClrTx/>
+              <a:buFont typeface="Arial" panose="020B0604020202020204" pitchFamily="34" charset="0"/>
+              <a:buChar char="•"/>
+            </a:pPr>
+            <a:r>
+              <a:rPr lang="en-US" sz="1100" dirty="0" smtClean="0"/>
+              <a:t>Size</a:t>
+            </a:r>
+          </a:p>
+          <a:p>
+            <a:pPr marL="800100" lvl="1" indent="-342900">
+              <a:buClrTx/>
+              <a:buFont typeface="Arial" panose="020B0604020202020204" pitchFamily="34" charset="0"/>
+              <a:buChar char="•"/>
+            </a:pPr>
+            <a:r>
+              <a:rPr lang="en-US" sz="1100" dirty="0" smtClean="0"/>
+              <a:t>Contents</a:t>
+            </a:r>
+          </a:p>
+          <a:p>
+            <a:pPr marL="342900" indent="-342900">
+              <a:buClrTx/>
+              <a:buFont typeface="+mj-lt"/>
+              <a:buAutoNum type="arabicPeriod"/>
+            </a:pPr>
+            <a:r>
+              <a:rPr lang="en-US" sz="1100" dirty="0" smtClean="0"/>
+              <a:t>Run Script</a:t>
+            </a:r>
+          </a:p>
+          <a:p>
+            <a:pPr marL="800100" lvl="1" indent="-342900">
+              <a:buClrTx/>
+              <a:buFont typeface="Arial" panose="020B0604020202020204" pitchFamily="34" charset="0"/>
+              <a:buChar char="•"/>
+            </a:pPr>
+            <a:r>
+              <a:rPr lang="en-US" sz="1100" dirty="0" smtClean="0"/>
+              <a:t>How to Run</a:t>
+            </a:r>
+          </a:p>
+          <a:p>
+            <a:pPr marL="800100" lvl="1" indent="-342900">
+              <a:buClrTx/>
+              <a:buFont typeface="Arial" panose="020B0604020202020204" pitchFamily="34" charset="0"/>
+              <a:buChar char="•"/>
+            </a:pPr>
+            <a:r>
+              <a:rPr lang="en-US" sz="1100" dirty="0" smtClean="0"/>
+              <a:t>Script Logic</a:t>
+            </a:r>
+          </a:p>
+          <a:p>
+            <a:pPr marL="800100" lvl="1" indent="-342900">
+              <a:buClrTx/>
+              <a:buFont typeface="Arial" panose="020B0604020202020204" pitchFamily="34" charset="0"/>
+              <a:buChar char="•"/>
+            </a:pPr>
+            <a:r>
+              <a:rPr lang="en-US" sz="1100" dirty="0" smtClean="0"/>
+              <a:t>Time</a:t>
+            </a:r>
+          </a:p>
+          <a:p>
+            <a:pPr marL="342900" indent="-342900">
+              <a:buClrTx/>
+              <a:buFont typeface="+mj-lt"/>
+              <a:buAutoNum type="arabicPeriod"/>
+            </a:pPr>
+            <a:r>
+              <a:rPr lang="en-US" sz="1100" dirty="0" smtClean="0"/>
+              <a:t>Excel File</a:t>
+            </a:r>
+          </a:p>
+          <a:p>
+            <a:pPr marL="800100" lvl="1" indent="-342900">
+              <a:buClrTx/>
+              <a:buFont typeface="Arial" panose="020B0604020202020204" pitchFamily="34" charset="0"/>
+              <a:buChar char="•"/>
+            </a:pPr>
+            <a:r>
+              <a:rPr lang="en-US" sz="1100" dirty="0" smtClean="0"/>
+              <a:t>Different sheets</a:t>
+            </a:r>
+          </a:p>
+          <a:p>
+            <a:pPr marL="800100" lvl="1" indent="-342900">
+              <a:buClrTx/>
+              <a:buFont typeface="Arial" panose="020B0604020202020204" pitchFamily="34" charset="0"/>
+              <a:buChar char="•"/>
+            </a:pPr>
+            <a:r>
+              <a:rPr lang="en-US" sz="1100" dirty="0" smtClean="0"/>
+              <a:t>Size</a:t>
+            </a:r>
+          </a:p>
+        </p:txBody>
+      </p:sp>
+      <p:sp>
+        <p:nvSpPr>
           <p:cNvPr id="4" name="Title 3"/>
           <p:cNvSpPr>
             <a:spLocks noGrp="1"/>
@@ -7250,7 +10905,12 @@
             <p:ph type="title"/>
           </p:nvPr>
         </p:nvSpPr>
-        <p:spPr/>
+        <p:spPr>
+          <a:xfrm>
+            <a:off x="304800" y="76200"/>
+            <a:ext cx="6400800" cy="1066800"/>
+          </a:xfrm>
+        </p:spPr>
         <p:txBody>
           <a:bodyPr anchor="ctr">
             <a:normAutofit/>
@@ -7260,7 +10920,7 @@
             <a:pPr algn="ctr"/>
             <a:r>
               <a:rPr lang="en-US" sz="3600" dirty="0" smtClean="0"/>
-              <a:t>Future Aims/Needs</a:t>
+              <a:t>Run Script</a:t>
             </a:r>
             <a:endParaRPr lang="en-US" sz="3600" dirty="0"/>
           </a:p>
@@ -7268,14 +10928,14 @@
       </p:sp>
       <p:sp>
         <p:nvSpPr>
-          <p:cNvPr id="5" name="TextBox 4"/>
+          <p:cNvPr id="2" name="TextBox 1"/>
           <p:cNvSpPr txBox="1"/>
           <p:nvPr/>
         </p:nvSpPr>
         <p:spPr>
           <a:xfrm>
-            <a:off x="381000" y="1676400"/>
-            <a:ext cx="8534400" cy="2862322"/>
+            <a:off x="217055" y="914400"/>
+            <a:ext cx="6400800" cy="461665"/>
           </a:xfrm>
           <a:prstGeom prst="rect">
             <a:avLst/>
@@ -7288,438 +10948,203 @@
           </a:bodyPr>
           <a:lstStyle/>
           <a:p>
-            <a:pPr marL="342900" indent="-342900">
-              <a:buFont typeface="+mj-lt"/>
-              <a:buAutoNum type="arabicPeriod"/>
-            </a:pPr>
+            <a:r>
+              <a:rPr lang="en-US" sz="2400" dirty="0" smtClean="0"/>
+              <a:t>How to Run</a:t>
+            </a:r>
+            <a:endParaRPr lang="en-US" sz="2400" dirty="0"/>
+          </a:p>
+        </p:txBody>
+      </p:sp>
+      <p:sp>
+        <p:nvSpPr>
+          <p:cNvPr id="3" name="TextBox 2"/>
+          <p:cNvSpPr txBox="1"/>
+          <p:nvPr/>
+        </p:nvSpPr>
+        <p:spPr>
+          <a:xfrm>
+            <a:off x="217055" y="1399156"/>
+            <a:ext cx="6400801" cy="2585323"/>
+          </a:xfrm>
+          <a:prstGeom prst="rect">
+            <a:avLst/>
+          </a:prstGeom>
+          <a:noFill/>
+        </p:spPr>
+        <p:txBody>
+          <a:bodyPr wrap="square" rtlCol="0">
+            <a:spAutoFit/>
+          </a:bodyPr>
+          <a:lstStyle/>
+          <a:p>
             <a:r>
               <a:rPr lang="en-US" dirty="0" smtClean="0"/>
-              <a:t>Need: Uniform Failure Names</a:t>
-            </a:r>
-          </a:p>
-          <a:p>
-            <a:pPr marL="800100" lvl="1" indent="-342900">
-              <a:buFont typeface="Arial" panose="020B0604020202020204" pitchFamily="34" charset="0"/>
-              <a:buChar char="•"/>
-            </a:pPr>
+              <a:t>Must have R installed</a:t>
+            </a:r>
+          </a:p>
+          <a:p>
             <a:r>
               <a:rPr lang="en-US" dirty="0" smtClean="0"/>
-              <a:t>Will make script easier, and data better</a:t>
-            </a:r>
-          </a:p>
-          <a:p>
-            <a:pPr marL="800100" lvl="1" indent="-342900">
-              <a:buFont typeface="Arial" panose="020B0604020202020204" pitchFamily="34" charset="0"/>
-              <a:buChar char="•"/>
-            </a:pPr>
+              <a:t>Must know how to open an R window</a:t>
+            </a:r>
+          </a:p>
+          <a:p>
+            <a:endParaRPr lang="en-US" dirty="0"/>
+          </a:p>
+          <a:p>
             <a:r>
               <a:rPr lang="en-US" dirty="0" smtClean="0"/>
-              <a:t>May take some time</a:t>
-            </a:r>
-          </a:p>
-          <a:p>
-            <a:pPr marL="800100" lvl="1" indent="-342900">
-              <a:buFont typeface="Arial" panose="020B0604020202020204" pitchFamily="34" charset="0"/>
-              <a:buChar char="•"/>
-            </a:pPr>
+              <a:t>Type in</a:t>
+            </a:r>
+          </a:p>
+          <a:p>
             <a:r>
               <a:rPr lang="en-US" dirty="0" smtClean="0"/>
-              <a:t>Need input from all departments that write notes</a:t>
-            </a:r>
-          </a:p>
-          <a:p>
-            <a:pPr marL="342900" indent="-342900">
-              <a:buFont typeface="+mj-lt"/>
-              <a:buAutoNum type="arabicPeriod"/>
-            </a:pPr>
+              <a:t>Source(</a:t>
+            </a:r>
+            <a:r>
+              <a:rPr lang="en-US" i="1" dirty="0" smtClean="0"/>
+              <a:t>script location), hit enter</a:t>
+            </a:r>
+          </a:p>
+          <a:p>
             <a:r>
               <a:rPr lang="en-US" dirty="0" smtClean="0"/>
-              <a:t>Want: Sequence ID counts to be weighted by number of times sequence was made</a:t>
-            </a:r>
-          </a:p>
-          <a:p>
-            <a:pPr marL="342900" indent="-342900">
-              <a:buFont typeface="+mj-lt"/>
-              <a:buAutoNum type="arabicPeriod"/>
-            </a:pPr>
+              <a:t>Ex) </a:t>
+            </a:r>
+            <a:r>
+              <a:rPr lang="en-US" dirty="0"/>
+              <a:t>source('C:/</a:t>
+            </a:r>
             <a:r>
               <a:rPr lang="en-US" dirty="0" smtClean="0"/>
-              <a:t>Want: Impurity list, showing number of times a specific weighted impurity has shown up</a:t>
-            </a:r>
-          </a:p>
-          <a:p>
-            <a:pPr marL="342900" indent="-342900">
-              <a:buFont typeface="+mj-lt"/>
-              <a:buAutoNum type="arabicPeriod"/>
-            </a:pPr>
+              <a:t>Users/</a:t>
+            </a:r>
+            <a:r>
+              <a:rPr lang="en-US" dirty="0" err="1" smtClean="0"/>
+              <a:t>cferguson</a:t>
+            </a:r>
             <a:r>
               <a:rPr lang="en-US" dirty="0" smtClean="0"/>
-              <a:t>Want: Direct FileMaker connection</a:t>
-            </a:r>
-          </a:p>
-          <a:p>
-            <a:pPr marL="342900" indent="-342900">
-              <a:buFont typeface="+mj-lt"/>
-              <a:buAutoNum type="arabicPeriod"/>
-            </a:pPr>
+              <a:t>/Desktop/</a:t>
+            </a:r>
+            <a:r>
+              <a:rPr lang="en-US" dirty="0" err="1" smtClean="0"/>
+              <a:t>Failure_List</a:t>
+            </a:r>
             <a:r>
               <a:rPr lang="en-US" dirty="0" smtClean="0"/>
-              <a:t>Want: Suggestions, Ideas, categories, </a:t>
+              <a:t>/</a:t>
             </a:r>
             <a:r>
               <a:rPr lang="en-US" dirty="0" err="1" smtClean="0"/>
-              <a:t>etc</a:t>
-            </a:r>
-            <a:endParaRPr lang="en-US" dirty="0" smtClean="0"/>
-          </a:p>
-        </p:txBody>
-      </p:sp>
-      <p:graphicFrame>
-        <p:nvGraphicFramePr>
-          <p:cNvPr id="7" name="Table 6"/>
-          <p:cNvGraphicFramePr>
-            <a:graphicFrameLocks noGrp="1"/>
-          </p:cNvGraphicFramePr>
-          <p:nvPr>
-            <p:extLst>
-              <p:ext uri="{D42A27DB-BD31-4B8C-83A1-F6EECF244321}">
-                <p14:modId xmlns:p14="http://schemas.microsoft.com/office/powerpoint/2010/main" val="353308408"/>
-              </p:ext>
-            </p:extLst>
-          </p:nvPr>
-        </p:nvGraphicFramePr>
-        <p:xfrm>
-          <a:off x="1219200" y="4724400"/>
-          <a:ext cx="6858000" cy="1844040"/>
-        </p:xfrm>
-        <a:graphic>
-          <a:graphicData uri="http://schemas.openxmlformats.org/drawingml/2006/table">
-            <a:tbl>
-              <a:tblPr firstRow="1" bandRow="1">
-                <a:tableStyleId>{5C22544A-7EE6-4342-B048-85BDC9FD1C3A}</a:tableStyleId>
-              </a:tblPr>
-              <a:tblGrid>
-                <a:gridCol w="1714500"/>
-                <a:gridCol w="1714500"/>
-                <a:gridCol w="1714500"/>
-                <a:gridCol w="1714500"/>
-              </a:tblGrid>
-              <a:tr h="381000">
-                <a:tc>
-                  <a:txBody>
-                    <a:bodyPr/>
-                    <a:lstStyle/>
-                    <a:p>
-                      <a:r>
-                        <a:rPr lang="en-US" dirty="0" smtClean="0"/>
-                        <a:t>Search Window</a:t>
-                      </a:r>
-                      <a:endParaRPr lang="en-US" dirty="0"/>
-                    </a:p>
-                  </a:txBody>
-                  <a:tcPr/>
-                </a:tc>
-                <a:tc>
-                  <a:txBody>
-                    <a:bodyPr/>
-                    <a:lstStyle/>
-                    <a:p>
-                      <a:r>
-                        <a:rPr lang="en-US" dirty="0" smtClean="0"/>
-                        <a:t>Export Time</a:t>
-                      </a:r>
-                      <a:endParaRPr lang="en-US" dirty="0"/>
-                    </a:p>
-                  </a:txBody>
-                  <a:tcPr/>
-                </a:tc>
-                <a:tc>
-                  <a:txBody>
-                    <a:bodyPr/>
-                    <a:lstStyle/>
-                    <a:p>
-                      <a:r>
-                        <a:rPr lang="en-US" dirty="0" smtClean="0"/>
-                        <a:t>Script Time</a:t>
-                      </a:r>
-                      <a:endParaRPr lang="en-US" dirty="0"/>
-                    </a:p>
-                  </a:txBody>
-                  <a:tcPr/>
-                </a:tc>
-                <a:tc>
-                  <a:txBody>
-                    <a:bodyPr/>
-                    <a:lstStyle/>
-                    <a:p>
-                      <a:r>
-                        <a:rPr lang="en-US" dirty="0" smtClean="0"/>
-                        <a:t>Total time</a:t>
-                      </a:r>
-                      <a:endParaRPr lang="en-US" dirty="0"/>
-                    </a:p>
-                  </a:txBody>
-                  <a:tcPr/>
-                </a:tc>
-              </a:tr>
-              <a:tr h="361635">
-                <a:tc>
-                  <a:txBody>
-                    <a:bodyPr/>
-                    <a:lstStyle/>
-                    <a:p>
-                      <a:r>
-                        <a:rPr lang="en-US" dirty="0" smtClean="0"/>
-                        <a:t>1 Year</a:t>
-                      </a:r>
-                      <a:endParaRPr lang="en-US" dirty="0"/>
-                    </a:p>
-                  </a:txBody>
-                  <a:tcPr/>
-                </a:tc>
-                <a:tc>
-                  <a:txBody>
-                    <a:bodyPr/>
-                    <a:lstStyle/>
-                    <a:p>
-                      <a:r>
-                        <a:rPr lang="en-US" dirty="0" smtClean="0"/>
-                        <a:t>~8 min</a:t>
-                      </a:r>
-                      <a:endParaRPr lang="en-US" dirty="0"/>
-                    </a:p>
-                  </a:txBody>
-                  <a:tcPr/>
-                </a:tc>
-                <a:tc>
-                  <a:txBody>
-                    <a:bodyPr/>
-                    <a:lstStyle/>
-                    <a:p>
-                      <a:r>
-                        <a:rPr lang="en-US" dirty="0" smtClean="0"/>
-                        <a:t>5 Sec</a:t>
-                      </a:r>
-                      <a:endParaRPr lang="en-US" dirty="0"/>
-                    </a:p>
-                  </a:txBody>
-                  <a:tcPr/>
-                </a:tc>
-                <a:tc>
-                  <a:txBody>
-                    <a:bodyPr/>
-                    <a:lstStyle/>
-                    <a:p>
-                      <a:r>
-                        <a:rPr lang="en-US" dirty="0" smtClean="0"/>
-                        <a:t>8min 5</a:t>
-                      </a:r>
-                      <a:r>
-                        <a:rPr lang="en-US" baseline="0" dirty="0" smtClean="0"/>
-                        <a:t> sec</a:t>
-                      </a:r>
-                    </a:p>
-                  </a:txBody>
-                  <a:tcPr/>
-                </a:tc>
-              </a:tr>
-              <a:tr h="361635">
-                <a:tc>
-                  <a:txBody>
-                    <a:bodyPr/>
-                    <a:lstStyle/>
-                    <a:p>
-                      <a:r>
-                        <a:rPr lang="en-US" dirty="0" smtClean="0"/>
-                        <a:t>1 Month</a:t>
-                      </a:r>
-                      <a:endParaRPr lang="en-US" dirty="0"/>
-                    </a:p>
-                  </a:txBody>
-                  <a:tcPr/>
-                </a:tc>
-                <a:tc>
-                  <a:txBody>
-                    <a:bodyPr/>
-                    <a:lstStyle/>
-                    <a:p>
-                      <a:r>
-                        <a:rPr lang="en-US" dirty="0" smtClean="0"/>
-                        <a:t>10 sec</a:t>
-                      </a:r>
-                      <a:endParaRPr lang="en-US" dirty="0"/>
-                    </a:p>
-                  </a:txBody>
-                  <a:tcPr/>
-                </a:tc>
-                <a:tc>
-                  <a:txBody>
-                    <a:bodyPr/>
-                    <a:lstStyle/>
-                    <a:p>
-                      <a:r>
-                        <a:rPr lang="en-US" dirty="0" smtClean="0"/>
-                        <a:t>&lt;1 Sec</a:t>
-                      </a:r>
-                      <a:endParaRPr lang="en-US" dirty="0"/>
-                    </a:p>
-                  </a:txBody>
-                  <a:tcPr/>
-                </a:tc>
-                <a:tc>
-                  <a:txBody>
-                    <a:bodyPr/>
-                    <a:lstStyle/>
-                    <a:p>
-                      <a:r>
-                        <a:rPr lang="en-US" dirty="0" smtClean="0"/>
-                        <a:t>11 sec</a:t>
-                      </a:r>
-                      <a:endParaRPr lang="en-US" dirty="0"/>
-                    </a:p>
-                  </a:txBody>
-                  <a:tcPr/>
-                </a:tc>
-              </a:tr>
-              <a:tr h="361635">
-                <a:tc>
-                  <a:txBody>
-                    <a:bodyPr/>
-                    <a:lstStyle/>
-                    <a:p>
-                      <a:r>
-                        <a:rPr lang="en-US" dirty="0" smtClean="0"/>
-                        <a:t>1 Week</a:t>
-                      </a:r>
-                      <a:endParaRPr lang="en-US" dirty="0"/>
-                    </a:p>
-                  </a:txBody>
-                  <a:tcPr/>
-                </a:tc>
-                <a:tc>
-                  <a:txBody>
-                    <a:bodyPr/>
-                    <a:lstStyle/>
-                    <a:p>
-                      <a:r>
-                        <a:rPr lang="en-US" dirty="0" smtClean="0"/>
-                        <a:t>&lt;1 sec</a:t>
-                      </a:r>
-                      <a:endParaRPr lang="en-US" dirty="0"/>
-                    </a:p>
-                  </a:txBody>
-                  <a:tcPr/>
-                </a:tc>
-                <a:tc>
-                  <a:txBody>
-                    <a:bodyPr/>
-                    <a:lstStyle/>
-                    <a:p>
-                      <a:r>
-                        <a:rPr lang="en-US" dirty="0" smtClean="0"/>
-                        <a:t>&lt;1 sec</a:t>
-                      </a:r>
-                      <a:endParaRPr lang="en-US" dirty="0"/>
-                    </a:p>
-                  </a:txBody>
-                  <a:tcPr/>
-                </a:tc>
-                <a:tc>
-                  <a:txBody>
-                    <a:bodyPr/>
-                    <a:lstStyle/>
-                    <a:p>
-                      <a:r>
-                        <a:rPr lang="en-US" dirty="0" smtClean="0"/>
-                        <a:t>1 sec</a:t>
-                      </a:r>
-                      <a:endParaRPr lang="en-US" dirty="0"/>
-                    </a:p>
-                  </a:txBody>
-                  <a:tcPr/>
-                </a:tc>
-              </a:tr>
-              <a:tr h="361635">
-                <a:tc>
-                  <a:txBody>
-                    <a:bodyPr/>
-                    <a:lstStyle/>
-                    <a:p>
-                      <a:r>
-                        <a:rPr lang="en-US" dirty="0" smtClean="0"/>
-                        <a:t>1 Day</a:t>
-                      </a:r>
-                      <a:endParaRPr lang="en-US" dirty="0"/>
-                    </a:p>
-                  </a:txBody>
-                  <a:tcPr/>
-                </a:tc>
-                <a:tc>
-                  <a:txBody>
-                    <a:bodyPr/>
-                    <a:lstStyle/>
-                    <a:p>
-                      <a:r>
-                        <a:rPr lang="en-US" dirty="0" smtClean="0"/>
-                        <a:t>&lt;1 sec</a:t>
-                      </a:r>
-                      <a:endParaRPr lang="en-US" dirty="0"/>
-                    </a:p>
-                  </a:txBody>
-                  <a:tcPr/>
-                </a:tc>
-                <a:tc>
-                  <a:txBody>
-                    <a:bodyPr/>
-                    <a:lstStyle/>
-                    <a:p>
-                      <a:r>
-                        <a:rPr lang="en-US" dirty="0" smtClean="0"/>
-                        <a:t>&lt;1 sec</a:t>
-                      </a:r>
-                      <a:endParaRPr lang="en-US" dirty="0"/>
-                    </a:p>
-                  </a:txBody>
-                  <a:tcPr/>
-                </a:tc>
-                <a:tc>
-                  <a:txBody>
-                    <a:bodyPr/>
-                    <a:lstStyle/>
-                    <a:p>
-                      <a:r>
-                        <a:rPr lang="en-US" dirty="0" smtClean="0"/>
-                        <a:t>&lt;1</a:t>
-                      </a:r>
-                      <a:r>
-                        <a:rPr lang="en-US" baseline="0" dirty="0" smtClean="0"/>
-                        <a:t> sec</a:t>
-                      </a:r>
-                      <a:endParaRPr lang="en-US" dirty="0"/>
-                    </a:p>
-                  </a:txBody>
-                  <a:tcPr/>
-                </a:tc>
-              </a:tr>
-            </a:tbl>
-          </a:graphicData>
-        </a:graphic>
-      </p:graphicFrame>
+              <a:t>failurelist.R</a:t>
+            </a:r>
+            <a:r>
+              <a:rPr lang="en-US" dirty="0" smtClean="0"/>
+              <a:t>”)</a:t>
+            </a:r>
+          </a:p>
+          <a:p>
+            <a:r>
+              <a:rPr lang="en-US" i="1" dirty="0" smtClean="0"/>
+              <a:t>Or</a:t>
+            </a:r>
+          </a:p>
+          <a:p>
+            <a:r>
+              <a:rPr lang="en-US" dirty="0" smtClean="0"/>
+              <a:t>Source(“</a:t>
+            </a:r>
+            <a:r>
+              <a:rPr lang="en-US" dirty="0" err="1" smtClean="0"/>
+              <a:t>failurelist.R</a:t>
+            </a:r>
+            <a:r>
+              <a:rPr lang="en-US" dirty="0" smtClean="0"/>
+              <a:t>”)</a:t>
+            </a:r>
+            <a:endParaRPr lang="en-US" dirty="0"/>
+          </a:p>
+        </p:txBody>
+      </p:sp>
+      <p:sp>
+        <p:nvSpPr>
+          <p:cNvPr id="5" name="TextBox 4"/>
+          <p:cNvSpPr txBox="1"/>
+          <p:nvPr/>
+        </p:nvSpPr>
+        <p:spPr>
+          <a:xfrm>
+            <a:off x="265545" y="4191000"/>
+            <a:ext cx="6172200" cy="2308324"/>
+          </a:xfrm>
+          <a:prstGeom prst="rect">
+            <a:avLst/>
+          </a:prstGeom>
+          <a:noFill/>
+        </p:spPr>
+        <p:txBody>
+          <a:bodyPr wrap="square" rtlCol="0">
+            <a:spAutoFit/>
+          </a:bodyPr>
+          <a:lstStyle/>
+          <a:p>
+            <a:r>
+              <a:rPr lang="en-US" dirty="0" smtClean="0"/>
+              <a:t>Script will now ask:</a:t>
+            </a:r>
+          </a:p>
+          <a:p>
+            <a:r>
+              <a:rPr lang="en-US" dirty="0" smtClean="0"/>
+              <a:t>What is the data file called? Don't forget the extension... </a:t>
+            </a:r>
+          </a:p>
+          <a:p>
+            <a:r>
+              <a:rPr lang="en-US" dirty="0"/>
+              <a:t> </a:t>
+            </a:r>
+            <a:r>
+              <a:rPr lang="en-US" i="1" dirty="0" smtClean="0"/>
+              <a:t>type in the name (and if necessary) the location of the .tab file. Hit Enter</a:t>
+            </a:r>
+          </a:p>
+          <a:p>
+            <a:endParaRPr lang="en-US" i="1" dirty="0"/>
+          </a:p>
+          <a:p>
+            <a:r>
+              <a:rPr lang="en-US" dirty="0" smtClean="0"/>
+              <a:t>"What is the output file called?...  “</a:t>
+            </a:r>
+          </a:p>
+          <a:p>
+            <a:r>
+              <a:rPr lang="en-US" i="1" dirty="0" smtClean="0"/>
+              <a:t>Type in the name you wish the data file to be saved as. No extension necessary</a:t>
+            </a:r>
+            <a:endParaRPr lang="en-US" i="1" dirty="0"/>
+          </a:p>
+        </p:txBody>
+      </p:sp>
     </p:spTree>
     <p:extLst>
       <p:ext uri="{BB962C8B-B14F-4D97-AF65-F5344CB8AC3E}">
-        <p14:creationId xmlns:p14="http://schemas.microsoft.com/office/powerpoint/2010/main" val="237473853"/>
+        <p14:creationId xmlns:p14="http://schemas.microsoft.com/office/powerpoint/2010/main" val="3433665079"/>
       </p:ext>
     </p:extLst>
   </p:cSld>
   <p:clrMapOvr>
     <a:masterClrMapping/>
   </p:clrMapOvr>
-  <mc:AlternateContent xmlns:mc="http://schemas.openxmlformats.org/markup-compatibility/2006">
-    <mc:Choice xmlns:p14="http://schemas.microsoft.com/office/powerpoint/2010/main" Requires="p14">
+  <mc:AlternateContent xmlns:mc="http://schemas.openxmlformats.org/markup-compatibility/2006" xmlns:p14="http://schemas.microsoft.com/office/powerpoint/2010/main">
+    <mc:Choice Requires="p14">
       <p:transition p14:dur="0"/>
     </mc:Choice>
-    <mc:Fallback>
+    <mc:Fallback xmlns="">
       <p:transition/>
     </mc:Fallback>
   </mc:AlternateContent>
@@ -7965,4 +11390,289 @@
   <a:objectDefaults/>
   <a:extraClrSchemeLst/>
 </a:theme>
+</file>
+
+<file path=ppt/theme/theme2.xml><?xml version="1.0" encoding="utf-8"?>
+<a:theme xmlns:a="http://schemas.openxmlformats.org/drawingml/2006/main" name="Office Theme">
+  <a:themeElements>
+    <a:clrScheme name="Office">
+      <a:dk1>
+        <a:sysClr val="windowText" lastClr="000000"/>
+      </a:dk1>
+      <a:lt1>
+        <a:sysClr val="window" lastClr="FFFFFF"/>
+      </a:lt1>
+      <a:dk2>
+        <a:srgbClr val="1F497D"/>
+      </a:dk2>
+      <a:lt2>
+        <a:srgbClr val="EEECE1"/>
+      </a:lt2>
+      <a:accent1>
+        <a:srgbClr val="4F81BD"/>
+      </a:accent1>
+      <a:accent2>
+        <a:srgbClr val="C0504D"/>
+      </a:accent2>
+      <a:accent3>
+        <a:srgbClr val="9BBB59"/>
+      </a:accent3>
+      <a:accent4>
+        <a:srgbClr val="8064A2"/>
+      </a:accent4>
+      <a:accent5>
+        <a:srgbClr val="4BACC6"/>
+      </a:accent5>
+      <a:accent6>
+        <a:srgbClr val="F79646"/>
+      </a:accent6>
+      <a:hlink>
+        <a:srgbClr val="0000FF"/>
+      </a:hlink>
+      <a:folHlink>
+        <a:srgbClr val="800080"/>
+      </a:folHlink>
+    </a:clrScheme>
+    <a:fontScheme name="Office">
+      <a:majorFont>
+        <a:latin typeface="Calibri"/>
+        <a:ea typeface=""/>
+        <a:cs typeface=""/>
+        <a:font script="Jpan" typeface="ＭＳ Ｐゴシック"/>
+        <a:font script="Hang" typeface="맑은 고딕"/>
+        <a:font script="Hans" typeface="宋体"/>
+        <a:font script="Hant" typeface="新細明體"/>
+        <a:font script="Arab" typeface="Times New Roman"/>
+        <a:font script="Hebr" typeface="Times New Roman"/>
+        <a:font script="Thai" typeface="Angsana New"/>
+        <a:font script="Ethi" typeface="Nyala"/>
+        <a:font script="Beng" typeface="Vrinda"/>
+        <a:font script="Gujr" typeface="Shruti"/>
+        <a:font script="Khmr" typeface="MoolBoran"/>
+        <a:font script="Knda" typeface="Tunga"/>
+        <a:font script="Guru" typeface="Raavi"/>
+        <a:font script="Cans" typeface="Euphemia"/>
+        <a:font script="Cher" typeface="Plantagenet Cherokee"/>
+        <a:font script="Yiii" typeface="Microsoft Yi Baiti"/>
+        <a:font script="Tibt" typeface="Microsoft Himalaya"/>
+        <a:font script="Thaa" typeface="MV Boli"/>
+        <a:font script="Deva" typeface="Mangal"/>
+        <a:font script="Telu" typeface="Gautami"/>
+        <a:font script="Taml" typeface="Latha"/>
+        <a:font script="Syrc" typeface="Estrangelo Edessa"/>
+        <a:font script="Orya" typeface="Kalinga"/>
+        <a:font script="Mlym" typeface="Kartika"/>
+        <a:font script="Laoo" typeface="DokChampa"/>
+        <a:font script="Sinh" typeface="Iskoola Pota"/>
+        <a:font script="Mong" typeface="Mongolian Baiti"/>
+        <a:font script="Viet" typeface="Times New Roman"/>
+        <a:font script="Uigh" typeface="Microsoft Uighur"/>
+        <a:font script="Geor" typeface="Sylfaen"/>
+      </a:majorFont>
+      <a:minorFont>
+        <a:latin typeface="Calibri"/>
+        <a:ea typeface=""/>
+        <a:cs typeface=""/>
+        <a:font script="Jpan" typeface="ＭＳ Ｐゴシック"/>
+        <a:font script="Hang" typeface="맑은 고딕"/>
+        <a:font script="Hans" typeface="宋体"/>
+        <a:font script="Hant" typeface="新細明體"/>
+        <a:font script="Arab" typeface="Arial"/>
+        <a:font script="Hebr" typeface="Arial"/>
+        <a:font script="Thai" typeface="Cordia New"/>
+        <a:font script="Ethi" typeface="Nyala"/>
+        <a:font script="Beng" typeface="Vrinda"/>
+        <a:font script="Gujr" typeface="Shruti"/>
+        <a:font script="Khmr" typeface="DaunPenh"/>
+        <a:font script="Knda" typeface="Tunga"/>
+        <a:font script="Guru" typeface="Raavi"/>
+        <a:font script="Cans" typeface="Euphemia"/>
+        <a:font script="Cher" typeface="Plantagenet Cherokee"/>
+        <a:font script="Yiii" typeface="Microsoft Yi Baiti"/>
+        <a:font script="Tibt" typeface="Microsoft Himalaya"/>
+        <a:font script="Thaa" typeface="MV Boli"/>
+        <a:font script="Deva" typeface="Mangal"/>
+        <a:font script="Telu" typeface="Gautami"/>
+        <a:font script="Taml" typeface="Latha"/>
+        <a:font script="Syrc" typeface="Estrangelo Edessa"/>
+        <a:font script="Orya" typeface="Kalinga"/>
+        <a:font script="Mlym" typeface="Kartika"/>
+        <a:font script="Laoo" typeface="DokChampa"/>
+        <a:font script="Sinh" typeface="Iskoola Pota"/>
+        <a:font script="Mong" typeface="Mongolian Baiti"/>
+        <a:font script="Viet" typeface="Arial"/>
+        <a:font script="Uigh" typeface="Microsoft Uighur"/>
+        <a:font script="Geor" typeface="Sylfaen"/>
+      </a:minorFont>
+    </a:fontScheme>
+    <a:fmtScheme name="Office">
+      <a:fillStyleLst>
+        <a:solidFill>
+          <a:schemeClr val="phClr"/>
+        </a:solidFill>
+        <a:gradFill rotWithShape="1">
+          <a:gsLst>
+            <a:gs pos="0">
+              <a:schemeClr val="phClr">
+                <a:tint val="50000"/>
+                <a:satMod val="300000"/>
+              </a:schemeClr>
+            </a:gs>
+            <a:gs pos="35000">
+              <a:schemeClr val="phClr">
+                <a:tint val="37000"/>
+                <a:satMod val="300000"/>
+              </a:schemeClr>
+            </a:gs>
+            <a:gs pos="100000">
+              <a:schemeClr val="phClr">
+                <a:tint val="15000"/>
+                <a:satMod val="350000"/>
+              </a:schemeClr>
+            </a:gs>
+          </a:gsLst>
+          <a:lin ang="16200000" scaled="1"/>
+        </a:gradFill>
+        <a:gradFill rotWithShape="1">
+          <a:gsLst>
+            <a:gs pos="0">
+              <a:schemeClr val="phClr">
+                <a:shade val="51000"/>
+                <a:satMod val="130000"/>
+              </a:schemeClr>
+            </a:gs>
+            <a:gs pos="80000">
+              <a:schemeClr val="phClr">
+                <a:shade val="93000"/>
+                <a:satMod val="130000"/>
+              </a:schemeClr>
+            </a:gs>
+            <a:gs pos="100000">
+              <a:schemeClr val="phClr">
+                <a:shade val="94000"/>
+                <a:satMod val="135000"/>
+              </a:schemeClr>
+            </a:gs>
+          </a:gsLst>
+          <a:lin ang="16200000" scaled="0"/>
+        </a:gradFill>
+      </a:fillStyleLst>
+      <a:lnStyleLst>
+        <a:ln w="9525" cap="flat" cmpd="sng" algn="ctr">
+          <a:solidFill>
+            <a:schemeClr val="phClr">
+              <a:shade val="95000"/>
+              <a:satMod val="105000"/>
+            </a:schemeClr>
+          </a:solidFill>
+          <a:prstDash val="solid"/>
+        </a:ln>
+        <a:ln w="25400" cap="flat" cmpd="sng" algn="ctr">
+          <a:solidFill>
+            <a:schemeClr val="phClr"/>
+          </a:solidFill>
+          <a:prstDash val="solid"/>
+        </a:ln>
+        <a:ln w="38100" cap="flat" cmpd="sng" algn="ctr">
+          <a:solidFill>
+            <a:schemeClr val="phClr"/>
+          </a:solidFill>
+          <a:prstDash val="solid"/>
+        </a:ln>
+      </a:lnStyleLst>
+      <a:effectStyleLst>
+        <a:effectStyle>
+          <a:effectLst>
+            <a:outerShdw blurRad="40000" dist="20000" dir="5400000" rotWithShape="0">
+              <a:srgbClr val="000000">
+                <a:alpha val="38000"/>
+              </a:srgbClr>
+            </a:outerShdw>
+          </a:effectLst>
+        </a:effectStyle>
+        <a:effectStyle>
+          <a:effectLst>
+            <a:outerShdw blurRad="40000" dist="23000" dir="5400000" rotWithShape="0">
+              <a:srgbClr val="000000">
+                <a:alpha val="35000"/>
+              </a:srgbClr>
+            </a:outerShdw>
+          </a:effectLst>
+        </a:effectStyle>
+        <a:effectStyle>
+          <a:effectLst>
+            <a:outerShdw blurRad="40000" dist="23000" dir="5400000" rotWithShape="0">
+              <a:srgbClr val="000000">
+                <a:alpha val="35000"/>
+              </a:srgbClr>
+            </a:outerShdw>
+          </a:effectLst>
+          <a:scene3d>
+            <a:camera prst="orthographicFront">
+              <a:rot lat="0" lon="0" rev="0"/>
+            </a:camera>
+            <a:lightRig rig="threePt" dir="t">
+              <a:rot lat="0" lon="0" rev="1200000"/>
+            </a:lightRig>
+          </a:scene3d>
+          <a:sp3d>
+            <a:bevelT w="63500" h="25400"/>
+          </a:sp3d>
+        </a:effectStyle>
+      </a:effectStyleLst>
+      <a:bgFillStyleLst>
+        <a:solidFill>
+          <a:schemeClr val="phClr"/>
+        </a:solidFill>
+        <a:gradFill rotWithShape="1">
+          <a:gsLst>
+            <a:gs pos="0">
+              <a:schemeClr val="phClr">
+                <a:tint val="40000"/>
+                <a:satMod val="350000"/>
+              </a:schemeClr>
+            </a:gs>
+            <a:gs pos="40000">
+              <a:schemeClr val="phClr">
+                <a:tint val="45000"/>
+                <a:shade val="99000"/>
+                <a:satMod val="350000"/>
+              </a:schemeClr>
+            </a:gs>
+            <a:gs pos="100000">
+              <a:schemeClr val="phClr">
+                <a:shade val="20000"/>
+                <a:satMod val="255000"/>
+              </a:schemeClr>
+            </a:gs>
+          </a:gsLst>
+          <a:path path="circle">
+            <a:fillToRect l="50000" t="-80000" r="50000" b="180000"/>
+          </a:path>
+        </a:gradFill>
+        <a:gradFill rotWithShape="1">
+          <a:gsLst>
+            <a:gs pos="0">
+              <a:schemeClr val="phClr">
+                <a:tint val="80000"/>
+                <a:satMod val="300000"/>
+              </a:schemeClr>
+            </a:gs>
+            <a:gs pos="100000">
+              <a:schemeClr val="phClr">
+                <a:shade val="30000"/>
+                <a:satMod val="200000"/>
+              </a:schemeClr>
+            </a:gs>
+          </a:gsLst>
+          <a:path path="circle">
+            <a:fillToRect l="50000" t="50000" r="50000" b="50000"/>
+          </a:path>
+        </a:gradFill>
+      </a:bgFillStyleLst>
+    </a:fmtScheme>
+  </a:themeElements>
+  <a:objectDefaults/>
+  <a:extraClrSchemeLst/>
+</a:theme>
 </file>